--- a/Lectures/Lecture 29/Lecture 29.pptx
+++ b/Lectures/Lecture 29/Lecture 29.pptx
@@ -5,7 +5,7 @@
     <p:sldMasterId id="2147483648" r:id="rId1"/>
   </p:sldMasterIdLst>
   <p:notesMasterIdLst>
-    <p:notesMasterId r:id="rId18"/>
+    <p:notesMasterId r:id="rId21"/>
   </p:notesMasterIdLst>
   <p:sldIdLst>
     <p:sldId id="256" r:id="rId2"/>
@@ -23,7 +23,10 @@
     <p:sldId id="678" r:id="rId14"/>
     <p:sldId id="680" r:id="rId15"/>
     <p:sldId id="679" r:id="rId16"/>
-    <p:sldId id="258" r:id="rId17"/>
+    <p:sldId id="681" r:id="rId17"/>
+    <p:sldId id="682" r:id="rId18"/>
+    <p:sldId id="683" r:id="rId19"/>
+    <p:sldId id="258" r:id="rId20"/>
   </p:sldIdLst>
   <p:sldSz cx="12192000" cy="6858000"/>
   <p:notesSz cx="6858000" cy="9144000"/>
@@ -986,6 +989,258 @@
     <p:extLst>
       <p:ext uri="{BB962C8B-B14F-4D97-AF65-F5344CB8AC3E}">
         <p14:creationId xmlns:p14="http://schemas.microsoft.com/office/powerpoint/2010/main" val="3098876853"/>
+      </p:ext>
+    </p:extLst>
+  </p:cSld>
+  <p:clrMapOvr>
+    <a:masterClrMapping/>
+  </p:clrMapOvr>
+</p:notes>
+</file>
+
+<file path=ppt/notesSlides/notesSlide15.xml><?xml version="1.0" encoding="utf-8"?>
+<p:notes xmlns:a="http://schemas.openxmlformats.org/drawingml/2006/main" xmlns:r="http://schemas.openxmlformats.org/officeDocument/2006/relationships" xmlns:p="http://schemas.openxmlformats.org/presentationml/2006/main">
+  <p:cSld>
+    <p:spTree>
+      <p:nvGrpSpPr>
+        <p:cNvPr id="1" name=""/>
+        <p:cNvGrpSpPr/>
+        <p:nvPr/>
+      </p:nvGrpSpPr>
+      <p:grpSpPr>
+        <a:xfrm>
+          <a:off x="0" y="0"/>
+          <a:ext cx="0" cy="0"/>
+          <a:chOff x="0" y="0"/>
+          <a:chExt cx="0" cy="0"/>
+        </a:xfrm>
+      </p:grpSpPr>
+      <p:sp>
+        <p:nvSpPr>
+          <p:cNvPr id="2" name="Slide Image Placeholder 1"/>
+          <p:cNvSpPr>
+            <a:spLocks noGrp="1" noRot="1" noChangeAspect="1"/>
+          </p:cNvSpPr>
+          <p:nvPr>
+            <p:ph type="sldImg"/>
+          </p:nvPr>
+        </p:nvSpPr>
+        <p:spPr/>
+      </p:sp>
+      <p:sp>
+        <p:nvSpPr>
+          <p:cNvPr id="3" name="Notes Placeholder 2"/>
+          <p:cNvSpPr>
+            <a:spLocks noGrp="1"/>
+          </p:cNvSpPr>
+          <p:nvPr>
+            <p:ph type="body" idx="1"/>
+          </p:nvPr>
+        </p:nvSpPr>
+        <p:spPr/>
+        <p:txBody>
+          <a:bodyPr/>
+          <a:lstStyle/>
+          <a:p>
+            <a:endParaRPr lang="en-US" dirty="0"/>
+          </a:p>
+        </p:txBody>
+      </p:sp>
+      <p:sp>
+        <p:nvSpPr>
+          <p:cNvPr id="4" name="Slide Number Placeholder 3"/>
+          <p:cNvSpPr>
+            <a:spLocks noGrp="1"/>
+          </p:cNvSpPr>
+          <p:nvPr>
+            <p:ph type="sldNum" sz="quarter" idx="5"/>
+          </p:nvPr>
+        </p:nvSpPr>
+        <p:spPr/>
+        <p:txBody>
+          <a:bodyPr/>
+          <a:lstStyle/>
+          <a:p>
+            <a:fld id="{D0C8C37F-A19A-4BCE-ACB3-EB59C17BCC56}" type="slidenum">
+              <a:rPr lang="en-US" smtClean="0"/>
+              <a:t>16</a:t>
+            </a:fld>
+            <a:endParaRPr lang="en-US"/>
+          </a:p>
+        </p:txBody>
+      </p:sp>
+    </p:spTree>
+    <p:extLst>
+      <p:ext uri="{BB962C8B-B14F-4D97-AF65-F5344CB8AC3E}">
+        <p14:creationId xmlns:p14="http://schemas.microsoft.com/office/powerpoint/2010/main" val="3711144885"/>
+      </p:ext>
+    </p:extLst>
+  </p:cSld>
+  <p:clrMapOvr>
+    <a:masterClrMapping/>
+  </p:clrMapOvr>
+</p:notes>
+</file>
+
+<file path=ppt/notesSlides/notesSlide16.xml><?xml version="1.0" encoding="utf-8"?>
+<p:notes xmlns:a="http://schemas.openxmlformats.org/drawingml/2006/main" xmlns:r="http://schemas.openxmlformats.org/officeDocument/2006/relationships" xmlns:p="http://schemas.openxmlformats.org/presentationml/2006/main">
+  <p:cSld>
+    <p:spTree>
+      <p:nvGrpSpPr>
+        <p:cNvPr id="1" name=""/>
+        <p:cNvGrpSpPr/>
+        <p:nvPr/>
+      </p:nvGrpSpPr>
+      <p:grpSpPr>
+        <a:xfrm>
+          <a:off x="0" y="0"/>
+          <a:ext cx="0" cy="0"/>
+          <a:chOff x="0" y="0"/>
+          <a:chExt cx="0" cy="0"/>
+        </a:xfrm>
+      </p:grpSpPr>
+      <p:sp>
+        <p:nvSpPr>
+          <p:cNvPr id="2" name="Slide Image Placeholder 1"/>
+          <p:cNvSpPr>
+            <a:spLocks noGrp="1" noRot="1" noChangeAspect="1"/>
+          </p:cNvSpPr>
+          <p:nvPr>
+            <p:ph type="sldImg"/>
+          </p:nvPr>
+        </p:nvSpPr>
+        <p:spPr/>
+      </p:sp>
+      <p:sp>
+        <p:nvSpPr>
+          <p:cNvPr id="3" name="Notes Placeholder 2"/>
+          <p:cNvSpPr>
+            <a:spLocks noGrp="1"/>
+          </p:cNvSpPr>
+          <p:nvPr>
+            <p:ph type="body" idx="1"/>
+          </p:nvPr>
+        </p:nvSpPr>
+        <p:spPr/>
+        <p:txBody>
+          <a:bodyPr/>
+          <a:lstStyle/>
+          <a:p>
+            <a:endParaRPr lang="en-US" dirty="0"/>
+          </a:p>
+        </p:txBody>
+      </p:sp>
+      <p:sp>
+        <p:nvSpPr>
+          <p:cNvPr id="4" name="Slide Number Placeholder 3"/>
+          <p:cNvSpPr>
+            <a:spLocks noGrp="1"/>
+          </p:cNvSpPr>
+          <p:nvPr>
+            <p:ph type="sldNum" sz="quarter" idx="5"/>
+          </p:nvPr>
+        </p:nvSpPr>
+        <p:spPr/>
+        <p:txBody>
+          <a:bodyPr/>
+          <a:lstStyle/>
+          <a:p>
+            <a:fld id="{D0C8C37F-A19A-4BCE-ACB3-EB59C17BCC56}" type="slidenum">
+              <a:rPr lang="en-US" smtClean="0"/>
+              <a:t>17</a:t>
+            </a:fld>
+            <a:endParaRPr lang="en-US"/>
+          </a:p>
+        </p:txBody>
+      </p:sp>
+    </p:spTree>
+    <p:extLst>
+      <p:ext uri="{BB962C8B-B14F-4D97-AF65-F5344CB8AC3E}">
+        <p14:creationId xmlns:p14="http://schemas.microsoft.com/office/powerpoint/2010/main" val="594590078"/>
+      </p:ext>
+    </p:extLst>
+  </p:cSld>
+  <p:clrMapOvr>
+    <a:masterClrMapping/>
+  </p:clrMapOvr>
+</p:notes>
+</file>
+
+<file path=ppt/notesSlides/notesSlide17.xml><?xml version="1.0" encoding="utf-8"?>
+<p:notes xmlns:a="http://schemas.openxmlformats.org/drawingml/2006/main" xmlns:r="http://schemas.openxmlformats.org/officeDocument/2006/relationships" xmlns:p="http://schemas.openxmlformats.org/presentationml/2006/main">
+  <p:cSld>
+    <p:spTree>
+      <p:nvGrpSpPr>
+        <p:cNvPr id="1" name=""/>
+        <p:cNvGrpSpPr/>
+        <p:nvPr/>
+      </p:nvGrpSpPr>
+      <p:grpSpPr>
+        <a:xfrm>
+          <a:off x="0" y="0"/>
+          <a:ext cx="0" cy="0"/>
+          <a:chOff x="0" y="0"/>
+          <a:chExt cx="0" cy="0"/>
+        </a:xfrm>
+      </p:grpSpPr>
+      <p:sp>
+        <p:nvSpPr>
+          <p:cNvPr id="2" name="Slide Image Placeholder 1"/>
+          <p:cNvSpPr>
+            <a:spLocks noGrp="1" noRot="1" noChangeAspect="1"/>
+          </p:cNvSpPr>
+          <p:nvPr>
+            <p:ph type="sldImg"/>
+          </p:nvPr>
+        </p:nvSpPr>
+        <p:spPr/>
+      </p:sp>
+      <p:sp>
+        <p:nvSpPr>
+          <p:cNvPr id="3" name="Notes Placeholder 2"/>
+          <p:cNvSpPr>
+            <a:spLocks noGrp="1"/>
+          </p:cNvSpPr>
+          <p:nvPr>
+            <p:ph type="body" idx="1"/>
+          </p:nvPr>
+        </p:nvSpPr>
+        <p:spPr/>
+        <p:txBody>
+          <a:bodyPr/>
+          <a:lstStyle/>
+          <a:p>
+            <a:endParaRPr lang="en-US" dirty="0"/>
+          </a:p>
+        </p:txBody>
+      </p:sp>
+      <p:sp>
+        <p:nvSpPr>
+          <p:cNvPr id="4" name="Slide Number Placeholder 3"/>
+          <p:cNvSpPr>
+            <a:spLocks noGrp="1"/>
+          </p:cNvSpPr>
+          <p:nvPr>
+            <p:ph type="sldNum" sz="quarter" idx="5"/>
+          </p:nvPr>
+        </p:nvSpPr>
+        <p:spPr/>
+        <p:txBody>
+          <a:bodyPr/>
+          <a:lstStyle/>
+          <a:p>
+            <a:fld id="{D0C8C37F-A19A-4BCE-ACB3-EB59C17BCC56}" type="slidenum">
+              <a:rPr lang="en-US" smtClean="0"/>
+              <a:t>18</a:t>
+            </a:fld>
+            <a:endParaRPr lang="en-US"/>
+          </a:p>
+        </p:txBody>
+      </p:sp>
+    </p:spTree>
+    <p:extLst>
+      <p:ext uri="{BB962C8B-B14F-4D97-AF65-F5344CB8AC3E}">
+        <p14:creationId xmlns:p14="http://schemas.microsoft.com/office/powerpoint/2010/main" val="1876342711"/>
       </p:ext>
     </p:extLst>
   </p:cSld>
@@ -6913,8 +7168,8 @@
           <a:chExt cx="0" cy="0"/>
         </a:xfrm>
       </p:grpSpPr>
-      <mc:AlternateContent xmlns:mc="http://schemas.openxmlformats.org/markup-compatibility/2006">
-        <mc:Choice xmlns:a14="http://schemas.microsoft.com/office/drawing/2010/main" Requires="a14">
+      <mc:AlternateContent xmlns:mc="http://schemas.openxmlformats.org/markup-compatibility/2006" xmlns:a14="http://schemas.microsoft.com/office/drawing/2010/main">
+        <mc:Choice Requires="a14">
           <p:sp>
             <p:nvSpPr>
               <p:cNvPr id="36" name="TextBox 35">
@@ -7312,7 +7567,7 @@
             </p:txBody>
           </p:sp>
         </mc:Choice>
-        <mc:Fallback>
+        <mc:Fallback xmlns="">
           <p:sp>
             <p:nvSpPr>
               <p:cNvPr id="36" name="TextBox 35">
@@ -8286,8 +8541,8 @@
           <a:chExt cx="0" cy="0"/>
         </a:xfrm>
       </p:grpSpPr>
-      <mc:AlternateContent xmlns:mc="http://schemas.openxmlformats.org/markup-compatibility/2006">
-        <mc:Choice xmlns:a14="http://schemas.microsoft.com/office/drawing/2010/main" Requires="a14">
+      <mc:AlternateContent xmlns:mc="http://schemas.openxmlformats.org/markup-compatibility/2006" xmlns:a14="http://schemas.microsoft.com/office/drawing/2010/main">
+        <mc:Choice Requires="a14">
           <p:sp>
             <p:nvSpPr>
               <p:cNvPr id="36" name="TextBox 35">
@@ -8673,7 +8928,7 @@
             </p:txBody>
           </p:sp>
         </mc:Choice>
-        <mc:Fallback>
+        <mc:Fallback xmlns="">
           <p:sp>
             <p:nvSpPr>
               <p:cNvPr id="36" name="TextBox 35">
@@ -9689,8 +9944,8 @@
           <a:chExt cx="0" cy="0"/>
         </a:xfrm>
       </p:grpSpPr>
-      <mc:AlternateContent xmlns:mc="http://schemas.openxmlformats.org/markup-compatibility/2006">
-        <mc:Choice xmlns:a14="http://schemas.microsoft.com/office/drawing/2010/main" Requires="a14">
+      <mc:AlternateContent xmlns:mc="http://schemas.openxmlformats.org/markup-compatibility/2006" xmlns:a14="http://schemas.microsoft.com/office/drawing/2010/main">
+        <mc:Choice Requires="a14">
           <p:sp>
             <p:nvSpPr>
               <p:cNvPr id="36" name="TextBox 35">
@@ -10121,7 +10376,7 @@
             </p:txBody>
           </p:sp>
         </mc:Choice>
-        <mc:Fallback>
+        <mc:Fallback xmlns="">
           <p:sp>
             <p:nvSpPr>
               <p:cNvPr id="36" name="TextBox 35">
@@ -10346,7 +10601,7 @@
                 </a:solidFill>
                 <a:latin typeface="Bodoni MT" panose="02070603080606020203" pitchFamily="18" charset="0"/>
               </a:rPr>
-              <a:t>General Simulation for Discrete</a:t>
+              <a:t>Simulation for Discrete</a:t>
             </a:r>
           </a:p>
         </p:txBody>
@@ -11023,8 +11278,8 @@
           </a:prstGeom>
         </p:spPr>
       </p:pic>
-      <mc:AlternateContent xmlns:mc="http://schemas.openxmlformats.org/markup-compatibility/2006">
-        <mc:Choice xmlns:a14="http://schemas.microsoft.com/office/drawing/2010/main" Requires="a14">
+      <mc:AlternateContent xmlns:mc="http://schemas.openxmlformats.org/markup-compatibility/2006" xmlns:a14="http://schemas.microsoft.com/office/drawing/2010/main">
+        <mc:Choice Requires="a14">
           <p:sp>
             <p:nvSpPr>
               <p:cNvPr id="6" name="TextBox 5">
@@ -11053,6 +11308,7 @@
               </a:bodyPr>
               <a:lstStyle/>
               <a:p>
+                <a:pPr/>
                 <a14:m>
                   <m:oMathPara xmlns:m="http://schemas.openxmlformats.org/officeDocument/2006/math">
                     <m:oMathParaPr>
@@ -11197,7 +11453,7 @@
             </p:txBody>
           </p:sp>
         </mc:Choice>
-        <mc:Fallback>
+        <mc:Fallback xmlns="">
           <p:sp>
             <p:nvSpPr>
               <p:cNvPr id="6" name="TextBox 5">
@@ -11272,8 +11528,8 @@
           <a:chExt cx="0" cy="0"/>
         </a:xfrm>
       </p:grpSpPr>
-      <mc:AlternateContent xmlns:mc="http://schemas.openxmlformats.org/markup-compatibility/2006">
-        <mc:Choice xmlns:a14="http://schemas.microsoft.com/office/drawing/2010/main" Requires="a14">
+      <mc:AlternateContent xmlns:mc="http://schemas.openxmlformats.org/markup-compatibility/2006" xmlns:a14="http://schemas.microsoft.com/office/drawing/2010/main">
+        <mc:Choice Requires="a14">
           <p:sp>
             <p:nvSpPr>
               <p:cNvPr id="36" name="TextBox 35">
@@ -11791,7 +12047,7 @@
             </p:txBody>
           </p:sp>
         </mc:Choice>
-        <mc:Fallback>
+        <mc:Fallback xmlns="">
           <p:sp>
             <p:nvSpPr>
               <p:cNvPr id="36" name="TextBox 35">
@@ -12016,7 +12272,7 @@
                 </a:solidFill>
                 <a:latin typeface="Bodoni MT" panose="02070603080606020203" pitchFamily="18" charset="0"/>
               </a:rPr>
-              <a:t>General Simulation for Discrete</a:t>
+              <a:t>Simulation for Discrete</a:t>
             </a:r>
           </a:p>
         </p:txBody>
@@ -12693,8 +12949,8 @@
           </a:prstGeom>
         </p:spPr>
       </p:pic>
-      <mc:AlternateContent xmlns:mc="http://schemas.openxmlformats.org/markup-compatibility/2006">
-        <mc:Choice xmlns:a14="http://schemas.microsoft.com/office/drawing/2010/main" Requires="a14">
+      <mc:AlternateContent xmlns:mc="http://schemas.openxmlformats.org/markup-compatibility/2006" xmlns:a14="http://schemas.microsoft.com/office/drawing/2010/main">
+        <mc:Choice Requires="a14">
           <p:sp>
             <p:nvSpPr>
               <p:cNvPr id="23" name="TextBox 22">
@@ -12723,6 +12979,7 @@
               </a:bodyPr>
               <a:lstStyle/>
               <a:p>
+                <a:pPr/>
                 <a14:m>
                   <m:oMathPara xmlns:m="http://schemas.openxmlformats.org/officeDocument/2006/math">
                     <m:oMathParaPr>
@@ -12908,7 +13165,7 @@
             </p:txBody>
           </p:sp>
         </mc:Choice>
-        <mc:Fallback>
+        <mc:Fallback xmlns="">
           <p:sp>
             <p:nvSpPr>
               <p:cNvPr id="23" name="TextBox 22">
@@ -13013,8 +13270,8 @@
           <a:chExt cx="0" cy="0"/>
         </a:xfrm>
       </p:grpSpPr>
-      <mc:AlternateContent xmlns:mc="http://schemas.openxmlformats.org/markup-compatibility/2006">
-        <mc:Choice xmlns:a14="http://schemas.microsoft.com/office/drawing/2010/main" Requires="a14">
+      <mc:AlternateContent xmlns:mc="http://schemas.openxmlformats.org/markup-compatibility/2006" xmlns:a14="http://schemas.microsoft.com/office/drawing/2010/main">
+        <mc:Choice Requires="a14">
           <p:sp>
             <p:nvSpPr>
               <p:cNvPr id="36" name="TextBox 35">
@@ -13406,7 +13663,7 @@
             </p:txBody>
           </p:sp>
         </mc:Choice>
-        <mc:Fallback>
+        <mc:Fallback xmlns="">
           <p:sp>
             <p:nvSpPr>
               <p:cNvPr id="36" name="TextBox 35">
@@ -14355,7 +14612,7 @@
             <p:spPr>
               <a:xfrm>
                 <a:off x="773934" y="1947592"/>
-                <a:ext cx="9018070" cy="2933304"/>
+                <a:ext cx="9018070" cy="4779963"/>
               </a:xfrm>
               <a:prstGeom prst="rect">
                 <a:avLst/>
@@ -14783,6 +15040,188 @@
                   </a:rPr>
                   <a:t>Download </a:t>
                 </a:r>
+                <a:r>
+                  <a:rPr lang="en-US" sz="2000" dirty="0">
+                    <a:solidFill>
+                      <a:srgbClr val="A71B86"/>
+                    </a:solidFill>
+                    <a:latin typeface="Corbel" panose="020B0503020204020204" pitchFamily="34" charset="0"/>
+                  </a:rPr>
+                  <a:t>SimBinomial.xlsx </a:t>
+                </a:r>
+                <a:r>
+                  <a:rPr lang="en-US" sz="2000" dirty="0">
+                    <a:solidFill>
+                      <a:srgbClr val="404040"/>
+                    </a:solidFill>
+                    <a:latin typeface="Corbel" panose="020B0503020204020204" pitchFamily="34" charset="0"/>
+                  </a:rPr>
+                  <a:t>from link </a:t>
+                </a:r>
+                <a:r>
+                  <a:rPr lang="en-US" sz="2000" dirty="0">
+                    <a:solidFill>
+                      <a:srgbClr val="A71B86"/>
+                    </a:solidFill>
+                    <a:latin typeface="Corbel" panose="020B0503020204020204" pitchFamily="34" charset="0"/>
+                  </a:rPr>
+                  <a:t>Sheet 2</a:t>
+                </a:r>
+                <a:r>
+                  <a:rPr lang="en-US" sz="2000" dirty="0">
+                    <a:solidFill>
+                      <a:srgbClr val="404040"/>
+                    </a:solidFill>
+                    <a:latin typeface="Corbel" panose="020B0503020204020204" pitchFamily="34" charset="0"/>
+                  </a:rPr>
+                  <a:t> on course website</a:t>
+                </a:r>
+              </a:p>
+              <a:p>
+                <a:pPr marL="285750" indent="-285750">
+                  <a:buFont typeface="Arial" panose="020B0604020202020204" pitchFamily="34" charset="0"/>
+                  <a:buChar char="•"/>
+                </a:pPr>
+                <a:endParaRPr lang="en-US" sz="2000" dirty="0">
+                  <a:solidFill>
+                    <a:srgbClr val="404040"/>
+                  </a:solidFill>
+                  <a:latin typeface="Corbel" panose="020B0503020204020204" pitchFamily="34" charset="0"/>
+                </a:endParaRPr>
+              </a:p>
+              <a:p>
+                <a:pPr marL="285750" indent="-285750">
+                  <a:buFont typeface="Arial" panose="020B0604020202020204" pitchFamily="34" charset="0"/>
+                  <a:buChar char="•"/>
+                </a:pPr>
+                <a:r>
+                  <a:rPr lang="en-US" sz="2000" dirty="0">
+                    <a:solidFill>
+                      <a:srgbClr val="404040"/>
+                    </a:solidFill>
+                    <a:latin typeface="Corbel" panose="020B0503020204020204" pitchFamily="34" charset="0"/>
+                  </a:rPr>
+                  <a:t>Q: What do each of the columns represent?</a:t>
+                </a:r>
+              </a:p>
+              <a:p>
+                <a:pPr marL="285750" indent="-285750">
+                  <a:buFont typeface="Arial" panose="020B0604020202020204" pitchFamily="34" charset="0"/>
+                  <a:buChar char="•"/>
+                </a:pPr>
+                <a:endParaRPr lang="en-US" sz="2000" dirty="0">
+                  <a:solidFill>
+                    <a:srgbClr val="404040"/>
+                  </a:solidFill>
+                  <a:latin typeface="Corbel" panose="020B0503020204020204" pitchFamily="34" charset="0"/>
+                </a:endParaRPr>
+              </a:p>
+              <a:p>
+                <a:pPr marL="285750" indent="-285750">
+                  <a:buFont typeface="Arial" panose="020B0604020202020204" pitchFamily="34" charset="0"/>
+                  <a:buChar char="•"/>
+                </a:pPr>
+                <a:r>
+                  <a:rPr lang="en-US" sz="2000" dirty="0">
+                    <a:solidFill>
+                      <a:srgbClr val="404040"/>
+                    </a:solidFill>
+                    <a:latin typeface="Corbel" panose="020B0503020204020204" pitchFamily="34" charset="0"/>
+                  </a:rPr>
+                  <a:t>Q: Where are the simulated </a:t>
+                </a:r>
+                <a14:m>
+                  <m:oMath xmlns:m="http://schemas.openxmlformats.org/officeDocument/2006/math">
+                    <m:sSub>
+                      <m:sSubPr>
+                        <m:ctrlPr>
+                          <a:rPr lang="en-US" sz="2000" i="1">
+                            <a:solidFill>
+                              <a:srgbClr val="404040"/>
+                            </a:solidFill>
+                            <a:latin typeface="Cambria Math" panose="02040503050406030204" pitchFamily="18" charset="0"/>
+                          </a:rPr>
+                        </m:ctrlPr>
+                      </m:sSubPr>
+                      <m:e>
+                        <m:r>
+                          <a:rPr lang="en-US" sz="2000" i="1">
+                            <a:solidFill>
+                              <a:srgbClr val="404040"/>
+                            </a:solidFill>
+                            <a:latin typeface="Cambria Math" panose="02040503050406030204" pitchFamily="18" charset="0"/>
+                          </a:rPr>
+                          <m:t>𝑁</m:t>
+                        </m:r>
+                      </m:e>
+                      <m:sub>
+                        <m:r>
+                          <a:rPr lang="en-US" sz="2000" i="1">
+                            <a:solidFill>
+                              <a:srgbClr val="404040"/>
+                            </a:solidFill>
+                            <a:latin typeface="Cambria Math" panose="02040503050406030204" pitchFamily="18" charset="0"/>
+                          </a:rPr>
+                          <m:t>𝑖</m:t>
+                        </m:r>
+                      </m:sub>
+                    </m:sSub>
+                  </m:oMath>
+                </a14:m>
+                <a:r>
+                  <a:rPr lang="en-US" sz="2000" dirty="0">
+                    <a:solidFill>
+                      <a:srgbClr val="404040"/>
+                    </a:solidFill>
+                    <a:latin typeface="Corbel" panose="020B0503020204020204" pitchFamily="34" charset="0"/>
+                  </a:rPr>
+                  <a:t>’s?</a:t>
+                </a:r>
+              </a:p>
+              <a:p>
+                <a:pPr marL="285750" indent="-285750">
+                  <a:buFont typeface="Arial" panose="020B0604020202020204" pitchFamily="34" charset="0"/>
+                  <a:buChar char="•"/>
+                </a:pPr>
+                <a:endParaRPr lang="en-US" sz="2000" dirty="0">
+                  <a:solidFill>
+                    <a:srgbClr val="404040"/>
+                  </a:solidFill>
+                  <a:latin typeface="Corbel" panose="020B0503020204020204" pitchFamily="34" charset="0"/>
+                </a:endParaRPr>
+              </a:p>
+              <a:p>
+                <a:pPr marL="285750" indent="-285750">
+                  <a:buFont typeface="Arial" panose="020B0604020202020204" pitchFamily="34" charset="0"/>
+                  <a:buChar char="•"/>
+                </a:pPr>
+                <a:r>
+                  <a:rPr lang="en-US" sz="2000" dirty="0">
+                    <a:solidFill>
+                      <a:srgbClr val="404040"/>
+                    </a:solidFill>
+                    <a:latin typeface="Corbel" panose="020B0503020204020204" pitchFamily="34" charset="0"/>
+                  </a:rPr>
+                  <a:t>Q: What is the meaning of the Excel syntax </a:t>
+                </a:r>
+                <a:r>
+                  <a:rPr lang="en-US" sz="2000" dirty="0">
+                    <a:solidFill>
+                      <a:srgbClr val="A71B86"/>
+                    </a:solidFill>
+                    <a:latin typeface="Corbel" panose="020B0503020204020204" pitchFamily="34" charset="0"/>
+                  </a:rPr>
+                  <a:t>=IF(RAND()&gt;0.99,1,0)</a:t>
+                </a:r>
+                <a:r>
+                  <a:rPr lang="en-US" sz="2000" dirty="0">
+                    <a:solidFill>
+                      <a:srgbClr val="404040"/>
+                    </a:solidFill>
+                    <a:latin typeface="Corbel" panose="020B0503020204020204" pitchFamily="34" charset="0"/>
+                  </a:rPr>
+                  <a:t>?</a:t>
+                </a:r>
               </a:p>
             </p:txBody>
           </p:sp>
@@ -14805,7 +15244,7 @@
             <p:spPr>
               <a:xfrm>
                 <a:off x="773934" y="1947592"/>
-                <a:ext cx="9018070" cy="2933304"/>
+                <a:ext cx="9018070" cy="4779963"/>
               </a:xfrm>
               <a:prstGeom prst="rect">
                 <a:avLst/>
@@ -14813,7 +15252,7 @@
               <a:blipFill>
                 <a:blip r:embed="rId3"/>
                 <a:stretch>
-                  <a:fillRect l="-609" t="-1037" b="-2697"/>
+                  <a:fillRect l="-609" t="-637" b="-1274"/>
                 </a:stretch>
               </a:blipFill>
             </p:spPr>
@@ -15733,6 +16172,4265 @@
 </file>
 
 <file path=ppt/slides/slide16.xml><?xml version="1.0" encoding="utf-8"?>
+<p:sld xmlns:a="http://schemas.openxmlformats.org/drawingml/2006/main" xmlns:r="http://schemas.openxmlformats.org/officeDocument/2006/relationships" xmlns:p="http://schemas.openxmlformats.org/presentationml/2006/main">
+  <p:cSld>
+    <p:spTree>
+      <p:nvGrpSpPr>
+        <p:cNvPr id="1" name=""/>
+        <p:cNvGrpSpPr/>
+        <p:nvPr/>
+      </p:nvGrpSpPr>
+      <p:grpSpPr>
+        <a:xfrm>
+          <a:off x="0" y="0"/>
+          <a:ext cx="0" cy="0"/>
+          <a:chOff x="0" y="0"/>
+          <a:chExt cx="0" cy="0"/>
+        </a:xfrm>
+      </p:grpSpPr>
+      <mc:AlternateContent xmlns:mc="http://schemas.openxmlformats.org/markup-compatibility/2006">
+        <mc:Choice xmlns:a14="http://schemas.microsoft.com/office/drawing/2010/main" Requires="a14">
+          <p:sp>
+            <p:nvSpPr>
+              <p:cNvPr id="36" name="TextBox 35">
+                <a:extLst>
+                  <a:ext uri="{FF2B5EF4-FFF2-40B4-BE49-F238E27FC236}">
+                    <a16:creationId xmlns:a16="http://schemas.microsoft.com/office/drawing/2014/main" id="{389720C5-6DCB-428D-8C4F-A02DEC239333}"/>
+                  </a:ext>
+                </a:extLst>
+              </p:cNvPr>
+              <p:cNvSpPr txBox="1"/>
+              <p:nvPr/>
+            </p:nvSpPr>
+            <p:spPr>
+              <a:xfrm>
+                <a:off x="773934" y="1947592"/>
+                <a:ext cx="9018070" cy="4093428"/>
+              </a:xfrm>
+              <a:prstGeom prst="rect">
+                <a:avLst/>
+              </a:prstGeom>
+              <a:noFill/>
+            </p:spPr>
+            <p:txBody>
+              <a:bodyPr wrap="square" rtlCol="0">
+                <a:spAutoFit/>
+              </a:bodyPr>
+              <a:lstStyle/>
+              <a:p>
+                <a:pPr marL="285750" indent="-285750">
+                  <a:buFont typeface="Arial" panose="020B0604020202020204" pitchFamily="34" charset="0"/>
+                  <a:buChar char="•"/>
+                </a:pPr>
+                <a:r>
+                  <a:rPr lang="en-US" sz="2000" dirty="0">
+                    <a:solidFill>
+                      <a:srgbClr val="404040"/>
+                    </a:solidFill>
+                    <a:latin typeface="Corbel" panose="020B0503020204020204" pitchFamily="34" charset="0"/>
+                  </a:rPr>
+                  <a:t>Many times we want to sample from a continuous distribution e.g. normal</a:t>
+                </a:r>
+              </a:p>
+              <a:p>
+                <a:pPr marL="285750" indent="-285750">
+                  <a:buFont typeface="Arial" panose="020B0604020202020204" pitchFamily="34" charset="0"/>
+                  <a:buChar char="•"/>
+                </a:pPr>
+                <a:endParaRPr lang="en-US" sz="2000" dirty="0">
+                  <a:solidFill>
+                    <a:srgbClr val="404040"/>
+                  </a:solidFill>
+                  <a:latin typeface="Corbel" panose="020B0503020204020204" pitchFamily="34" charset="0"/>
+                </a:endParaRPr>
+              </a:p>
+              <a:p>
+                <a:pPr marL="285750" indent="-285750">
+                  <a:buFont typeface="Arial" panose="020B0604020202020204" pitchFamily="34" charset="0"/>
+                  <a:buChar char="•"/>
+                </a:pPr>
+                <a:r>
+                  <a:rPr lang="en-US" sz="2000" dirty="0">
+                    <a:solidFill>
+                      <a:srgbClr val="404040"/>
+                    </a:solidFill>
+                    <a:latin typeface="Corbel" panose="020B0503020204020204" pitchFamily="34" charset="0"/>
+                  </a:rPr>
+                  <a:t>Suppose we want to simulate a random variable </a:t>
+                </a:r>
+                <a14:m>
+                  <m:oMath xmlns:m="http://schemas.openxmlformats.org/officeDocument/2006/math">
+                    <m:r>
+                      <a:rPr lang="en-US" sz="2000" i="1">
+                        <a:solidFill>
+                          <a:srgbClr val="404040"/>
+                        </a:solidFill>
+                        <a:latin typeface="Cambria Math" panose="02040503050406030204" pitchFamily="18" charset="0"/>
+                      </a:rPr>
+                      <m:t>𝑋</m:t>
+                    </m:r>
+                  </m:oMath>
+                </a14:m>
+                <a:r>
+                  <a:rPr lang="en-US" sz="2000" dirty="0">
+                    <a:solidFill>
+                      <a:srgbClr val="404040"/>
+                    </a:solidFill>
+                    <a:latin typeface="Corbel" panose="020B0503020204020204" pitchFamily="34" charset="0"/>
+                  </a:rPr>
+                  <a:t> having a cumulative distribution function (CDF)</a:t>
+                </a:r>
+              </a:p>
+              <a:p>
+                <a:pPr marL="285750" indent="-285750">
+                  <a:buFont typeface="Arial" panose="020B0604020202020204" pitchFamily="34" charset="0"/>
+                  <a:buChar char="•"/>
+                </a:pPr>
+                <a:endParaRPr lang="en-US" sz="2000" dirty="0">
+                  <a:solidFill>
+                    <a:srgbClr val="404040"/>
+                  </a:solidFill>
+                  <a:latin typeface="Corbel" panose="020B0503020204020204" pitchFamily="34" charset="0"/>
+                </a:endParaRPr>
+              </a:p>
+              <a:p>
+                <a:pPr marL="285750" indent="-285750">
+                  <a:buFont typeface="Arial" panose="020B0604020202020204" pitchFamily="34" charset="0"/>
+                  <a:buChar char="•"/>
+                </a:pPr>
+                <a:endParaRPr lang="en-US" sz="2000" dirty="0">
+                  <a:solidFill>
+                    <a:srgbClr val="404040"/>
+                  </a:solidFill>
+                  <a:latin typeface="Corbel" panose="020B0503020204020204" pitchFamily="34" charset="0"/>
+                </a:endParaRPr>
+              </a:p>
+              <a:p>
+                <a:pPr marL="285750" indent="-285750">
+                  <a:buFont typeface="Arial" panose="020B0604020202020204" pitchFamily="34" charset="0"/>
+                  <a:buChar char="•"/>
+                </a:pPr>
+                <a:r>
+                  <a:rPr lang="en-US" sz="2000" dirty="0">
+                    <a:solidFill>
+                      <a:srgbClr val="404040"/>
+                    </a:solidFill>
+                    <a:latin typeface="Corbel" panose="020B0503020204020204" pitchFamily="34" charset="0"/>
+                  </a:rPr>
+                  <a:t>Then, we compute its inverse function </a:t>
+                </a:r>
+                <a14:m>
+                  <m:oMath xmlns:m="http://schemas.openxmlformats.org/officeDocument/2006/math">
+                    <m:sSup>
+                      <m:sSupPr>
+                        <m:ctrlPr>
+                          <a:rPr lang="en-US" sz="2000" b="0" i="0" smtClean="0">
+                            <a:solidFill>
+                              <a:srgbClr val="404040"/>
+                            </a:solidFill>
+                            <a:latin typeface="Cambria Math" panose="02040503050406030204" pitchFamily="18" charset="0"/>
+                          </a:rPr>
+                        </m:ctrlPr>
+                      </m:sSupPr>
+                      <m:e>
+                        <m:r>
+                          <m:rPr>
+                            <m:sty m:val="p"/>
+                          </m:rPr>
+                          <a:rPr lang="en-US" sz="2000" b="0" i="0" smtClean="0">
+                            <a:solidFill>
+                              <a:srgbClr val="404040"/>
+                            </a:solidFill>
+                            <a:latin typeface="Cambria Math" panose="02040503050406030204" pitchFamily="18" charset="0"/>
+                          </a:rPr>
+                          <m:t>F</m:t>
+                        </m:r>
+                      </m:e>
+                      <m:sup>
+                        <m:r>
+                          <a:rPr lang="en-US" sz="2000" b="0" i="0" smtClean="0">
+                            <a:solidFill>
+                              <a:srgbClr val="404040"/>
+                            </a:solidFill>
+                            <a:latin typeface="Cambria Math" panose="02040503050406030204" pitchFamily="18" charset="0"/>
+                          </a:rPr>
+                          <m:t>−1</m:t>
+                        </m:r>
+                      </m:sup>
+                    </m:sSup>
+                    <m:d>
+                      <m:dPr>
+                        <m:ctrlPr>
+                          <a:rPr lang="en-US" sz="2000" b="0" i="0" smtClean="0">
+                            <a:solidFill>
+                              <a:srgbClr val="404040"/>
+                            </a:solidFill>
+                            <a:latin typeface="Cambria Math" panose="02040503050406030204" pitchFamily="18" charset="0"/>
+                          </a:rPr>
+                        </m:ctrlPr>
+                      </m:dPr>
+                      <m:e>
+                        <m:r>
+                          <m:rPr>
+                            <m:sty m:val="p"/>
+                          </m:rPr>
+                          <a:rPr lang="en-US" sz="2000" b="0" i="0" smtClean="0">
+                            <a:solidFill>
+                              <a:srgbClr val="404040"/>
+                            </a:solidFill>
+                            <a:latin typeface="Cambria Math" panose="02040503050406030204" pitchFamily="18" charset="0"/>
+                          </a:rPr>
+                          <m:t>u</m:t>
+                        </m:r>
+                      </m:e>
+                    </m:d>
+                  </m:oMath>
+                </a14:m>
+                <a:r>
+                  <a:rPr lang="en-US" sz="2000" dirty="0">
+                    <a:solidFill>
+                      <a:srgbClr val="404040"/>
+                    </a:solidFill>
+                    <a:latin typeface="Corbel" panose="020B0503020204020204" pitchFamily="34" charset="0"/>
+                  </a:rPr>
+                  <a:t> i.e. the function satisfying</a:t>
+                </a:r>
+              </a:p>
+              <a:p>
+                <a:pPr marL="285750" indent="-285750">
+                  <a:buFont typeface="Arial" panose="020B0604020202020204" pitchFamily="34" charset="0"/>
+                  <a:buChar char="•"/>
+                </a:pPr>
+                <a:endParaRPr lang="en-US" sz="2000" dirty="0">
+                  <a:solidFill>
+                    <a:srgbClr val="404040"/>
+                  </a:solidFill>
+                  <a:latin typeface="Corbel" panose="020B0503020204020204" pitchFamily="34" charset="0"/>
+                </a:endParaRPr>
+              </a:p>
+              <a:p>
+                <a:pPr marL="285750" indent="-285750">
+                  <a:buFont typeface="Arial" panose="020B0604020202020204" pitchFamily="34" charset="0"/>
+                  <a:buChar char="•"/>
+                </a:pPr>
+                <a:endParaRPr lang="en-US" sz="2000" dirty="0">
+                  <a:solidFill>
+                    <a:srgbClr val="404040"/>
+                  </a:solidFill>
+                  <a:latin typeface="Corbel" panose="020B0503020204020204" pitchFamily="34" charset="0"/>
+                </a:endParaRPr>
+              </a:p>
+              <a:p>
+                <a:pPr marL="285750" indent="-285750">
+                  <a:buFont typeface="Arial" panose="020B0604020202020204" pitchFamily="34" charset="0"/>
+                  <a:buChar char="•"/>
+                </a:pPr>
+                <a:r>
+                  <a:rPr lang="en-US" sz="2000" dirty="0">
+                    <a:solidFill>
+                      <a:srgbClr val="404040"/>
+                    </a:solidFill>
+                    <a:latin typeface="Corbel" panose="020B0503020204020204" pitchFamily="34" charset="0"/>
+                  </a:rPr>
+                  <a:t>If </a:t>
+                </a:r>
+                <a14:m>
+                  <m:oMath xmlns:m="http://schemas.openxmlformats.org/officeDocument/2006/math">
+                    <m:r>
+                      <a:rPr lang="en-US" sz="2000" b="0" i="1" smtClean="0">
+                        <a:solidFill>
+                          <a:srgbClr val="404040"/>
+                        </a:solidFill>
+                        <a:latin typeface="Cambria Math" panose="02040503050406030204" pitchFamily="18" charset="0"/>
+                      </a:rPr>
+                      <m:t>𝑈</m:t>
+                    </m:r>
+                  </m:oMath>
+                </a14:m>
+                <a:r>
+                  <a:rPr lang="en-US" sz="2000" i="1" dirty="0">
+                    <a:solidFill>
+                      <a:srgbClr val="404040"/>
+                    </a:solidFill>
+                    <a:latin typeface="Corbel" panose="020B0503020204020204" pitchFamily="34" charset="0"/>
+                  </a:rPr>
+                  <a:t> </a:t>
+                </a:r>
+                <a:r>
+                  <a:rPr lang="en-US" sz="2000" dirty="0">
+                    <a:solidFill>
+                      <a:srgbClr val="404040"/>
+                    </a:solidFill>
+                    <a:latin typeface="Corbel" panose="020B0503020204020204" pitchFamily="34" charset="0"/>
+                  </a:rPr>
+                  <a:t>is a uniform </a:t>
+                </a:r>
+                <a14:m>
+                  <m:oMath xmlns:m="http://schemas.openxmlformats.org/officeDocument/2006/math">
+                    <m:r>
+                      <a:rPr lang="en-US" sz="2000" i="1">
+                        <a:solidFill>
+                          <a:srgbClr val="404040"/>
+                        </a:solidFill>
+                        <a:latin typeface="Cambria Math" panose="02040503050406030204" pitchFamily="18" charset="0"/>
+                      </a:rPr>
+                      <m:t>𝑈</m:t>
+                    </m:r>
+                    <m:r>
+                      <a:rPr lang="en-US" sz="2000" b="0" i="1" smtClean="0">
+                        <a:solidFill>
+                          <a:srgbClr val="404040"/>
+                        </a:solidFill>
+                        <a:latin typeface="Cambria Math" panose="02040503050406030204" pitchFamily="18" charset="0"/>
+                      </a:rPr>
+                      <m:t>𝑛𝑖𝑓𝑜𝑟𝑚</m:t>
+                    </m:r>
+                    <m:r>
+                      <a:rPr lang="en-US" sz="2000" b="0" i="1" smtClean="0">
+                        <a:solidFill>
+                          <a:srgbClr val="404040"/>
+                        </a:solidFill>
+                        <a:latin typeface="Cambria Math" panose="02040503050406030204" pitchFamily="18" charset="0"/>
+                      </a:rPr>
+                      <m:t>[0,1]</m:t>
+                    </m:r>
+                  </m:oMath>
+                </a14:m>
+                <a:r>
+                  <a:rPr lang="en-US" sz="2000" i="1" dirty="0">
+                    <a:solidFill>
+                      <a:srgbClr val="404040"/>
+                    </a:solidFill>
+                    <a:latin typeface="Corbel" panose="020B0503020204020204" pitchFamily="34" charset="0"/>
+                  </a:rPr>
+                  <a:t> </a:t>
+                </a:r>
+                <a:r>
+                  <a:rPr lang="en-US" sz="2000" dirty="0">
+                    <a:solidFill>
+                      <a:srgbClr val="404040"/>
+                    </a:solidFill>
+                    <a:latin typeface="Corbel" panose="020B0503020204020204" pitchFamily="34" charset="0"/>
+                  </a:rPr>
+                  <a:t>random variable , then the random variable </a:t>
+                </a:r>
+                <a14:m>
+                  <m:oMath xmlns:m="http://schemas.openxmlformats.org/officeDocument/2006/math">
+                    <m:sSup>
+                      <m:sSupPr>
+                        <m:ctrlPr>
+                          <a:rPr lang="en-US" sz="2000" b="0" i="1" smtClean="0">
+                            <a:solidFill>
+                              <a:srgbClr val="404040"/>
+                            </a:solidFill>
+                            <a:latin typeface="Cambria Math" panose="02040503050406030204" pitchFamily="18" charset="0"/>
+                          </a:rPr>
+                        </m:ctrlPr>
+                      </m:sSupPr>
+                      <m:e>
+                        <m:r>
+                          <a:rPr lang="en-US" sz="2000" b="0" i="1" smtClean="0">
+                            <a:solidFill>
+                              <a:srgbClr val="404040"/>
+                            </a:solidFill>
+                            <a:latin typeface="Cambria Math" panose="02040503050406030204" pitchFamily="18" charset="0"/>
+                          </a:rPr>
+                          <m:t>𝐹</m:t>
+                        </m:r>
+                      </m:e>
+                      <m:sup>
+                        <m:r>
+                          <a:rPr lang="en-US" sz="2000" b="0" i="1" smtClean="0">
+                            <a:solidFill>
+                              <a:srgbClr val="404040"/>
+                            </a:solidFill>
+                            <a:latin typeface="Cambria Math" panose="02040503050406030204" pitchFamily="18" charset="0"/>
+                          </a:rPr>
+                          <m:t>−1</m:t>
+                        </m:r>
+                      </m:sup>
+                    </m:sSup>
+                    <m:d>
+                      <m:dPr>
+                        <m:ctrlPr>
+                          <a:rPr lang="en-US" sz="2000" b="0" i="1" smtClean="0">
+                            <a:solidFill>
+                              <a:srgbClr val="404040"/>
+                            </a:solidFill>
+                            <a:latin typeface="Cambria Math" panose="02040503050406030204" pitchFamily="18" charset="0"/>
+                          </a:rPr>
+                        </m:ctrlPr>
+                      </m:dPr>
+                      <m:e>
+                        <m:r>
+                          <a:rPr lang="en-US" sz="2000" b="0" i="1" smtClean="0">
+                            <a:solidFill>
+                              <a:srgbClr val="404040"/>
+                            </a:solidFill>
+                            <a:latin typeface="Cambria Math" panose="02040503050406030204" pitchFamily="18" charset="0"/>
+                          </a:rPr>
+                          <m:t>𝑈</m:t>
+                        </m:r>
+                      </m:e>
+                    </m:d>
+                  </m:oMath>
+                </a14:m>
+                <a:r>
+                  <a:rPr lang="en-US" sz="2000" dirty="0">
+                    <a:solidFill>
+                      <a:srgbClr val="404040"/>
+                    </a:solidFill>
+                    <a:latin typeface="Corbel" panose="020B0503020204020204" pitchFamily="34" charset="0"/>
+                  </a:rPr>
+                  <a:t> has the same distribution as </a:t>
+                </a:r>
+                <a14:m>
+                  <m:oMath xmlns:m="http://schemas.openxmlformats.org/officeDocument/2006/math">
+                    <m:r>
+                      <a:rPr lang="en-US" sz="2000" b="0" i="1" smtClean="0">
+                        <a:solidFill>
+                          <a:srgbClr val="404040"/>
+                        </a:solidFill>
+                        <a:latin typeface="Cambria Math" panose="02040503050406030204" pitchFamily="18" charset="0"/>
+                      </a:rPr>
+                      <m:t>𝑋</m:t>
+                    </m:r>
+                  </m:oMath>
+                </a14:m>
+                <a:endParaRPr lang="en-US" sz="2000" i="1" dirty="0">
+                  <a:solidFill>
+                    <a:srgbClr val="404040"/>
+                  </a:solidFill>
+                  <a:latin typeface="Corbel" panose="020B0503020204020204" pitchFamily="34" charset="0"/>
+                </a:endParaRPr>
+              </a:p>
+              <a:p>
+                <a:pPr marL="285750" indent="-285750">
+                  <a:buFont typeface="Arial" panose="020B0604020202020204" pitchFamily="34" charset="0"/>
+                  <a:buChar char="•"/>
+                </a:pPr>
+                <a:endParaRPr lang="en-US" sz="2000" i="1" dirty="0">
+                  <a:solidFill>
+                    <a:srgbClr val="404040"/>
+                  </a:solidFill>
+                  <a:latin typeface="Corbel" panose="020B0503020204020204" pitchFamily="34" charset="0"/>
+                </a:endParaRPr>
+              </a:p>
+              <a:p>
+                <a:pPr marL="285750" indent="-285750">
+                  <a:buFont typeface="Arial" panose="020B0604020202020204" pitchFamily="34" charset="0"/>
+                  <a:buChar char="•"/>
+                </a:pPr>
+                <a:r>
+                  <a:rPr lang="en-US" sz="2000" dirty="0">
+                    <a:solidFill>
+                      <a:srgbClr val="404040"/>
+                    </a:solidFill>
+                    <a:latin typeface="Corbel" panose="020B0503020204020204" pitchFamily="34" charset="0"/>
+                  </a:rPr>
+                  <a:t>This method is called the </a:t>
+                </a:r>
+                <a:r>
+                  <a:rPr lang="en-US" sz="2000" dirty="0">
+                    <a:solidFill>
+                      <a:srgbClr val="A71B86"/>
+                    </a:solidFill>
+                    <a:latin typeface="Corbel" panose="020B0503020204020204" pitchFamily="34" charset="0"/>
+                  </a:rPr>
+                  <a:t>inverse transform</a:t>
+                </a:r>
+              </a:p>
+            </p:txBody>
+          </p:sp>
+        </mc:Choice>
+        <mc:Fallback>
+          <p:sp>
+            <p:nvSpPr>
+              <p:cNvPr id="36" name="TextBox 35">
+                <a:extLst>
+                  <a:ext uri="{FF2B5EF4-FFF2-40B4-BE49-F238E27FC236}">
+                    <a16:creationId xmlns:a16="http://schemas.microsoft.com/office/drawing/2014/main" id="{389720C5-6DCB-428D-8C4F-A02DEC239333}"/>
+                  </a:ext>
+                </a:extLst>
+              </p:cNvPr>
+              <p:cNvSpPr txBox="1">
+                <a:spLocks noRot="1" noChangeAspect="1" noMove="1" noResize="1" noEditPoints="1" noAdjustHandles="1" noChangeArrowheads="1" noChangeShapeType="1" noTextEdit="1"/>
+              </p:cNvSpPr>
+              <p:nvPr/>
+            </p:nvSpPr>
+            <p:spPr>
+              <a:xfrm>
+                <a:off x="773934" y="1947592"/>
+                <a:ext cx="9018070" cy="4093428"/>
+              </a:xfrm>
+              <a:prstGeom prst="rect">
+                <a:avLst/>
+              </a:prstGeom>
+              <a:blipFill>
+                <a:blip r:embed="rId3"/>
+                <a:stretch>
+                  <a:fillRect l="-609" t="-744" b="-1637"/>
+                </a:stretch>
+              </a:blipFill>
+            </p:spPr>
+            <p:txBody>
+              <a:bodyPr/>
+              <a:lstStyle/>
+              <a:p>
+                <a:r>
+                  <a:rPr lang="en-US">
+                    <a:noFill/>
+                  </a:rPr>
+                  <a:t> </a:t>
+                </a:r>
+              </a:p>
+            </p:txBody>
+          </p:sp>
+        </mc:Fallback>
+      </mc:AlternateContent>
+      <p:sp>
+        <p:nvSpPr>
+          <p:cNvPr id="28" name="Rectangle 27">
+            <a:extLst>
+              <a:ext uri="{FF2B5EF4-FFF2-40B4-BE49-F238E27FC236}">
+                <a16:creationId xmlns:a16="http://schemas.microsoft.com/office/drawing/2014/main" id="{1568D3DA-67F7-464C-95FF-D7D56F4038D6}"/>
+              </a:ext>
+            </a:extLst>
+          </p:cNvPr>
+          <p:cNvSpPr/>
+          <p:nvPr/>
+        </p:nvSpPr>
+        <p:spPr>
+          <a:xfrm rot="19800000">
+            <a:off x="-597297" y="674901"/>
+            <a:ext cx="4026751" cy="269178"/>
+          </a:xfrm>
+          <a:prstGeom prst="rect">
+            <a:avLst/>
+          </a:prstGeom>
+          <a:solidFill>
+            <a:srgbClr val="A71B86"/>
+          </a:solidFill>
+          <a:ln>
+            <a:noFill/>
+          </a:ln>
+        </p:spPr>
+        <p:style>
+          <a:lnRef idx="2">
+            <a:schemeClr val="accent1">
+              <a:shade val="50000"/>
+            </a:schemeClr>
+          </a:lnRef>
+          <a:fillRef idx="1">
+            <a:schemeClr val="accent1"/>
+          </a:fillRef>
+          <a:effectRef idx="0">
+            <a:schemeClr val="accent1"/>
+          </a:effectRef>
+          <a:fontRef idx="minor">
+            <a:schemeClr val="lt1"/>
+          </a:fontRef>
+        </p:style>
+        <p:txBody>
+          <a:bodyPr rtlCol="0" anchor="ctr"/>
+          <a:lstStyle/>
+          <a:p>
+            <a:pPr algn="ctr"/>
+            <a:endParaRPr lang="en-US"/>
+          </a:p>
+        </p:txBody>
+      </p:sp>
+      <p:pic>
+        <p:nvPicPr>
+          <p:cNvPr id="11" name="Picture 10" descr="A large body of water&#10;&#10;Description automatically generated">
+            <a:extLst>
+              <a:ext uri="{FF2B5EF4-FFF2-40B4-BE49-F238E27FC236}">
+                <a16:creationId xmlns:a16="http://schemas.microsoft.com/office/drawing/2014/main" id="{B83B0471-BE25-41B4-B185-53BEB6528B89}"/>
+              </a:ext>
+            </a:extLst>
+          </p:cNvPr>
+          <p:cNvPicPr>
+            <a:picLocks noChangeAspect="1"/>
+          </p:cNvPicPr>
+          <p:nvPr/>
+        </p:nvPicPr>
+        <p:blipFill rotWithShape="1">
+          <a:blip r:embed="rId4">
+            <a:alphaModFix amt="20000"/>
+            <a:extLst>
+              <a:ext uri="{28A0092B-C50C-407E-A947-70E740481C1C}">
+                <a14:useLocalDpi xmlns:a14="http://schemas.microsoft.com/office/drawing/2010/main" val="0"/>
+              </a:ext>
+            </a:extLst>
+          </a:blip>
+          <a:srcRect t="34654" b="43573"/>
+          <a:stretch/>
+        </p:blipFill>
+        <p:spPr>
+          <a:xfrm>
+            <a:off x="766188" y="457321"/>
+            <a:ext cx="9018070" cy="1308226"/>
+          </a:xfrm>
+          <a:prstGeom prst="rect">
+            <a:avLst/>
+          </a:prstGeom>
+        </p:spPr>
+      </p:pic>
+      <p:sp>
+        <p:nvSpPr>
+          <p:cNvPr id="34" name="Rectangle 33">
+            <a:extLst>
+              <a:ext uri="{FF2B5EF4-FFF2-40B4-BE49-F238E27FC236}">
+                <a16:creationId xmlns:a16="http://schemas.microsoft.com/office/drawing/2014/main" id="{BFE7775A-1FAD-4E84-8B9E-DA4B39640B5E}"/>
+              </a:ext>
+            </a:extLst>
+          </p:cNvPr>
+          <p:cNvSpPr/>
+          <p:nvPr/>
+        </p:nvSpPr>
+        <p:spPr>
+          <a:xfrm rot="19800000">
+            <a:off x="9089102" y="5937184"/>
+            <a:ext cx="4026751" cy="269178"/>
+          </a:xfrm>
+          <a:prstGeom prst="rect">
+            <a:avLst/>
+          </a:prstGeom>
+          <a:solidFill>
+            <a:srgbClr val="A71B86"/>
+          </a:solidFill>
+          <a:ln>
+            <a:noFill/>
+          </a:ln>
+        </p:spPr>
+        <p:style>
+          <a:lnRef idx="2">
+            <a:schemeClr val="accent1">
+              <a:shade val="50000"/>
+            </a:schemeClr>
+          </a:lnRef>
+          <a:fillRef idx="1">
+            <a:schemeClr val="accent1"/>
+          </a:fillRef>
+          <a:effectRef idx="0">
+            <a:schemeClr val="accent1"/>
+          </a:effectRef>
+          <a:fontRef idx="minor">
+            <a:schemeClr val="lt1"/>
+          </a:fontRef>
+        </p:style>
+        <p:txBody>
+          <a:bodyPr rtlCol="0" anchor="ctr"/>
+          <a:lstStyle/>
+          <a:p>
+            <a:pPr algn="ctr"/>
+            <a:endParaRPr lang="en-US"/>
+          </a:p>
+        </p:txBody>
+      </p:sp>
+      <p:sp>
+        <p:nvSpPr>
+          <p:cNvPr id="2" name="Title 1">
+            <a:extLst>
+              <a:ext uri="{FF2B5EF4-FFF2-40B4-BE49-F238E27FC236}">
+                <a16:creationId xmlns:a16="http://schemas.microsoft.com/office/drawing/2014/main" id="{95D79E09-6E77-4F87-B358-F18D99FA343D}"/>
+              </a:ext>
+            </a:extLst>
+          </p:cNvPr>
+          <p:cNvSpPr>
+            <a:spLocks noGrp="1"/>
+          </p:cNvSpPr>
+          <p:nvPr>
+            <p:ph type="title"/>
+          </p:nvPr>
+        </p:nvSpPr>
+        <p:spPr>
+          <a:xfrm>
+            <a:off x="773934" y="425128"/>
+            <a:ext cx="9018070" cy="1325563"/>
+          </a:xfrm>
+          <a:noFill/>
+          <a:ln w="76200">
+            <a:solidFill>
+              <a:srgbClr val="11B29F"/>
+            </a:solidFill>
+          </a:ln>
+        </p:spPr>
+        <p:txBody>
+          <a:bodyPr/>
+          <a:lstStyle/>
+          <a:p>
+            <a:pPr algn="ctr"/>
+            <a:r>
+              <a:rPr lang="en-US" dirty="0">
+                <a:solidFill>
+                  <a:srgbClr val="404040"/>
+                </a:solidFill>
+                <a:latin typeface="Bodoni MT" panose="02070603080606020203" pitchFamily="18" charset="0"/>
+              </a:rPr>
+              <a:t>Simulation for Continuous</a:t>
+            </a:r>
+          </a:p>
+        </p:txBody>
+      </p:sp>
+      <p:pic>
+        <p:nvPicPr>
+          <p:cNvPr id="5" name="Content Placeholder 4" descr="A picture containing cage&#10;&#10;Description automatically generated">
+            <a:extLst>
+              <a:ext uri="{FF2B5EF4-FFF2-40B4-BE49-F238E27FC236}">
+                <a16:creationId xmlns:a16="http://schemas.microsoft.com/office/drawing/2014/main" id="{EF817497-4F98-4236-83EE-74FD8376B077}"/>
+              </a:ext>
+            </a:extLst>
+          </p:cNvPr>
+          <p:cNvPicPr>
+            <a:picLocks noGrp="1" noChangeAspect="1"/>
+          </p:cNvPicPr>
+          <p:nvPr>
+            <p:ph idx="1"/>
+          </p:nvPr>
+        </p:nvPicPr>
+        <p:blipFill>
+          <a:blip r:embed="rId5">
+            <a:extLst>
+              <a:ext uri="{28A0092B-C50C-407E-A947-70E740481C1C}">
+                <a14:useLocalDpi xmlns:a14="http://schemas.microsoft.com/office/drawing/2010/main" val="0"/>
+              </a:ext>
+            </a:extLst>
+          </a:blip>
+          <a:stretch>
+            <a:fillRect/>
+          </a:stretch>
+        </p:blipFill>
+        <p:spPr>
+          <a:xfrm>
+            <a:off x="9887140" y="47697"/>
+            <a:ext cx="2143125" cy="2143125"/>
+          </a:xfrm>
+        </p:spPr>
+      </p:pic>
+      <p:sp>
+        <p:nvSpPr>
+          <p:cNvPr id="17" name="Rectangle 16">
+            <a:extLst>
+              <a:ext uri="{FF2B5EF4-FFF2-40B4-BE49-F238E27FC236}">
+                <a16:creationId xmlns:a16="http://schemas.microsoft.com/office/drawing/2014/main" id="{C723ED3C-F5E6-4121-9EF2-DD9574E1A49F}"/>
+              </a:ext>
+            </a:extLst>
+          </p:cNvPr>
+          <p:cNvSpPr/>
+          <p:nvPr/>
+        </p:nvSpPr>
+        <p:spPr>
+          <a:xfrm>
+            <a:off x="10085294" y="2008116"/>
+            <a:ext cx="1776920" cy="76178"/>
+          </a:xfrm>
+          <a:prstGeom prst="rect">
+            <a:avLst/>
+          </a:prstGeom>
+          <a:solidFill>
+            <a:srgbClr val="11B29F"/>
+          </a:solidFill>
+          <a:ln>
+            <a:noFill/>
+          </a:ln>
+        </p:spPr>
+        <p:style>
+          <a:lnRef idx="2">
+            <a:schemeClr val="accent1">
+              <a:shade val="50000"/>
+            </a:schemeClr>
+          </a:lnRef>
+          <a:fillRef idx="1">
+            <a:schemeClr val="accent1"/>
+          </a:fillRef>
+          <a:effectRef idx="0">
+            <a:schemeClr val="accent1"/>
+          </a:effectRef>
+          <a:fontRef idx="minor">
+            <a:schemeClr val="lt1"/>
+          </a:fontRef>
+        </p:style>
+        <p:txBody>
+          <a:bodyPr rtlCol="0" anchor="ctr"/>
+          <a:lstStyle/>
+          <a:p>
+            <a:pPr algn="ctr"/>
+            <a:endParaRPr lang="en-US"/>
+          </a:p>
+        </p:txBody>
+      </p:sp>
+      <p:sp>
+        <p:nvSpPr>
+          <p:cNvPr id="21" name="Rectangle 20">
+            <a:extLst>
+              <a:ext uri="{FF2B5EF4-FFF2-40B4-BE49-F238E27FC236}">
+                <a16:creationId xmlns:a16="http://schemas.microsoft.com/office/drawing/2014/main" id="{F9E0EC60-66D4-4536-A867-30142339BAA7}"/>
+              </a:ext>
+            </a:extLst>
+          </p:cNvPr>
+          <p:cNvSpPr/>
+          <p:nvPr/>
+        </p:nvSpPr>
+        <p:spPr>
+          <a:xfrm>
+            <a:off x="10085294" y="2129819"/>
+            <a:ext cx="1776920" cy="76178"/>
+          </a:xfrm>
+          <a:prstGeom prst="rect">
+            <a:avLst/>
+          </a:prstGeom>
+          <a:solidFill>
+            <a:srgbClr val="A71B86"/>
+          </a:solidFill>
+          <a:ln>
+            <a:noFill/>
+          </a:ln>
+        </p:spPr>
+        <p:style>
+          <a:lnRef idx="2">
+            <a:schemeClr val="accent1">
+              <a:shade val="50000"/>
+            </a:schemeClr>
+          </a:lnRef>
+          <a:fillRef idx="1">
+            <a:schemeClr val="accent1"/>
+          </a:fillRef>
+          <a:effectRef idx="0">
+            <a:schemeClr val="accent1"/>
+          </a:effectRef>
+          <a:fontRef idx="minor">
+            <a:schemeClr val="lt1"/>
+          </a:fontRef>
+        </p:style>
+        <p:txBody>
+          <a:bodyPr rtlCol="0" anchor="ctr"/>
+          <a:lstStyle/>
+          <a:p>
+            <a:pPr algn="ctr"/>
+            <a:endParaRPr lang="en-US"/>
+          </a:p>
+        </p:txBody>
+      </p:sp>
+      <p:sp>
+        <p:nvSpPr>
+          <p:cNvPr id="22" name="Rectangle 21">
+            <a:extLst>
+              <a:ext uri="{FF2B5EF4-FFF2-40B4-BE49-F238E27FC236}">
+                <a16:creationId xmlns:a16="http://schemas.microsoft.com/office/drawing/2014/main" id="{F95AED49-24A8-4D10-9D31-F944565EC1B2}"/>
+              </a:ext>
+            </a:extLst>
+          </p:cNvPr>
+          <p:cNvSpPr/>
+          <p:nvPr/>
+        </p:nvSpPr>
+        <p:spPr>
+          <a:xfrm>
+            <a:off x="10085294" y="2251522"/>
+            <a:ext cx="1776920" cy="150200"/>
+          </a:xfrm>
+          <a:prstGeom prst="rect">
+            <a:avLst/>
+          </a:prstGeom>
+          <a:solidFill>
+            <a:srgbClr val="11B29F"/>
+          </a:solidFill>
+          <a:ln>
+            <a:noFill/>
+          </a:ln>
+        </p:spPr>
+        <p:style>
+          <a:lnRef idx="2">
+            <a:schemeClr val="accent1">
+              <a:shade val="50000"/>
+            </a:schemeClr>
+          </a:lnRef>
+          <a:fillRef idx="1">
+            <a:schemeClr val="accent1"/>
+          </a:fillRef>
+          <a:effectRef idx="0">
+            <a:schemeClr val="accent1"/>
+          </a:effectRef>
+          <a:fontRef idx="minor">
+            <a:schemeClr val="lt1"/>
+          </a:fontRef>
+        </p:style>
+        <p:txBody>
+          <a:bodyPr rtlCol="0" anchor="ctr"/>
+          <a:lstStyle/>
+          <a:p>
+            <a:pPr algn="ctr"/>
+            <a:endParaRPr lang="en-US"/>
+          </a:p>
+        </p:txBody>
+      </p:sp>
+      <p:sp>
+        <p:nvSpPr>
+          <p:cNvPr id="24" name="Rectangle 23">
+            <a:extLst>
+              <a:ext uri="{FF2B5EF4-FFF2-40B4-BE49-F238E27FC236}">
+                <a16:creationId xmlns:a16="http://schemas.microsoft.com/office/drawing/2014/main" id="{993D5826-407C-4F65-BE3A-EB593B942A36}"/>
+              </a:ext>
+            </a:extLst>
+          </p:cNvPr>
+          <p:cNvSpPr/>
+          <p:nvPr/>
+        </p:nvSpPr>
+        <p:spPr>
+          <a:xfrm>
+            <a:off x="10085294" y="2447247"/>
+            <a:ext cx="1776920" cy="150200"/>
+          </a:xfrm>
+          <a:prstGeom prst="rect">
+            <a:avLst/>
+          </a:prstGeom>
+          <a:solidFill>
+            <a:srgbClr val="A71B86"/>
+          </a:solidFill>
+          <a:ln>
+            <a:noFill/>
+          </a:ln>
+        </p:spPr>
+        <p:style>
+          <a:lnRef idx="2">
+            <a:schemeClr val="accent1">
+              <a:shade val="50000"/>
+            </a:schemeClr>
+          </a:lnRef>
+          <a:fillRef idx="1">
+            <a:schemeClr val="accent1"/>
+          </a:fillRef>
+          <a:effectRef idx="0">
+            <a:schemeClr val="accent1"/>
+          </a:effectRef>
+          <a:fontRef idx="minor">
+            <a:schemeClr val="lt1"/>
+          </a:fontRef>
+        </p:style>
+        <p:txBody>
+          <a:bodyPr rtlCol="0" anchor="ctr"/>
+          <a:lstStyle/>
+          <a:p>
+            <a:pPr algn="ctr"/>
+            <a:endParaRPr lang="en-US"/>
+          </a:p>
+        </p:txBody>
+      </p:sp>
+      <p:sp>
+        <p:nvSpPr>
+          <p:cNvPr id="25" name="Rectangle 24">
+            <a:extLst>
+              <a:ext uri="{FF2B5EF4-FFF2-40B4-BE49-F238E27FC236}">
+                <a16:creationId xmlns:a16="http://schemas.microsoft.com/office/drawing/2014/main" id="{D2785A94-4D0B-4559-9303-3C963AA0EF9A}"/>
+              </a:ext>
+            </a:extLst>
+          </p:cNvPr>
+          <p:cNvSpPr/>
+          <p:nvPr/>
+        </p:nvSpPr>
+        <p:spPr>
+          <a:xfrm>
+            <a:off x="10085294" y="2642972"/>
+            <a:ext cx="1776920" cy="362446"/>
+          </a:xfrm>
+          <a:prstGeom prst="rect">
+            <a:avLst/>
+          </a:prstGeom>
+          <a:solidFill>
+            <a:srgbClr val="11B29F"/>
+          </a:solidFill>
+          <a:ln>
+            <a:noFill/>
+          </a:ln>
+        </p:spPr>
+        <p:style>
+          <a:lnRef idx="2">
+            <a:schemeClr val="accent1">
+              <a:shade val="50000"/>
+            </a:schemeClr>
+          </a:lnRef>
+          <a:fillRef idx="1">
+            <a:schemeClr val="accent1"/>
+          </a:fillRef>
+          <a:effectRef idx="0">
+            <a:schemeClr val="accent1"/>
+          </a:effectRef>
+          <a:fontRef idx="minor">
+            <a:schemeClr val="lt1"/>
+          </a:fontRef>
+        </p:style>
+        <p:txBody>
+          <a:bodyPr rtlCol="0" anchor="ctr"/>
+          <a:lstStyle/>
+          <a:p>
+            <a:pPr algn="ctr"/>
+            <a:endParaRPr lang="en-US"/>
+          </a:p>
+        </p:txBody>
+      </p:sp>
+      <p:sp>
+        <p:nvSpPr>
+          <p:cNvPr id="26" name="Rectangle 25">
+            <a:extLst>
+              <a:ext uri="{FF2B5EF4-FFF2-40B4-BE49-F238E27FC236}">
+                <a16:creationId xmlns:a16="http://schemas.microsoft.com/office/drawing/2014/main" id="{B235F2E9-4558-433D-9527-7EFF5C5E78A8}"/>
+              </a:ext>
+            </a:extLst>
+          </p:cNvPr>
+          <p:cNvSpPr/>
+          <p:nvPr/>
+        </p:nvSpPr>
+        <p:spPr>
+          <a:xfrm>
+            <a:off x="10085294" y="3050943"/>
+            <a:ext cx="1776920" cy="362446"/>
+          </a:xfrm>
+          <a:prstGeom prst="rect">
+            <a:avLst/>
+          </a:prstGeom>
+          <a:solidFill>
+            <a:srgbClr val="A71B86"/>
+          </a:solidFill>
+          <a:ln>
+            <a:noFill/>
+          </a:ln>
+        </p:spPr>
+        <p:style>
+          <a:lnRef idx="2">
+            <a:schemeClr val="accent1">
+              <a:shade val="50000"/>
+            </a:schemeClr>
+          </a:lnRef>
+          <a:fillRef idx="1">
+            <a:schemeClr val="accent1"/>
+          </a:fillRef>
+          <a:effectRef idx="0">
+            <a:schemeClr val="accent1"/>
+          </a:effectRef>
+          <a:fontRef idx="minor">
+            <a:schemeClr val="lt1"/>
+          </a:fontRef>
+        </p:style>
+        <p:txBody>
+          <a:bodyPr rtlCol="0" anchor="ctr"/>
+          <a:lstStyle/>
+          <a:p>
+            <a:pPr algn="ctr"/>
+            <a:endParaRPr lang="en-US"/>
+          </a:p>
+        </p:txBody>
+      </p:sp>
+      <p:sp>
+        <p:nvSpPr>
+          <p:cNvPr id="27" name="Rectangle 26">
+            <a:extLst>
+              <a:ext uri="{FF2B5EF4-FFF2-40B4-BE49-F238E27FC236}">
+                <a16:creationId xmlns:a16="http://schemas.microsoft.com/office/drawing/2014/main" id="{99613B87-411B-4008-BF30-F1A3B8F247B5}"/>
+              </a:ext>
+            </a:extLst>
+          </p:cNvPr>
+          <p:cNvSpPr/>
+          <p:nvPr/>
+        </p:nvSpPr>
+        <p:spPr>
+          <a:xfrm>
+            <a:off x="10085294" y="3490136"/>
+            <a:ext cx="1776920" cy="3367864"/>
+          </a:xfrm>
+          <a:prstGeom prst="rect">
+            <a:avLst/>
+          </a:prstGeom>
+          <a:solidFill>
+            <a:srgbClr val="11B29F"/>
+          </a:solidFill>
+          <a:ln>
+            <a:noFill/>
+          </a:ln>
+        </p:spPr>
+        <p:style>
+          <a:lnRef idx="2">
+            <a:schemeClr val="accent1">
+              <a:shade val="50000"/>
+            </a:schemeClr>
+          </a:lnRef>
+          <a:fillRef idx="1">
+            <a:schemeClr val="accent1"/>
+          </a:fillRef>
+          <a:effectRef idx="0">
+            <a:schemeClr val="accent1"/>
+          </a:effectRef>
+          <a:fontRef idx="minor">
+            <a:schemeClr val="lt1"/>
+          </a:fontRef>
+        </p:style>
+        <p:txBody>
+          <a:bodyPr rtlCol="0" anchor="ctr"/>
+          <a:lstStyle/>
+          <a:p>
+            <a:pPr algn="ctr"/>
+            <a:endParaRPr lang="en-US"/>
+          </a:p>
+        </p:txBody>
+      </p:sp>
+      <p:sp>
+        <p:nvSpPr>
+          <p:cNvPr id="32" name="Rectangle 31">
+            <a:extLst>
+              <a:ext uri="{FF2B5EF4-FFF2-40B4-BE49-F238E27FC236}">
+                <a16:creationId xmlns:a16="http://schemas.microsoft.com/office/drawing/2014/main" id="{145B3BD2-B1C1-4ED2-A4E0-5E17DD3736F1}"/>
+              </a:ext>
+            </a:extLst>
+          </p:cNvPr>
+          <p:cNvSpPr/>
+          <p:nvPr/>
+        </p:nvSpPr>
+        <p:spPr>
+          <a:xfrm rot="19800000">
+            <a:off x="-765351" y="385789"/>
+            <a:ext cx="4026751" cy="269178"/>
+          </a:xfrm>
+          <a:prstGeom prst="rect">
+            <a:avLst/>
+          </a:prstGeom>
+          <a:solidFill>
+            <a:srgbClr val="A71B86"/>
+          </a:solidFill>
+          <a:ln>
+            <a:noFill/>
+          </a:ln>
+        </p:spPr>
+        <p:style>
+          <a:lnRef idx="2">
+            <a:schemeClr val="accent1">
+              <a:shade val="50000"/>
+            </a:schemeClr>
+          </a:lnRef>
+          <a:fillRef idx="1">
+            <a:schemeClr val="accent1"/>
+          </a:fillRef>
+          <a:effectRef idx="0">
+            <a:schemeClr val="accent1"/>
+          </a:effectRef>
+          <a:fontRef idx="minor">
+            <a:schemeClr val="lt1"/>
+          </a:fontRef>
+        </p:style>
+        <p:txBody>
+          <a:bodyPr rtlCol="0" anchor="ctr"/>
+          <a:lstStyle/>
+          <a:p>
+            <a:pPr algn="ctr"/>
+            <a:endParaRPr lang="en-US"/>
+          </a:p>
+        </p:txBody>
+      </p:sp>
+      <p:sp>
+        <p:nvSpPr>
+          <p:cNvPr id="33" name="Rectangle 32">
+            <a:extLst>
+              <a:ext uri="{FF2B5EF4-FFF2-40B4-BE49-F238E27FC236}">
+                <a16:creationId xmlns:a16="http://schemas.microsoft.com/office/drawing/2014/main" id="{DC3B2826-65DD-408B-8F18-8CCD6C052D8D}"/>
+              </a:ext>
+            </a:extLst>
+          </p:cNvPr>
+          <p:cNvSpPr/>
+          <p:nvPr/>
+        </p:nvSpPr>
+        <p:spPr>
+          <a:xfrm rot="19800000">
+            <a:off x="9257156" y="6226296"/>
+            <a:ext cx="4026751" cy="269178"/>
+          </a:xfrm>
+          <a:prstGeom prst="rect">
+            <a:avLst/>
+          </a:prstGeom>
+          <a:solidFill>
+            <a:srgbClr val="A71B86"/>
+          </a:solidFill>
+          <a:ln>
+            <a:noFill/>
+          </a:ln>
+        </p:spPr>
+        <p:style>
+          <a:lnRef idx="2">
+            <a:schemeClr val="accent1">
+              <a:shade val="50000"/>
+            </a:schemeClr>
+          </a:lnRef>
+          <a:fillRef idx="1">
+            <a:schemeClr val="accent1"/>
+          </a:fillRef>
+          <a:effectRef idx="0">
+            <a:schemeClr val="accent1"/>
+          </a:effectRef>
+          <a:fontRef idx="minor">
+            <a:schemeClr val="lt1"/>
+          </a:fontRef>
+        </p:style>
+        <p:txBody>
+          <a:bodyPr rtlCol="0" anchor="ctr"/>
+          <a:lstStyle/>
+          <a:p>
+            <a:pPr algn="ctr"/>
+            <a:endParaRPr lang="en-US"/>
+          </a:p>
+        </p:txBody>
+      </p:sp>
+      <p:sp>
+        <p:nvSpPr>
+          <p:cNvPr id="35" name="Rectangle 34">
+            <a:extLst>
+              <a:ext uri="{FF2B5EF4-FFF2-40B4-BE49-F238E27FC236}">
+                <a16:creationId xmlns:a16="http://schemas.microsoft.com/office/drawing/2014/main" id="{4935F901-F632-4698-8C7A-AC29B2397A6C}"/>
+              </a:ext>
+            </a:extLst>
+          </p:cNvPr>
+          <p:cNvSpPr/>
+          <p:nvPr/>
+        </p:nvSpPr>
+        <p:spPr>
+          <a:xfrm rot="19800000">
+            <a:off x="8263809" y="5824178"/>
+            <a:ext cx="4731177" cy="269178"/>
+          </a:xfrm>
+          <a:prstGeom prst="rect">
+            <a:avLst/>
+          </a:prstGeom>
+          <a:solidFill>
+            <a:srgbClr val="A71B86"/>
+          </a:solidFill>
+          <a:ln>
+            <a:noFill/>
+          </a:ln>
+        </p:spPr>
+        <p:style>
+          <a:lnRef idx="2">
+            <a:schemeClr val="accent1">
+              <a:shade val="50000"/>
+            </a:schemeClr>
+          </a:lnRef>
+          <a:fillRef idx="1">
+            <a:schemeClr val="accent1"/>
+          </a:fillRef>
+          <a:effectRef idx="0">
+            <a:schemeClr val="accent1"/>
+          </a:effectRef>
+          <a:fontRef idx="minor">
+            <a:schemeClr val="lt1"/>
+          </a:fontRef>
+        </p:style>
+        <p:txBody>
+          <a:bodyPr rtlCol="0" anchor="ctr"/>
+          <a:lstStyle/>
+          <a:p>
+            <a:pPr algn="ctr"/>
+            <a:endParaRPr lang="en-US"/>
+          </a:p>
+        </p:txBody>
+      </p:sp>
+      <p:pic>
+        <p:nvPicPr>
+          <p:cNvPr id="37" name="Graphic 36" descr="Palm tree">
+            <a:extLst>
+              <a:ext uri="{FF2B5EF4-FFF2-40B4-BE49-F238E27FC236}">
+                <a16:creationId xmlns:a16="http://schemas.microsoft.com/office/drawing/2014/main" id="{79F2EC1B-9713-4CCF-8301-82ED265F3940}"/>
+              </a:ext>
+            </a:extLst>
+          </p:cNvPr>
+          <p:cNvPicPr>
+            <a:picLocks noChangeAspect="1"/>
+          </p:cNvPicPr>
+          <p:nvPr/>
+        </p:nvPicPr>
+        <p:blipFill>
+          <a:blip r:embed="rId6">
+            <a:extLst>
+              <a:ext uri="{28A0092B-C50C-407E-A947-70E740481C1C}">
+                <a14:useLocalDpi xmlns:a14="http://schemas.microsoft.com/office/drawing/2010/main" val="0"/>
+              </a:ext>
+              <a:ext uri="{96DAC541-7B7A-43D3-8B79-37D633B846F1}">
+                <asvg:svgBlip xmlns:asvg="http://schemas.microsoft.com/office/drawing/2016/SVG/main" r:embed="rId7"/>
+              </a:ext>
+            </a:extLst>
+          </a:blip>
+          <a:stretch>
+            <a:fillRect/>
+          </a:stretch>
+        </p:blipFill>
+        <p:spPr>
+          <a:xfrm>
+            <a:off x="8964994" y="809490"/>
+            <a:ext cx="914400" cy="914400"/>
+          </a:xfrm>
+          <a:prstGeom prst="rect">
+            <a:avLst/>
+          </a:prstGeom>
+        </p:spPr>
+      </p:pic>
+      <p:pic>
+        <p:nvPicPr>
+          <p:cNvPr id="38" name="Graphic 37" descr="Palm tree">
+            <a:extLst>
+              <a:ext uri="{FF2B5EF4-FFF2-40B4-BE49-F238E27FC236}">
+                <a16:creationId xmlns:a16="http://schemas.microsoft.com/office/drawing/2014/main" id="{11C9CA6F-B5F0-4837-8E50-85C201ADA4F1}"/>
+              </a:ext>
+            </a:extLst>
+          </p:cNvPr>
+          <p:cNvPicPr>
+            <a:picLocks noChangeAspect="1"/>
+          </p:cNvPicPr>
+          <p:nvPr/>
+        </p:nvPicPr>
+        <p:blipFill>
+          <a:blip r:embed="rId6">
+            <a:extLst>
+              <a:ext uri="{28A0092B-C50C-407E-A947-70E740481C1C}">
+                <a14:useLocalDpi xmlns:a14="http://schemas.microsoft.com/office/drawing/2010/main" val="0"/>
+              </a:ext>
+              <a:ext uri="{96DAC541-7B7A-43D3-8B79-37D633B846F1}">
+                <asvg:svgBlip xmlns:asvg="http://schemas.microsoft.com/office/drawing/2016/SVG/main" r:embed="rId7"/>
+              </a:ext>
+            </a:extLst>
+          </a:blip>
+          <a:stretch>
+            <a:fillRect/>
+          </a:stretch>
+        </p:blipFill>
+        <p:spPr>
+          <a:xfrm>
+            <a:off x="8834542" y="1142112"/>
+            <a:ext cx="553133" cy="553133"/>
+          </a:xfrm>
+          <a:prstGeom prst="rect">
+            <a:avLst/>
+          </a:prstGeom>
+        </p:spPr>
+      </p:pic>
+      <p:pic>
+        <p:nvPicPr>
+          <p:cNvPr id="39" name="Graphic 38" descr="Palm tree">
+            <a:extLst>
+              <a:ext uri="{FF2B5EF4-FFF2-40B4-BE49-F238E27FC236}">
+                <a16:creationId xmlns:a16="http://schemas.microsoft.com/office/drawing/2014/main" id="{585AC1AD-01C8-4E2D-8361-4BEA62A48584}"/>
+              </a:ext>
+            </a:extLst>
+          </p:cNvPr>
+          <p:cNvPicPr>
+            <a:picLocks noChangeAspect="1"/>
+          </p:cNvPicPr>
+          <p:nvPr/>
+        </p:nvPicPr>
+        <p:blipFill>
+          <a:blip r:embed="rId6">
+            <a:extLst>
+              <a:ext uri="{28A0092B-C50C-407E-A947-70E740481C1C}">
+                <a14:useLocalDpi xmlns:a14="http://schemas.microsoft.com/office/drawing/2010/main" val="0"/>
+              </a:ext>
+              <a:ext uri="{96DAC541-7B7A-43D3-8B79-37D633B846F1}">
+                <asvg:svgBlip xmlns:asvg="http://schemas.microsoft.com/office/drawing/2016/SVG/main" r:embed="rId7"/>
+              </a:ext>
+            </a:extLst>
+          </a:blip>
+          <a:stretch>
+            <a:fillRect/>
+          </a:stretch>
+        </p:blipFill>
+        <p:spPr>
+          <a:xfrm>
+            <a:off x="9387675" y="1277468"/>
+            <a:ext cx="404329" cy="404329"/>
+          </a:xfrm>
+          <a:prstGeom prst="rect">
+            <a:avLst/>
+          </a:prstGeom>
+        </p:spPr>
+      </p:pic>
+      <p:pic>
+        <p:nvPicPr>
+          <p:cNvPr id="4" name="Picture 3">
+            <a:extLst>
+              <a:ext uri="{FF2B5EF4-FFF2-40B4-BE49-F238E27FC236}">
+                <a16:creationId xmlns:a16="http://schemas.microsoft.com/office/drawing/2014/main" id="{2C93EBF4-7469-46CA-BD73-99C45BDE0FB4}"/>
+              </a:ext>
+            </a:extLst>
+          </p:cNvPr>
+          <p:cNvPicPr>
+            <a:picLocks noChangeAspect="1"/>
+          </p:cNvPicPr>
+          <p:nvPr/>
+        </p:nvPicPr>
+        <p:blipFill>
+          <a:blip r:embed="rId8"/>
+          <a:stretch>
+            <a:fillRect/>
+          </a:stretch>
+        </p:blipFill>
+        <p:spPr>
+          <a:xfrm>
+            <a:off x="4137700" y="3237719"/>
+            <a:ext cx="2275046" cy="460426"/>
+          </a:xfrm>
+          <a:prstGeom prst="rect">
+            <a:avLst/>
+          </a:prstGeom>
+        </p:spPr>
+      </p:pic>
+      <p:pic>
+        <p:nvPicPr>
+          <p:cNvPr id="6" name="Picture 5">
+            <a:extLst>
+              <a:ext uri="{FF2B5EF4-FFF2-40B4-BE49-F238E27FC236}">
+                <a16:creationId xmlns:a16="http://schemas.microsoft.com/office/drawing/2014/main" id="{82E0CD34-B54A-4FBC-B08B-5CB48E3CCEA6}"/>
+              </a:ext>
+            </a:extLst>
+          </p:cNvPr>
+          <p:cNvPicPr>
+            <a:picLocks noChangeAspect="1"/>
+          </p:cNvPicPr>
+          <p:nvPr/>
+        </p:nvPicPr>
+        <p:blipFill>
+          <a:blip r:embed="rId9"/>
+          <a:stretch>
+            <a:fillRect/>
+          </a:stretch>
+        </p:blipFill>
+        <p:spPr>
+          <a:xfrm>
+            <a:off x="3444113" y="4194361"/>
+            <a:ext cx="3677711" cy="486756"/>
+          </a:xfrm>
+          <a:prstGeom prst="rect">
+            <a:avLst/>
+          </a:prstGeom>
+        </p:spPr>
+      </p:pic>
+    </p:spTree>
+    <p:extLst>
+      <p:ext uri="{BB962C8B-B14F-4D97-AF65-F5344CB8AC3E}">
+        <p14:creationId xmlns:p14="http://schemas.microsoft.com/office/powerpoint/2010/main" val="3432578519"/>
+      </p:ext>
+    </p:extLst>
+  </p:cSld>
+  <p:clrMapOvr>
+    <a:masterClrMapping/>
+  </p:clrMapOvr>
+</p:sld>
+</file>
+
+<file path=ppt/slides/slide17.xml><?xml version="1.0" encoding="utf-8"?>
+<p:sld xmlns:a="http://schemas.openxmlformats.org/drawingml/2006/main" xmlns:r="http://schemas.openxmlformats.org/officeDocument/2006/relationships" xmlns:p="http://schemas.openxmlformats.org/presentationml/2006/main">
+  <p:cSld>
+    <p:spTree>
+      <p:nvGrpSpPr>
+        <p:cNvPr id="1" name=""/>
+        <p:cNvGrpSpPr/>
+        <p:nvPr/>
+      </p:nvGrpSpPr>
+      <p:grpSpPr>
+        <a:xfrm>
+          <a:off x="0" y="0"/>
+          <a:ext cx="0" cy="0"/>
+          <a:chOff x="0" y="0"/>
+          <a:chExt cx="0" cy="0"/>
+        </a:xfrm>
+      </p:grpSpPr>
+      <mc:AlternateContent xmlns:mc="http://schemas.openxmlformats.org/markup-compatibility/2006">
+        <mc:Choice xmlns:a14="http://schemas.microsoft.com/office/drawing/2010/main" Requires="a14">
+          <p:sp>
+            <p:nvSpPr>
+              <p:cNvPr id="36" name="TextBox 35">
+                <a:extLst>
+                  <a:ext uri="{FF2B5EF4-FFF2-40B4-BE49-F238E27FC236}">
+                    <a16:creationId xmlns:a16="http://schemas.microsoft.com/office/drawing/2014/main" id="{389720C5-6DCB-428D-8C4F-A02DEC239333}"/>
+                  </a:ext>
+                </a:extLst>
+              </p:cNvPr>
+              <p:cNvSpPr txBox="1"/>
+              <p:nvPr/>
+            </p:nvSpPr>
+            <p:spPr>
+              <a:xfrm>
+                <a:off x="773934" y="1947592"/>
+                <a:ext cx="9018070" cy="4837478"/>
+              </a:xfrm>
+              <a:prstGeom prst="rect">
+                <a:avLst/>
+              </a:prstGeom>
+              <a:noFill/>
+            </p:spPr>
+            <p:txBody>
+              <a:bodyPr wrap="square" rtlCol="0">
+                <a:spAutoFit/>
+              </a:bodyPr>
+              <a:lstStyle/>
+              <a:p>
+                <a:pPr marL="285750" indent="-285750">
+                  <a:buFont typeface="Arial" panose="020B0604020202020204" pitchFamily="34" charset="0"/>
+                  <a:buChar char="•"/>
+                </a:pPr>
+                <a:r>
+                  <a:rPr lang="en-US" sz="2000" dirty="0">
+                    <a:solidFill>
+                      <a:srgbClr val="404040"/>
+                    </a:solidFill>
+                    <a:latin typeface="Corbel" panose="020B0503020204020204" pitchFamily="34" charset="0"/>
+                  </a:rPr>
+                  <a:t>An exponential random variable has CDF</a:t>
+                </a:r>
+              </a:p>
+              <a:p>
+                <a:pPr marL="285750" indent="-285750">
+                  <a:buFont typeface="Arial" panose="020B0604020202020204" pitchFamily="34" charset="0"/>
+                  <a:buChar char="•"/>
+                </a:pPr>
+                <a:endParaRPr lang="en-US" sz="2000" dirty="0">
+                  <a:solidFill>
+                    <a:srgbClr val="404040"/>
+                  </a:solidFill>
+                  <a:latin typeface="Corbel" panose="020B0503020204020204" pitchFamily="34" charset="0"/>
+                </a:endParaRPr>
+              </a:p>
+              <a:p>
+                <a:pPr marL="285750" indent="-285750">
+                  <a:buFont typeface="Arial" panose="020B0604020202020204" pitchFamily="34" charset="0"/>
+                  <a:buChar char="•"/>
+                </a:pPr>
+                <a:endParaRPr lang="en-US" sz="2000" dirty="0">
+                  <a:solidFill>
+                    <a:srgbClr val="404040"/>
+                  </a:solidFill>
+                  <a:latin typeface="Corbel" panose="020B0503020204020204" pitchFamily="34" charset="0"/>
+                </a:endParaRPr>
+              </a:p>
+              <a:p>
+                <a:pPr marL="285750" indent="-285750">
+                  <a:buFont typeface="Arial" panose="020B0604020202020204" pitchFamily="34" charset="0"/>
+                  <a:buChar char="•"/>
+                </a:pPr>
+                <a:r>
+                  <a:rPr lang="en-US" sz="2000" dirty="0">
+                    <a:solidFill>
+                      <a:srgbClr val="404040"/>
+                    </a:solidFill>
+                    <a:latin typeface="Corbel" panose="020B0503020204020204" pitchFamily="34" charset="0"/>
+                  </a:rPr>
+                  <a:t>With </a:t>
+                </a:r>
+                <a14:m>
+                  <m:oMath xmlns:m="http://schemas.openxmlformats.org/officeDocument/2006/math">
+                    <m:r>
+                      <a:rPr lang="en-US" sz="2000" b="0" i="1" smtClean="0">
+                        <a:solidFill>
+                          <a:srgbClr val="404040"/>
+                        </a:solidFill>
+                        <a:latin typeface="Cambria Math" panose="02040503050406030204" pitchFamily="18" charset="0"/>
+                      </a:rPr>
+                      <m:t>𝜆</m:t>
+                    </m:r>
+                    <m:r>
+                      <a:rPr lang="en-US" sz="2000" b="0" i="1" smtClean="0">
+                        <a:solidFill>
+                          <a:srgbClr val="404040"/>
+                        </a:solidFill>
+                        <a:latin typeface="Cambria Math" panose="02040503050406030204" pitchFamily="18" charset="0"/>
+                      </a:rPr>
+                      <m:t>&gt;0</m:t>
+                    </m:r>
+                  </m:oMath>
+                </a14:m>
+                <a:r>
+                  <a:rPr lang="en-US" sz="2000" dirty="0">
+                    <a:solidFill>
+                      <a:srgbClr val="A71B86"/>
+                    </a:solidFill>
+                    <a:latin typeface="Corbel" panose="020B0503020204020204" pitchFamily="34" charset="0"/>
+                  </a:rPr>
+                  <a:t> </a:t>
+                </a:r>
+                <a:r>
+                  <a:rPr lang="en-US" sz="2000" dirty="0">
+                    <a:solidFill>
+                      <a:srgbClr val="404040"/>
+                    </a:solidFill>
+                    <a:latin typeface="Corbel" panose="020B0503020204020204" pitchFamily="34" charset="0"/>
+                  </a:rPr>
+                  <a:t>a parameter known as its “rate”</a:t>
+                </a:r>
+              </a:p>
+              <a:p>
+                <a:pPr marL="285750" indent="-285750">
+                  <a:buFont typeface="Arial" panose="020B0604020202020204" pitchFamily="34" charset="0"/>
+                  <a:buChar char="•"/>
+                </a:pPr>
+                <a:endParaRPr lang="en-US" sz="2000" dirty="0">
+                  <a:solidFill>
+                    <a:srgbClr val="404040"/>
+                  </a:solidFill>
+                  <a:latin typeface="Corbel" panose="020B0503020204020204" pitchFamily="34" charset="0"/>
+                </a:endParaRPr>
+              </a:p>
+              <a:p>
+                <a:pPr marL="285750" indent="-285750">
+                  <a:buFont typeface="Arial" panose="020B0604020202020204" pitchFamily="34" charset="0"/>
+                  <a:buChar char="•"/>
+                </a:pPr>
+                <a:r>
+                  <a:rPr lang="en-US" sz="2000" dirty="0">
+                    <a:solidFill>
+                      <a:srgbClr val="404040"/>
+                    </a:solidFill>
+                    <a:latin typeface="Corbel" panose="020B0503020204020204" pitchFamily="34" charset="0"/>
+                  </a:rPr>
+                  <a:t>Exponentials are often used to model the time between random arrivals</a:t>
+                </a:r>
+              </a:p>
+              <a:p>
+                <a:pPr marL="285750" indent="-285750">
+                  <a:buFont typeface="Arial" panose="020B0604020202020204" pitchFamily="34" charset="0"/>
+                  <a:buChar char="•"/>
+                </a:pPr>
+                <a:endParaRPr lang="en-US" sz="2000" dirty="0">
+                  <a:solidFill>
+                    <a:srgbClr val="404040"/>
+                  </a:solidFill>
+                  <a:latin typeface="Corbel" panose="020B0503020204020204" pitchFamily="34" charset="0"/>
+                </a:endParaRPr>
+              </a:p>
+              <a:p>
+                <a:pPr marL="285750" indent="-285750">
+                  <a:buFont typeface="Arial" panose="020B0604020202020204" pitchFamily="34" charset="0"/>
+                  <a:buChar char="•"/>
+                </a:pPr>
+                <a:r>
+                  <a:rPr lang="en-US" sz="2000" dirty="0">
+                    <a:solidFill>
+                      <a:srgbClr val="404040"/>
+                    </a:solidFill>
+                    <a:latin typeface="Corbel" panose="020B0503020204020204" pitchFamily="34" charset="0"/>
+                  </a:rPr>
+                  <a:t>To compute </a:t>
+                </a:r>
+                <a14:m>
+                  <m:oMath xmlns:m="http://schemas.openxmlformats.org/officeDocument/2006/math">
+                    <m:sSup>
+                      <m:sSupPr>
+                        <m:ctrlPr>
+                          <a:rPr lang="en-US" sz="2000" i="1">
+                            <a:solidFill>
+                              <a:srgbClr val="404040"/>
+                            </a:solidFill>
+                            <a:latin typeface="Cambria Math" panose="02040503050406030204" pitchFamily="18" charset="0"/>
+                          </a:rPr>
+                        </m:ctrlPr>
+                      </m:sSupPr>
+                      <m:e>
+                        <m:r>
+                          <a:rPr lang="en-US" sz="2000" i="1">
+                            <a:solidFill>
+                              <a:srgbClr val="404040"/>
+                            </a:solidFill>
+                            <a:latin typeface="Cambria Math" panose="02040503050406030204" pitchFamily="18" charset="0"/>
+                          </a:rPr>
+                          <m:t>𝐹</m:t>
+                        </m:r>
+                      </m:e>
+                      <m:sup>
+                        <m:r>
+                          <a:rPr lang="en-US" sz="2000" i="1">
+                            <a:solidFill>
+                              <a:srgbClr val="404040"/>
+                            </a:solidFill>
+                            <a:latin typeface="Cambria Math" panose="02040503050406030204" pitchFamily="18" charset="0"/>
+                          </a:rPr>
+                          <m:t>−1</m:t>
+                        </m:r>
+                      </m:sup>
+                    </m:sSup>
+                    <m:d>
+                      <m:dPr>
+                        <m:ctrlPr>
+                          <a:rPr lang="en-US" sz="2000" i="1">
+                            <a:solidFill>
+                              <a:srgbClr val="404040"/>
+                            </a:solidFill>
+                            <a:latin typeface="Cambria Math" panose="02040503050406030204" pitchFamily="18" charset="0"/>
+                          </a:rPr>
+                        </m:ctrlPr>
+                      </m:dPr>
+                      <m:e>
+                        <m:r>
+                          <a:rPr lang="en-US" sz="2000" i="1">
+                            <a:solidFill>
+                              <a:srgbClr val="404040"/>
+                            </a:solidFill>
+                            <a:latin typeface="Cambria Math" panose="02040503050406030204" pitchFamily="18" charset="0"/>
+                          </a:rPr>
+                          <m:t>𝑈</m:t>
+                        </m:r>
+                      </m:e>
+                    </m:d>
+                  </m:oMath>
+                </a14:m>
+                <a:r>
+                  <a:rPr lang="en-US" sz="2000" dirty="0">
+                    <a:solidFill>
+                      <a:srgbClr val="404040"/>
+                    </a:solidFill>
+                    <a:latin typeface="Corbel" panose="020B0503020204020204" pitchFamily="34" charset="0"/>
+                  </a:rPr>
+                  <a:t>, we set </a:t>
+                </a:r>
+                <a14:m>
+                  <m:oMath xmlns:m="http://schemas.openxmlformats.org/officeDocument/2006/math">
+                    <m:r>
+                      <a:rPr lang="en-US" sz="2000" b="0" i="1" smtClean="0">
+                        <a:solidFill>
+                          <a:srgbClr val="404040"/>
+                        </a:solidFill>
+                        <a:latin typeface="Cambria Math" panose="02040503050406030204" pitchFamily="18" charset="0"/>
+                      </a:rPr>
+                      <m:t>𝑢</m:t>
+                    </m:r>
+                    <m:r>
+                      <a:rPr lang="en-US" sz="2000" b="0" i="1" smtClean="0">
+                        <a:solidFill>
+                          <a:srgbClr val="404040"/>
+                        </a:solidFill>
+                        <a:latin typeface="Cambria Math" panose="02040503050406030204" pitchFamily="18" charset="0"/>
+                      </a:rPr>
+                      <m:t>=</m:t>
+                    </m:r>
+                    <m:r>
+                      <a:rPr lang="en-US" sz="2000" i="1">
+                        <a:solidFill>
+                          <a:srgbClr val="404040"/>
+                        </a:solidFill>
+                        <a:latin typeface="Cambria Math" panose="02040503050406030204" pitchFamily="18" charset="0"/>
+                      </a:rPr>
+                      <m:t>𝐹</m:t>
+                    </m:r>
+                    <m:r>
+                      <a:rPr lang="en-US" sz="2000" b="0" i="1" smtClean="0">
+                        <a:solidFill>
+                          <a:srgbClr val="404040"/>
+                        </a:solidFill>
+                        <a:latin typeface="Cambria Math" panose="02040503050406030204" pitchFamily="18" charset="0"/>
+                      </a:rPr>
+                      <m:t>(</m:t>
+                    </m:r>
+                    <m:r>
+                      <a:rPr lang="en-US" sz="2000" b="0" i="1" smtClean="0">
+                        <a:solidFill>
+                          <a:srgbClr val="404040"/>
+                        </a:solidFill>
+                        <a:latin typeface="Cambria Math" panose="02040503050406030204" pitchFamily="18" charset="0"/>
+                      </a:rPr>
+                      <m:t>𝑥</m:t>
+                    </m:r>
+                    <m:r>
+                      <a:rPr lang="en-US" sz="2000" b="0" i="1" smtClean="0">
+                        <a:solidFill>
+                          <a:srgbClr val="404040"/>
+                        </a:solidFill>
+                        <a:latin typeface="Cambria Math" panose="02040503050406030204" pitchFamily="18" charset="0"/>
+                      </a:rPr>
+                      <m:t>)</m:t>
+                    </m:r>
+                  </m:oMath>
+                </a14:m>
+                <a:r>
+                  <a:rPr lang="en-US" sz="2000" dirty="0">
+                    <a:solidFill>
+                      <a:srgbClr val="404040"/>
+                    </a:solidFill>
+                    <a:latin typeface="Corbel" panose="020B0503020204020204" pitchFamily="34" charset="0"/>
+                  </a:rPr>
+                  <a:t> and solve for </a:t>
+                </a:r>
+                <a14:m>
+                  <m:oMath xmlns:m="http://schemas.openxmlformats.org/officeDocument/2006/math">
+                    <m:r>
+                      <a:rPr lang="en-US" sz="2000" i="1">
+                        <a:solidFill>
+                          <a:srgbClr val="404040"/>
+                        </a:solidFill>
+                        <a:latin typeface="Cambria Math" panose="02040503050406030204" pitchFamily="18" charset="0"/>
+                      </a:rPr>
+                      <m:t>𝑥</m:t>
+                    </m:r>
+                  </m:oMath>
+                </a14:m>
+                <a:endParaRPr lang="en-US" sz="2000" dirty="0">
+                  <a:solidFill>
+                    <a:srgbClr val="404040"/>
+                  </a:solidFill>
+                  <a:latin typeface="Corbel" panose="020B0503020204020204" pitchFamily="34" charset="0"/>
+                </a:endParaRPr>
+              </a:p>
+              <a:p>
+                <a:pPr marL="285750" indent="-285750">
+                  <a:buFont typeface="Arial" panose="020B0604020202020204" pitchFamily="34" charset="0"/>
+                  <a:buChar char="•"/>
+                </a:pPr>
+                <a:endParaRPr lang="en-US" sz="2000" dirty="0">
+                  <a:solidFill>
+                    <a:srgbClr val="404040"/>
+                  </a:solidFill>
+                  <a:latin typeface="Corbel" panose="020B0503020204020204" pitchFamily="34" charset="0"/>
+                </a:endParaRPr>
+              </a:p>
+              <a:p>
+                <a:pPr marL="285750" indent="-285750">
+                  <a:buFont typeface="Arial" panose="020B0604020202020204" pitchFamily="34" charset="0"/>
+                  <a:buChar char="•"/>
+                </a:pPr>
+                <a:endParaRPr lang="en-US" sz="2000" dirty="0">
+                  <a:solidFill>
+                    <a:srgbClr val="404040"/>
+                  </a:solidFill>
+                  <a:latin typeface="Corbel" panose="020B0503020204020204" pitchFamily="34" charset="0"/>
+                </a:endParaRPr>
+              </a:p>
+              <a:p>
+                <a:pPr marL="285750" indent="-285750">
+                  <a:buFont typeface="Arial" panose="020B0604020202020204" pitchFamily="34" charset="0"/>
+                  <a:buChar char="•"/>
+                </a:pPr>
+                <a:endParaRPr lang="en-US" sz="2000" dirty="0">
+                  <a:solidFill>
+                    <a:srgbClr val="404040"/>
+                  </a:solidFill>
+                  <a:latin typeface="Corbel" panose="020B0503020204020204" pitchFamily="34" charset="0"/>
+                </a:endParaRPr>
+              </a:p>
+              <a:p>
+                <a:pPr marL="285750" indent="-285750">
+                  <a:buFont typeface="Arial" panose="020B0604020202020204" pitchFamily="34" charset="0"/>
+                  <a:buChar char="•"/>
+                </a:pPr>
+                <a:endParaRPr lang="en-US" sz="2000" dirty="0">
+                  <a:solidFill>
+                    <a:srgbClr val="404040"/>
+                  </a:solidFill>
+                  <a:latin typeface="Corbel" panose="020B0503020204020204" pitchFamily="34" charset="0"/>
+                </a:endParaRPr>
+              </a:p>
+              <a:p>
+                <a:pPr marL="285750" indent="-285750">
+                  <a:buFont typeface="Arial" panose="020B0604020202020204" pitchFamily="34" charset="0"/>
+                  <a:buChar char="•"/>
+                </a:pPr>
+                <a:endParaRPr lang="en-US" sz="2000" dirty="0">
+                  <a:solidFill>
+                    <a:srgbClr val="404040"/>
+                  </a:solidFill>
+                  <a:latin typeface="Corbel" panose="020B0503020204020204" pitchFamily="34" charset="0"/>
+                </a:endParaRPr>
+              </a:p>
+              <a:p>
+                <a:pPr marL="285750" indent="-285750">
+                  <a:buFont typeface="Arial" panose="020B0604020202020204" pitchFamily="34" charset="0"/>
+                  <a:buChar char="•"/>
+                </a:pPr>
+                <a:r>
+                  <a:rPr lang="en-US" sz="2000" dirty="0">
+                    <a:solidFill>
+                      <a:srgbClr val="404040"/>
+                    </a:solidFill>
+                    <a:latin typeface="Corbel" panose="020B0503020204020204" pitchFamily="34" charset="0"/>
+                  </a:rPr>
+                  <a:t>If </a:t>
+                </a:r>
+                <a14:m>
+                  <m:oMath xmlns:m="http://schemas.openxmlformats.org/officeDocument/2006/math">
+                    <m:r>
+                      <a:rPr lang="en-US" sz="2000" b="0" i="1" smtClean="0">
+                        <a:solidFill>
+                          <a:srgbClr val="404040"/>
+                        </a:solidFill>
+                        <a:latin typeface="Cambria Math" panose="02040503050406030204" pitchFamily="18" charset="0"/>
+                      </a:rPr>
+                      <m:t>𝑈</m:t>
+                    </m:r>
+                    <m:r>
+                      <a:rPr lang="en-US" sz="2000" b="0" i="1" smtClean="0">
+                        <a:solidFill>
+                          <a:srgbClr val="404040"/>
+                        </a:solidFill>
+                        <a:latin typeface="Cambria Math" panose="02040503050406030204" pitchFamily="18" charset="0"/>
+                      </a:rPr>
+                      <m:t>∼</m:t>
+                    </m:r>
+                    <m:r>
+                      <a:rPr lang="en-US" sz="2000" b="0" i="1" smtClean="0">
+                        <a:solidFill>
+                          <a:srgbClr val="404040"/>
+                        </a:solidFill>
+                        <a:latin typeface="Cambria Math" panose="02040503050406030204" pitchFamily="18" charset="0"/>
+                      </a:rPr>
+                      <m:t>𝑈𝑛𝑖𝑓𝑜𝑟𝑚</m:t>
+                    </m:r>
+                    <m:r>
+                      <a:rPr lang="en-US" sz="2000" b="0" i="1" smtClean="0">
+                        <a:solidFill>
+                          <a:srgbClr val="404040"/>
+                        </a:solidFill>
+                        <a:latin typeface="Cambria Math" panose="02040503050406030204" pitchFamily="18" charset="0"/>
+                      </a:rPr>
+                      <m:t>[0,1]</m:t>
+                    </m:r>
+                  </m:oMath>
+                </a14:m>
+                <a:r>
+                  <a:rPr lang="en-US" sz="2000" dirty="0">
+                    <a:solidFill>
+                      <a:srgbClr val="404040"/>
+                    </a:solidFill>
+                    <a:latin typeface="Corbel" panose="020B0503020204020204" pitchFamily="34" charset="0"/>
+                  </a:rPr>
+                  <a:t>, the random variable </a:t>
+                </a:r>
+                <a14:m>
+                  <m:oMath xmlns:m="http://schemas.openxmlformats.org/officeDocument/2006/math">
+                    <m:r>
+                      <a:rPr lang="en-US" sz="2000" b="0" i="1" smtClean="0">
+                        <a:solidFill>
+                          <a:srgbClr val="404040"/>
+                        </a:solidFill>
+                        <a:latin typeface="Cambria Math" panose="02040503050406030204" pitchFamily="18" charset="0"/>
+                      </a:rPr>
+                      <m:t>𝑋</m:t>
+                    </m:r>
+                    <m:r>
+                      <a:rPr lang="en-US" sz="2000" b="0" i="1" smtClean="0">
+                        <a:solidFill>
+                          <a:srgbClr val="404040"/>
+                        </a:solidFill>
+                        <a:latin typeface="Cambria Math" panose="02040503050406030204" pitchFamily="18" charset="0"/>
+                      </a:rPr>
+                      <m:t>=−</m:t>
+                    </m:r>
+                    <m:f>
+                      <m:fPr>
+                        <m:ctrlPr>
+                          <a:rPr lang="en-US" sz="2000" b="0" i="1" smtClean="0">
+                            <a:solidFill>
+                              <a:srgbClr val="404040"/>
+                            </a:solidFill>
+                            <a:latin typeface="Cambria Math" panose="02040503050406030204" pitchFamily="18" charset="0"/>
+                          </a:rPr>
+                        </m:ctrlPr>
+                      </m:fPr>
+                      <m:num>
+                        <m:r>
+                          <a:rPr lang="en-US" sz="2000" b="0" i="1" smtClean="0">
+                            <a:solidFill>
+                              <a:srgbClr val="404040"/>
+                            </a:solidFill>
+                            <a:latin typeface="Cambria Math" panose="02040503050406030204" pitchFamily="18" charset="0"/>
+                          </a:rPr>
+                          <m:t>1</m:t>
+                        </m:r>
+                      </m:num>
+                      <m:den>
+                        <m:r>
+                          <a:rPr lang="en-US" sz="2000" b="0" i="1" smtClean="0">
+                            <a:solidFill>
+                              <a:srgbClr val="404040"/>
+                            </a:solidFill>
+                            <a:latin typeface="Cambria Math" panose="02040503050406030204" pitchFamily="18" charset="0"/>
+                          </a:rPr>
+                          <m:t>𝜆</m:t>
+                        </m:r>
+                      </m:den>
+                    </m:f>
+                    <m:func>
+                      <m:funcPr>
+                        <m:ctrlPr>
+                          <a:rPr lang="en-US" sz="2000" b="0" i="1" smtClean="0">
+                            <a:solidFill>
+                              <a:srgbClr val="404040"/>
+                            </a:solidFill>
+                            <a:latin typeface="Cambria Math" panose="02040503050406030204" pitchFamily="18" charset="0"/>
+                          </a:rPr>
+                        </m:ctrlPr>
+                      </m:funcPr>
+                      <m:fName>
+                        <m:r>
+                          <m:rPr>
+                            <m:sty m:val="p"/>
+                          </m:rPr>
+                          <a:rPr lang="en-US" sz="2000" b="0" i="0" smtClean="0">
+                            <a:solidFill>
+                              <a:srgbClr val="404040"/>
+                            </a:solidFill>
+                            <a:latin typeface="Cambria Math" panose="02040503050406030204" pitchFamily="18" charset="0"/>
+                          </a:rPr>
+                          <m:t>ln</m:t>
+                        </m:r>
+                      </m:fName>
+                      <m:e>
+                        <m:d>
+                          <m:dPr>
+                            <m:ctrlPr>
+                              <a:rPr lang="en-US" sz="2000" b="0" i="1" smtClean="0">
+                                <a:solidFill>
+                                  <a:srgbClr val="404040"/>
+                                </a:solidFill>
+                                <a:latin typeface="Cambria Math" panose="02040503050406030204" pitchFamily="18" charset="0"/>
+                              </a:rPr>
+                            </m:ctrlPr>
+                          </m:dPr>
+                          <m:e>
+                            <m:r>
+                              <a:rPr lang="en-US" sz="2000" b="0" i="1" smtClean="0">
+                                <a:solidFill>
+                                  <a:srgbClr val="404040"/>
+                                </a:solidFill>
+                                <a:latin typeface="Cambria Math" panose="02040503050406030204" pitchFamily="18" charset="0"/>
+                              </a:rPr>
+                              <m:t>1−</m:t>
+                            </m:r>
+                            <m:r>
+                              <a:rPr lang="en-US" sz="2000" b="0" i="1" smtClean="0">
+                                <a:solidFill>
+                                  <a:srgbClr val="404040"/>
+                                </a:solidFill>
+                                <a:latin typeface="Cambria Math" panose="02040503050406030204" pitchFamily="18" charset="0"/>
+                              </a:rPr>
+                              <m:t>𝑈</m:t>
+                            </m:r>
+                          </m:e>
+                        </m:d>
+                      </m:e>
+                    </m:func>
+                  </m:oMath>
+                </a14:m>
+                <a:r>
+                  <a:rPr lang="en-US" sz="2000" dirty="0">
+                    <a:solidFill>
+                      <a:srgbClr val="404040"/>
+                    </a:solidFill>
+                    <a:latin typeface="Corbel" panose="020B0503020204020204" pitchFamily="34" charset="0"/>
+                  </a:rPr>
+                  <a:t> is an exponentially distributed random variable with rate </a:t>
+                </a:r>
+                <a14:m>
+                  <m:oMath xmlns:m="http://schemas.openxmlformats.org/officeDocument/2006/math">
+                    <m:r>
+                      <a:rPr lang="en-US" sz="2000" b="0" i="1" smtClean="0">
+                        <a:solidFill>
+                          <a:srgbClr val="404040"/>
+                        </a:solidFill>
+                        <a:latin typeface="Cambria Math" panose="02040503050406030204" pitchFamily="18" charset="0"/>
+                      </a:rPr>
+                      <m:t>𝜆</m:t>
+                    </m:r>
+                  </m:oMath>
+                </a14:m>
+                <a:endParaRPr lang="en-US" sz="2000" dirty="0">
+                  <a:solidFill>
+                    <a:srgbClr val="404040"/>
+                  </a:solidFill>
+                  <a:latin typeface="Corbel" panose="020B0503020204020204" pitchFamily="34" charset="0"/>
+                </a:endParaRPr>
+              </a:p>
+            </p:txBody>
+          </p:sp>
+        </mc:Choice>
+        <mc:Fallback>
+          <p:sp>
+            <p:nvSpPr>
+              <p:cNvPr id="36" name="TextBox 35">
+                <a:extLst>
+                  <a:ext uri="{FF2B5EF4-FFF2-40B4-BE49-F238E27FC236}">
+                    <a16:creationId xmlns:a16="http://schemas.microsoft.com/office/drawing/2014/main" id="{389720C5-6DCB-428D-8C4F-A02DEC239333}"/>
+                  </a:ext>
+                </a:extLst>
+              </p:cNvPr>
+              <p:cNvSpPr txBox="1">
+                <a:spLocks noRot="1" noChangeAspect="1" noMove="1" noResize="1" noEditPoints="1" noAdjustHandles="1" noChangeArrowheads="1" noChangeShapeType="1" noTextEdit="1"/>
+              </p:cNvSpPr>
+              <p:nvPr/>
+            </p:nvSpPr>
+            <p:spPr>
+              <a:xfrm>
+                <a:off x="773934" y="1947592"/>
+                <a:ext cx="9018070" cy="4837478"/>
+              </a:xfrm>
+              <a:prstGeom prst="rect">
+                <a:avLst/>
+              </a:prstGeom>
+              <a:blipFill>
+                <a:blip r:embed="rId3"/>
+                <a:stretch>
+                  <a:fillRect l="-609" t="-630" b="-1259"/>
+                </a:stretch>
+              </a:blipFill>
+            </p:spPr>
+            <p:txBody>
+              <a:bodyPr/>
+              <a:lstStyle/>
+              <a:p>
+                <a:r>
+                  <a:rPr lang="en-US">
+                    <a:noFill/>
+                  </a:rPr>
+                  <a:t> </a:t>
+                </a:r>
+              </a:p>
+            </p:txBody>
+          </p:sp>
+        </mc:Fallback>
+      </mc:AlternateContent>
+      <p:sp>
+        <p:nvSpPr>
+          <p:cNvPr id="28" name="Rectangle 27">
+            <a:extLst>
+              <a:ext uri="{FF2B5EF4-FFF2-40B4-BE49-F238E27FC236}">
+                <a16:creationId xmlns:a16="http://schemas.microsoft.com/office/drawing/2014/main" id="{1568D3DA-67F7-464C-95FF-D7D56F4038D6}"/>
+              </a:ext>
+            </a:extLst>
+          </p:cNvPr>
+          <p:cNvSpPr/>
+          <p:nvPr/>
+        </p:nvSpPr>
+        <p:spPr>
+          <a:xfrm rot="19800000">
+            <a:off x="-597297" y="674901"/>
+            <a:ext cx="4026751" cy="269178"/>
+          </a:xfrm>
+          <a:prstGeom prst="rect">
+            <a:avLst/>
+          </a:prstGeom>
+          <a:solidFill>
+            <a:srgbClr val="A71B86"/>
+          </a:solidFill>
+          <a:ln>
+            <a:noFill/>
+          </a:ln>
+        </p:spPr>
+        <p:style>
+          <a:lnRef idx="2">
+            <a:schemeClr val="accent1">
+              <a:shade val="50000"/>
+            </a:schemeClr>
+          </a:lnRef>
+          <a:fillRef idx="1">
+            <a:schemeClr val="accent1"/>
+          </a:fillRef>
+          <a:effectRef idx="0">
+            <a:schemeClr val="accent1"/>
+          </a:effectRef>
+          <a:fontRef idx="minor">
+            <a:schemeClr val="lt1"/>
+          </a:fontRef>
+        </p:style>
+        <p:txBody>
+          <a:bodyPr rtlCol="0" anchor="ctr"/>
+          <a:lstStyle/>
+          <a:p>
+            <a:pPr algn="ctr"/>
+            <a:endParaRPr lang="en-US"/>
+          </a:p>
+        </p:txBody>
+      </p:sp>
+      <p:pic>
+        <p:nvPicPr>
+          <p:cNvPr id="11" name="Picture 10" descr="A large body of water&#10;&#10;Description automatically generated">
+            <a:extLst>
+              <a:ext uri="{FF2B5EF4-FFF2-40B4-BE49-F238E27FC236}">
+                <a16:creationId xmlns:a16="http://schemas.microsoft.com/office/drawing/2014/main" id="{B83B0471-BE25-41B4-B185-53BEB6528B89}"/>
+              </a:ext>
+            </a:extLst>
+          </p:cNvPr>
+          <p:cNvPicPr>
+            <a:picLocks noChangeAspect="1"/>
+          </p:cNvPicPr>
+          <p:nvPr/>
+        </p:nvPicPr>
+        <p:blipFill rotWithShape="1">
+          <a:blip r:embed="rId4">
+            <a:alphaModFix amt="20000"/>
+            <a:extLst>
+              <a:ext uri="{28A0092B-C50C-407E-A947-70E740481C1C}">
+                <a14:useLocalDpi xmlns:a14="http://schemas.microsoft.com/office/drawing/2010/main" val="0"/>
+              </a:ext>
+            </a:extLst>
+          </a:blip>
+          <a:srcRect t="34654" b="43573"/>
+          <a:stretch/>
+        </p:blipFill>
+        <p:spPr>
+          <a:xfrm>
+            <a:off x="766188" y="457321"/>
+            <a:ext cx="9018070" cy="1308226"/>
+          </a:xfrm>
+          <a:prstGeom prst="rect">
+            <a:avLst/>
+          </a:prstGeom>
+        </p:spPr>
+      </p:pic>
+      <p:sp>
+        <p:nvSpPr>
+          <p:cNvPr id="34" name="Rectangle 33">
+            <a:extLst>
+              <a:ext uri="{FF2B5EF4-FFF2-40B4-BE49-F238E27FC236}">
+                <a16:creationId xmlns:a16="http://schemas.microsoft.com/office/drawing/2014/main" id="{BFE7775A-1FAD-4E84-8B9E-DA4B39640B5E}"/>
+              </a:ext>
+            </a:extLst>
+          </p:cNvPr>
+          <p:cNvSpPr/>
+          <p:nvPr/>
+        </p:nvSpPr>
+        <p:spPr>
+          <a:xfrm rot="19800000">
+            <a:off x="9089102" y="5937184"/>
+            <a:ext cx="4026751" cy="269178"/>
+          </a:xfrm>
+          <a:prstGeom prst="rect">
+            <a:avLst/>
+          </a:prstGeom>
+          <a:solidFill>
+            <a:srgbClr val="A71B86"/>
+          </a:solidFill>
+          <a:ln>
+            <a:noFill/>
+          </a:ln>
+        </p:spPr>
+        <p:style>
+          <a:lnRef idx="2">
+            <a:schemeClr val="accent1">
+              <a:shade val="50000"/>
+            </a:schemeClr>
+          </a:lnRef>
+          <a:fillRef idx="1">
+            <a:schemeClr val="accent1"/>
+          </a:fillRef>
+          <a:effectRef idx="0">
+            <a:schemeClr val="accent1"/>
+          </a:effectRef>
+          <a:fontRef idx="minor">
+            <a:schemeClr val="lt1"/>
+          </a:fontRef>
+        </p:style>
+        <p:txBody>
+          <a:bodyPr rtlCol="0" anchor="ctr"/>
+          <a:lstStyle/>
+          <a:p>
+            <a:pPr algn="ctr"/>
+            <a:endParaRPr lang="en-US"/>
+          </a:p>
+        </p:txBody>
+      </p:sp>
+      <p:sp>
+        <p:nvSpPr>
+          <p:cNvPr id="2" name="Title 1">
+            <a:extLst>
+              <a:ext uri="{FF2B5EF4-FFF2-40B4-BE49-F238E27FC236}">
+                <a16:creationId xmlns:a16="http://schemas.microsoft.com/office/drawing/2014/main" id="{95D79E09-6E77-4F87-B358-F18D99FA343D}"/>
+              </a:ext>
+            </a:extLst>
+          </p:cNvPr>
+          <p:cNvSpPr>
+            <a:spLocks noGrp="1"/>
+          </p:cNvSpPr>
+          <p:nvPr>
+            <p:ph type="title"/>
+          </p:nvPr>
+        </p:nvSpPr>
+        <p:spPr>
+          <a:xfrm>
+            <a:off x="773934" y="425128"/>
+            <a:ext cx="9018070" cy="1325563"/>
+          </a:xfrm>
+          <a:noFill/>
+          <a:ln w="76200">
+            <a:solidFill>
+              <a:srgbClr val="11B29F"/>
+            </a:solidFill>
+          </a:ln>
+        </p:spPr>
+        <p:txBody>
+          <a:bodyPr/>
+          <a:lstStyle/>
+          <a:p>
+            <a:pPr algn="ctr"/>
+            <a:r>
+              <a:rPr lang="en-US" dirty="0">
+                <a:solidFill>
+                  <a:srgbClr val="404040"/>
+                </a:solidFill>
+                <a:latin typeface="Bodoni MT" panose="02070603080606020203" pitchFamily="18" charset="0"/>
+              </a:rPr>
+              <a:t>Ex: Exponential Simulation</a:t>
+            </a:r>
+          </a:p>
+        </p:txBody>
+      </p:sp>
+      <p:pic>
+        <p:nvPicPr>
+          <p:cNvPr id="5" name="Content Placeholder 4" descr="A picture containing cage&#10;&#10;Description automatically generated">
+            <a:extLst>
+              <a:ext uri="{FF2B5EF4-FFF2-40B4-BE49-F238E27FC236}">
+                <a16:creationId xmlns:a16="http://schemas.microsoft.com/office/drawing/2014/main" id="{EF817497-4F98-4236-83EE-74FD8376B077}"/>
+              </a:ext>
+            </a:extLst>
+          </p:cNvPr>
+          <p:cNvPicPr>
+            <a:picLocks noGrp="1" noChangeAspect="1"/>
+          </p:cNvPicPr>
+          <p:nvPr>
+            <p:ph idx="1"/>
+          </p:nvPr>
+        </p:nvPicPr>
+        <p:blipFill>
+          <a:blip r:embed="rId5">
+            <a:extLst>
+              <a:ext uri="{28A0092B-C50C-407E-A947-70E740481C1C}">
+                <a14:useLocalDpi xmlns:a14="http://schemas.microsoft.com/office/drawing/2010/main" val="0"/>
+              </a:ext>
+            </a:extLst>
+          </a:blip>
+          <a:stretch>
+            <a:fillRect/>
+          </a:stretch>
+        </p:blipFill>
+        <p:spPr>
+          <a:xfrm>
+            <a:off x="9887140" y="47697"/>
+            <a:ext cx="2143125" cy="2143125"/>
+          </a:xfrm>
+        </p:spPr>
+      </p:pic>
+      <p:sp>
+        <p:nvSpPr>
+          <p:cNvPr id="17" name="Rectangle 16">
+            <a:extLst>
+              <a:ext uri="{FF2B5EF4-FFF2-40B4-BE49-F238E27FC236}">
+                <a16:creationId xmlns:a16="http://schemas.microsoft.com/office/drawing/2014/main" id="{C723ED3C-F5E6-4121-9EF2-DD9574E1A49F}"/>
+              </a:ext>
+            </a:extLst>
+          </p:cNvPr>
+          <p:cNvSpPr/>
+          <p:nvPr/>
+        </p:nvSpPr>
+        <p:spPr>
+          <a:xfrm>
+            <a:off x="10085294" y="2008116"/>
+            <a:ext cx="1776920" cy="76178"/>
+          </a:xfrm>
+          <a:prstGeom prst="rect">
+            <a:avLst/>
+          </a:prstGeom>
+          <a:solidFill>
+            <a:srgbClr val="11B29F"/>
+          </a:solidFill>
+          <a:ln>
+            <a:noFill/>
+          </a:ln>
+        </p:spPr>
+        <p:style>
+          <a:lnRef idx="2">
+            <a:schemeClr val="accent1">
+              <a:shade val="50000"/>
+            </a:schemeClr>
+          </a:lnRef>
+          <a:fillRef idx="1">
+            <a:schemeClr val="accent1"/>
+          </a:fillRef>
+          <a:effectRef idx="0">
+            <a:schemeClr val="accent1"/>
+          </a:effectRef>
+          <a:fontRef idx="minor">
+            <a:schemeClr val="lt1"/>
+          </a:fontRef>
+        </p:style>
+        <p:txBody>
+          <a:bodyPr rtlCol="0" anchor="ctr"/>
+          <a:lstStyle/>
+          <a:p>
+            <a:pPr algn="ctr"/>
+            <a:endParaRPr lang="en-US"/>
+          </a:p>
+        </p:txBody>
+      </p:sp>
+      <p:sp>
+        <p:nvSpPr>
+          <p:cNvPr id="21" name="Rectangle 20">
+            <a:extLst>
+              <a:ext uri="{FF2B5EF4-FFF2-40B4-BE49-F238E27FC236}">
+                <a16:creationId xmlns:a16="http://schemas.microsoft.com/office/drawing/2014/main" id="{F9E0EC60-66D4-4536-A867-30142339BAA7}"/>
+              </a:ext>
+            </a:extLst>
+          </p:cNvPr>
+          <p:cNvSpPr/>
+          <p:nvPr/>
+        </p:nvSpPr>
+        <p:spPr>
+          <a:xfrm>
+            <a:off x="10085294" y="2129819"/>
+            <a:ext cx="1776920" cy="76178"/>
+          </a:xfrm>
+          <a:prstGeom prst="rect">
+            <a:avLst/>
+          </a:prstGeom>
+          <a:solidFill>
+            <a:srgbClr val="A71B86"/>
+          </a:solidFill>
+          <a:ln>
+            <a:noFill/>
+          </a:ln>
+        </p:spPr>
+        <p:style>
+          <a:lnRef idx="2">
+            <a:schemeClr val="accent1">
+              <a:shade val="50000"/>
+            </a:schemeClr>
+          </a:lnRef>
+          <a:fillRef idx="1">
+            <a:schemeClr val="accent1"/>
+          </a:fillRef>
+          <a:effectRef idx="0">
+            <a:schemeClr val="accent1"/>
+          </a:effectRef>
+          <a:fontRef idx="minor">
+            <a:schemeClr val="lt1"/>
+          </a:fontRef>
+        </p:style>
+        <p:txBody>
+          <a:bodyPr rtlCol="0" anchor="ctr"/>
+          <a:lstStyle/>
+          <a:p>
+            <a:pPr algn="ctr"/>
+            <a:endParaRPr lang="en-US"/>
+          </a:p>
+        </p:txBody>
+      </p:sp>
+      <p:sp>
+        <p:nvSpPr>
+          <p:cNvPr id="22" name="Rectangle 21">
+            <a:extLst>
+              <a:ext uri="{FF2B5EF4-FFF2-40B4-BE49-F238E27FC236}">
+                <a16:creationId xmlns:a16="http://schemas.microsoft.com/office/drawing/2014/main" id="{F95AED49-24A8-4D10-9D31-F944565EC1B2}"/>
+              </a:ext>
+            </a:extLst>
+          </p:cNvPr>
+          <p:cNvSpPr/>
+          <p:nvPr/>
+        </p:nvSpPr>
+        <p:spPr>
+          <a:xfrm>
+            <a:off x="10085294" y="2251522"/>
+            <a:ext cx="1776920" cy="150200"/>
+          </a:xfrm>
+          <a:prstGeom prst="rect">
+            <a:avLst/>
+          </a:prstGeom>
+          <a:solidFill>
+            <a:srgbClr val="11B29F"/>
+          </a:solidFill>
+          <a:ln>
+            <a:noFill/>
+          </a:ln>
+        </p:spPr>
+        <p:style>
+          <a:lnRef idx="2">
+            <a:schemeClr val="accent1">
+              <a:shade val="50000"/>
+            </a:schemeClr>
+          </a:lnRef>
+          <a:fillRef idx="1">
+            <a:schemeClr val="accent1"/>
+          </a:fillRef>
+          <a:effectRef idx="0">
+            <a:schemeClr val="accent1"/>
+          </a:effectRef>
+          <a:fontRef idx="minor">
+            <a:schemeClr val="lt1"/>
+          </a:fontRef>
+        </p:style>
+        <p:txBody>
+          <a:bodyPr rtlCol="0" anchor="ctr"/>
+          <a:lstStyle/>
+          <a:p>
+            <a:pPr algn="ctr"/>
+            <a:endParaRPr lang="en-US"/>
+          </a:p>
+        </p:txBody>
+      </p:sp>
+      <p:sp>
+        <p:nvSpPr>
+          <p:cNvPr id="24" name="Rectangle 23">
+            <a:extLst>
+              <a:ext uri="{FF2B5EF4-FFF2-40B4-BE49-F238E27FC236}">
+                <a16:creationId xmlns:a16="http://schemas.microsoft.com/office/drawing/2014/main" id="{993D5826-407C-4F65-BE3A-EB593B942A36}"/>
+              </a:ext>
+            </a:extLst>
+          </p:cNvPr>
+          <p:cNvSpPr/>
+          <p:nvPr/>
+        </p:nvSpPr>
+        <p:spPr>
+          <a:xfrm>
+            <a:off x="10085294" y="2447247"/>
+            <a:ext cx="1776920" cy="150200"/>
+          </a:xfrm>
+          <a:prstGeom prst="rect">
+            <a:avLst/>
+          </a:prstGeom>
+          <a:solidFill>
+            <a:srgbClr val="A71B86"/>
+          </a:solidFill>
+          <a:ln>
+            <a:noFill/>
+          </a:ln>
+        </p:spPr>
+        <p:style>
+          <a:lnRef idx="2">
+            <a:schemeClr val="accent1">
+              <a:shade val="50000"/>
+            </a:schemeClr>
+          </a:lnRef>
+          <a:fillRef idx="1">
+            <a:schemeClr val="accent1"/>
+          </a:fillRef>
+          <a:effectRef idx="0">
+            <a:schemeClr val="accent1"/>
+          </a:effectRef>
+          <a:fontRef idx="minor">
+            <a:schemeClr val="lt1"/>
+          </a:fontRef>
+        </p:style>
+        <p:txBody>
+          <a:bodyPr rtlCol="0" anchor="ctr"/>
+          <a:lstStyle/>
+          <a:p>
+            <a:pPr algn="ctr"/>
+            <a:endParaRPr lang="en-US"/>
+          </a:p>
+        </p:txBody>
+      </p:sp>
+      <p:sp>
+        <p:nvSpPr>
+          <p:cNvPr id="25" name="Rectangle 24">
+            <a:extLst>
+              <a:ext uri="{FF2B5EF4-FFF2-40B4-BE49-F238E27FC236}">
+                <a16:creationId xmlns:a16="http://schemas.microsoft.com/office/drawing/2014/main" id="{D2785A94-4D0B-4559-9303-3C963AA0EF9A}"/>
+              </a:ext>
+            </a:extLst>
+          </p:cNvPr>
+          <p:cNvSpPr/>
+          <p:nvPr/>
+        </p:nvSpPr>
+        <p:spPr>
+          <a:xfrm>
+            <a:off x="10085294" y="2642972"/>
+            <a:ext cx="1776920" cy="362446"/>
+          </a:xfrm>
+          <a:prstGeom prst="rect">
+            <a:avLst/>
+          </a:prstGeom>
+          <a:solidFill>
+            <a:srgbClr val="11B29F"/>
+          </a:solidFill>
+          <a:ln>
+            <a:noFill/>
+          </a:ln>
+        </p:spPr>
+        <p:style>
+          <a:lnRef idx="2">
+            <a:schemeClr val="accent1">
+              <a:shade val="50000"/>
+            </a:schemeClr>
+          </a:lnRef>
+          <a:fillRef idx="1">
+            <a:schemeClr val="accent1"/>
+          </a:fillRef>
+          <a:effectRef idx="0">
+            <a:schemeClr val="accent1"/>
+          </a:effectRef>
+          <a:fontRef idx="minor">
+            <a:schemeClr val="lt1"/>
+          </a:fontRef>
+        </p:style>
+        <p:txBody>
+          <a:bodyPr rtlCol="0" anchor="ctr"/>
+          <a:lstStyle/>
+          <a:p>
+            <a:pPr algn="ctr"/>
+            <a:endParaRPr lang="en-US"/>
+          </a:p>
+        </p:txBody>
+      </p:sp>
+      <p:sp>
+        <p:nvSpPr>
+          <p:cNvPr id="26" name="Rectangle 25">
+            <a:extLst>
+              <a:ext uri="{FF2B5EF4-FFF2-40B4-BE49-F238E27FC236}">
+                <a16:creationId xmlns:a16="http://schemas.microsoft.com/office/drawing/2014/main" id="{B235F2E9-4558-433D-9527-7EFF5C5E78A8}"/>
+              </a:ext>
+            </a:extLst>
+          </p:cNvPr>
+          <p:cNvSpPr/>
+          <p:nvPr/>
+        </p:nvSpPr>
+        <p:spPr>
+          <a:xfrm>
+            <a:off x="10085294" y="3050943"/>
+            <a:ext cx="1776920" cy="362446"/>
+          </a:xfrm>
+          <a:prstGeom prst="rect">
+            <a:avLst/>
+          </a:prstGeom>
+          <a:solidFill>
+            <a:srgbClr val="A71B86"/>
+          </a:solidFill>
+          <a:ln>
+            <a:noFill/>
+          </a:ln>
+        </p:spPr>
+        <p:style>
+          <a:lnRef idx="2">
+            <a:schemeClr val="accent1">
+              <a:shade val="50000"/>
+            </a:schemeClr>
+          </a:lnRef>
+          <a:fillRef idx="1">
+            <a:schemeClr val="accent1"/>
+          </a:fillRef>
+          <a:effectRef idx="0">
+            <a:schemeClr val="accent1"/>
+          </a:effectRef>
+          <a:fontRef idx="minor">
+            <a:schemeClr val="lt1"/>
+          </a:fontRef>
+        </p:style>
+        <p:txBody>
+          <a:bodyPr rtlCol="0" anchor="ctr"/>
+          <a:lstStyle/>
+          <a:p>
+            <a:pPr algn="ctr"/>
+            <a:endParaRPr lang="en-US"/>
+          </a:p>
+        </p:txBody>
+      </p:sp>
+      <p:sp>
+        <p:nvSpPr>
+          <p:cNvPr id="27" name="Rectangle 26">
+            <a:extLst>
+              <a:ext uri="{FF2B5EF4-FFF2-40B4-BE49-F238E27FC236}">
+                <a16:creationId xmlns:a16="http://schemas.microsoft.com/office/drawing/2014/main" id="{99613B87-411B-4008-BF30-F1A3B8F247B5}"/>
+              </a:ext>
+            </a:extLst>
+          </p:cNvPr>
+          <p:cNvSpPr/>
+          <p:nvPr/>
+        </p:nvSpPr>
+        <p:spPr>
+          <a:xfrm>
+            <a:off x="10085294" y="3490136"/>
+            <a:ext cx="1776920" cy="3367864"/>
+          </a:xfrm>
+          <a:prstGeom prst="rect">
+            <a:avLst/>
+          </a:prstGeom>
+          <a:solidFill>
+            <a:srgbClr val="11B29F"/>
+          </a:solidFill>
+          <a:ln>
+            <a:noFill/>
+          </a:ln>
+        </p:spPr>
+        <p:style>
+          <a:lnRef idx="2">
+            <a:schemeClr val="accent1">
+              <a:shade val="50000"/>
+            </a:schemeClr>
+          </a:lnRef>
+          <a:fillRef idx="1">
+            <a:schemeClr val="accent1"/>
+          </a:fillRef>
+          <a:effectRef idx="0">
+            <a:schemeClr val="accent1"/>
+          </a:effectRef>
+          <a:fontRef idx="minor">
+            <a:schemeClr val="lt1"/>
+          </a:fontRef>
+        </p:style>
+        <p:txBody>
+          <a:bodyPr rtlCol="0" anchor="ctr"/>
+          <a:lstStyle/>
+          <a:p>
+            <a:pPr algn="ctr"/>
+            <a:endParaRPr lang="en-US"/>
+          </a:p>
+        </p:txBody>
+      </p:sp>
+      <p:sp>
+        <p:nvSpPr>
+          <p:cNvPr id="32" name="Rectangle 31">
+            <a:extLst>
+              <a:ext uri="{FF2B5EF4-FFF2-40B4-BE49-F238E27FC236}">
+                <a16:creationId xmlns:a16="http://schemas.microsoft.com/office/drawing/2014/main" id="{145B3BD2-B1C1-4ED2-A4E0-5E17DD3736F1}"/>
+              </a:ext>
+            </a:extLst>
+          </p:cNvPr>
+          <p:cNvSpPr/>
+          <p:nvPr/>
+        </p:nvSpPr>
+        <p:spPr>
+          <a:xfrm rot="19800000">
+            <a:off x="-765351" y="385789"/>
+            <a:ext cx="4026751" cy="269178"/>
+          </a:xfrm>
+          <a:prstGeom prst="rect">
+            <a:avLst/>
+          </a:prstGeom>
+          <a:solidFill>
+            <a:srgbClr val="A71B86"/>
+          </a:solidFill>
+          <a:ln>
+            <a:noFill/>
+          </a:ln>
+        </p:spPr>
+        <p:style>
+          <a:lnRef idx="2">
+            <a:schemeClr val="accent1">
+              <a:shade val="50000"/>
+            </a:schemeClr>
+          </a:lnRef>
+          <a:fillRef idx="1">
+            <a:schemeClr val="accent1"/>
+          </a:fillRef>
+          <a:effectRef idx="0">
+            <a:schemeClr val="accent1"/>
+          </a:effectRef>
+          <a:fontRef idx="minor">
+            <a:schemeClr val="lt1"/>
+          </a:fontRef>
+        </p:style>
+        <p:txBody>
+          <a:bodyPr rtlCol="0" anchor="ctr"/>
+          <a:lstStyle/>
+          <a:p>
+            <a:pPr algn="ctr"/>
+            <a:endParaRPr lang="en-US"/>
+          </a:p>
+        </p:txBody>
+      </p:sp>
+      <p:sp>
+        <p:nvSpPr>
+          <p:cNvPr id="33" name="Rectangle 32">
+            <a:extLst>
+              <a:ext uri="{FF2B5EF4-FFF2-40B4-BE49-F238E27FC236}">
+                <a16:creationId xmlns:a16="http://schemas.microsoft.com/office/drawing/2014/main" id="{DC3B2826-65DD-408B-8F18-8CCD6C052D8D}"/>
+              </a:ext>
+            </a:extLst>
+          </p:cNvPr>
+          <p:cNvSpPr/>
+          <p:nvPr/>
+        </p:nvSpPr>
+        <p:spPr>
+          <a:xfrm rot="19800000">
+            <a:off x="9257156" y="6226296"/>
+            <a:ext cx="4026751" cy="269178"/>
+          </a:xfrm>
+          <a:prstGeom prst="rect">
+            <a:avLst/>
+          </a:prstGeom>
+          <a:solidFill>
+            <a:srgbClr val="A71B86"/>
+          </a:solidFill>
+          <a:ln>
+            <a:noFill/>
+          </a:ln>
+        </p:spPr>
+        <p:style>
+          <a:lnRef idx="2">
+            <a:schemeClr val="accent1">
+              <a:shade val="50000"/>
+            </a:schemeClr>
+          </a:lnRef>
+          <a:fillRef idx="1">
+            <a:schemeClr val="accent1"/>
+          </a:fillRef>
+          <a:effectRef idx="0">
+            <a:schemeClr val="accent1"/>
+          </a:effectRef>
+          <a:fontRef idx="minor">
+            <a:schemeClr val="lt1"/>
+          </a:fontRef>
+        </p:style>
+        <p:txBody>
+          <a:bodyPr rtlCol="0" anchor="ctr"/>
+          <a:lstStyle/>
+          <a:p>
+            <a:pPr algn="ctr"/>
+            <a:endParaRPr lang="en-US"/>
+          </a:p>
+        </p:txBody>
+      </p:sp>
+      <p:sp>
+        <p:nvSpPr>
+          <p:cNvPr id="35" name="Rectangle 34">
+            <a:extLst>
+              <a:ext uri="{FF2B5EF4-FFF2-40B4-BE49-F238E27FC236}">
+                <a16:creationId xmlns:a16="http://schemas.microsoft.com/office/drawing/2014/main" id="{4935F901-F632-4698-8C7A-AC29B2397A6C}"/>
+              </a:ext>
+            </a:extLst>
+          </p:cNvPr>
+          <p:cNvSpPr/>
+          <p:nvPr/>
+        </p:nvSpPr>
+        <p:spPr>
+          <a:xfrm rot="19800000">
+            <a:off x="8263809" y="5824178"/>
+            <a:ext cx="4731177" cy="269178"/>
+          </a:xfrm>
+          <a:prstGeom prst="rect">
+            <a:avLst/>
+          </a:prstGeom>
+          <a:solidFill>
+            <a:srgbClr val="A71B86"/>
+          </a:solidFill>
+          <a:ln>
+            <a:noFill/>
+          </a:ln>
+        </p:spPr>
+        <p:style>
+          <a:lnRef idx="2">
+            <a:schemeClr val="accent1">
+              <a:shade val="50000"/>
+            </a:schemeClr>
+          </a:lnRef>
+          <a:fillRef idx="1">
+            <a:schemeClr val="accent1"/>
+          </a:fillRef>
+          <a:effectRef idx="0">
+            <a:schemeClr val="accent1"/>
+          </a:effectRef>
+          <a:fontRef idx="minor">
+            <a:schemeClr val="lt1"/>
+          </a:fontRef>
+        </p:style>
+        <p:txBody>
+          <a:bodyPr rtlCol="0" anchor="ctr"/>
+          <a:lstStyle/>
+          <a:p>
+            <a:pPr algn="ctr"/>
+            <a:endParaRPr lang="en-US"/>
+          </a:p>
+        </p:txBody>
+      </p:sp>
+      <p:pic>
+        <p:nvPicPr>
+          <p:cNvPr id="37" name="Graphic 36" descr="Palm tree">
+            <a:extLst>
+              <a:ext uri="{FF2B5EF4-FFF2-40B4-BE49-F238E27FC236}">
+                <a16:creationId xmlns:a16="http://schemas.microsoft.com/office/drawing/2014/main" id="{79F2EC1B-9713-4CCF-8301-82ED265F3940}"/>
+              </a:ext>
+            </a:extLst>
+          </p:cNvPr>
+          <p:cNvPicPr>
+            <a:picLocks noChangeAspect="1"/>
+          </p:cNvPicPr>
+          <p:nvPr/>
+        </p:nvPicPr>
+        <p:blipFill>
+          <a:blip r:embed="rId6">
+            <a:extLst>
+              <a:ext uri="{28A0092B-C50C-407E-A947-70E740481C1C}">
+                <a14:useLocalDpi xmlns:a14="http://schemas.microsoft.com/office/drawing/2010/main" val="0"/>
+              </a:ext>
+              <a:ext uri="{96DAC541-7B7A-43D3-8B79-37D633B846F1}">
+                <asvg:svgBlip xmlns:asvg="http://schemas.microsoft.com/office/drawing/2016/SVG/main" r:embed="rId7"/>
+              </a:ext>
+            </a:extLst>
+          </a:blip>
+          <a:stretch>
+            <a:fillRect/>
+          </a:stretch>
+        </p:blipFill>
+        <p:spPr>
+          <a:xfrm>
+            <a:off x="8964994" y="809490"/>
+            <a:ext cx="914400" cy="914400"/>
+          </a:xfrm>
+          <a:prstGeom prst="rect">
+            <a:avLst/>
+          </a:prstGeom>
+        </p:spPr>
+      </p:pic>
+      <p:pic>
+        <p:nvPicPr>
+          <p:cNvPr id="38" name="Graphic 37" descr="Palm tree">
+            <a:extLst>
+              <a:ext uri="{FF2B5EF4-FFF2-40B4-BE49-F238E27FC236}">
+                <a16:creationId xmlns:a16="http://schemas.microsoft.com/office/drawing/2014/main" id="{11C9CA6F-B5F0-4837-8E50-85C201ADA4F1}"/>
+              </a:ext>
+            </a:extLst>
+          </p:cNvPr>
+          <p:cNvPicPr>
+            <a:picLocks noChangeAspect="1"/>
+          </p:cNvPicPr>
+          <p:nvPr/>
+        </p:nvPicPr>
+        <p:blipFill>
+          <a:blip r:embed="rId6">
+            <a:extLst>
+              <a:ext uri="{28A0092B-C50C-407E-A947-70E740481C1C}">
+                <a14:useLocalDpi xmlns:a14="http://schemas.microsoft.com/office/drawing/2010/main" val="0"/>
+              </a:ext>
+              <a:ext uri="{96DAC541-7B7A-43D3-8B79-37D633B846F1}">
+                <asvg:svgBlip xmlns:asvg="http://schemas.microsoft.com/office/drawing/2016/SVG/main" r:embed="rId7"/>
+              </a:ext>
+            </a:extLst>
+          </a:blip>
+          <a:stretch>
+            <a:fillRect/>
+          </a:stretch>
+        </p:blipFill>
+        <p:spPr>
+          <a:xfrm>
+            <a:off x="8834542" y="1142112"/>
+            <a:ext cx="553133" cy="553133"/>
+          </a:xfrm>
+          <a:prstGeom prst="rect">
+            <a:avLst/>
+          </a:prstGeom>
+        </p:spPr>
+      </p:pic>
+      <p:pic>
+        <p:nvPicPr>
+          <p:cNvPr id="39" name="Graphic 38" descr="Palm tree">
+            <a:extLst>
+              <a:ext uri="{FF2B5EF4-FFF2-40B4-BE49-F238E27FC236}">
+                <a16:creationId xmlns:a16="http://schemas.microsoft.com/office/drawing/2014/main" id="{585AC1AD-01C8-4E2D-8361-4BEA62A48584}"/>
+              </a:ext>
+            </a:extLst>
+          </p:cNvPr>
+          <p:cNvPicPr>
+            <a:picLocks noChangeAspect="1"/>
+          </p:cNvPicPr>
+          <p:nvPr/>
+        </p:nvPicPr>
+        <p:blipFill>
+          <a:blip r:embed="rId6">
+            <a:extLst>
+              <a:ext uri="{28A0092B-C50C-407E-A947-70E740481C1C}">
+                <a14:useLocalDpi xmlns:a14="http://schemas.microsoft.com/office/drawing/2010/main" val="0"/>
+              </a:ext>
+              <a:ext uri="{96DAC541-7B7A-43D3-8B79-37D633B846F1}">
+                <asvg:svgBlip xmlns:asvg="http://schemas.microsoft.com/office/drawing/2016/SVG/main" r:embed="rId7"/>
+              </a:ext>
+            </a:extLst>
+          </a:blip>
+          <a:stretch>
+            <a:fillRect/>
+          </a:stretch>
+        </p:blipFill>
+        <p:spPr>
+          <a:xfrm>
+            <a:off x="9387675" y="1277468"/>
+            <a:ext cx="404329" cy="404329"/>
+          </a:xfrm>
+          <a:prstGeom prst="rect">
+            <a:avLst/>
+          </a:prstGeom>
+        </p:spPr>
+      </p:pic>
+      <p:pic>
+        <p:nvPicPr>
+          <p:cNvPr id="3" name="Picture 2">
+            <a:extLst>
+              <a:ext uri="{FF2B5EF4-FFF2-40B4-BE49-F238E27FC236}">
+                <a16:creationId xmlns:a16="http://schemas.microsoft.com/office/drawing/2014/main" id="{0FD16F59-A3AE-4266-9BD5-9ADEC325D1FB}"/>
+              </a:ext>
+            </a:extLst>
+          </p:cNvPr>
+          <p:cNvPicPr>
+            <a:picLocks noChangeAspect="1"/>
+          </p:cNvPicPr>
+          <p:nvPr/>
+        </p:nvPicPr>
+        <p:blipFill>
+          <a:blip r:embed="rId8"/>
+          <a:stretch>
+            <a:fillRect/>
+          </a:stretch>
+        </p:blipFill>
+        <p:spPr>
+          <a:xfrm>
+            <a:off x="3451185" y="2347702"/>
+            <a:ext cx="3648075" cy="447675"/>
+          </a:xfrm>
+          <a:prstGeom prst="rect">
+            <a:avLst/>
+          </a:prstGeom>
+        </p:spPr>
+      </p:pic>
+      <p:pic>
+        <p:nvPicPr>
+          <p:cNvPr id="7" name="Picture 6">
+            <a:extLst>
+              <a:ext uri="{FF2B5EF4-FFF2-40B4-BE49-F238E27FC236}">
+                <a16:creationId xmlns:a16="http://schemas.microsoft.com/office/drawing/2014/main" id="{8B62603B-0C12-4823-8B05-33FC21CB3247}"/>
+              </a:ext>
+            </a:extLst>
+          </p:cNvPr>
+          <p:cNvPicPr>
+            <a:picLocks noChangeAspect="1"/>
+          </p:cNvPicPr>
+          <p:nvPr/>
+        </p:nvPicPr>
+        <p:blipFill>
+          <a:blip r:embed="rId9"/>
+          <a:stretch>
+            <a:fillRect/>
+          </a:stretch>
+        </p:blipFill>
+        <p:spPr>
+          <a:xfrm>
+            <a:off x="2551072" y="4528491"/>
+            <a:ext cx="5448300" cy="1162050"/>
+          </a:xfrm>
+          <a:prstGeom prst="rect">
+            <a:avLst/>
+          </a:prstGeom>
+        </p:spPr>
+      </p:pic>
+    </p:spTree>
+    <p:extLst>
+      <p:ext uri="{BB962C8B-B14F-4D97-AF65-F5344CB8AC3E}">
+        <p14:creationId xmlns:p14="http://schemas.microsoft.com/office/powerpoint/2010/main" val="858674658"/>
+      </p:ext>
+    </p:extLst>
+  </p:cSld>
+  <p:clrMapOvr>
+    <a:masterClrMapping/>
+  </p:clrMapOvr>
+</p:sld>
+</file>
+
+<file path=ppt/slides/slide18.xml><?xml version="1.0" encoding="utf-8"?>
+<p:sld xmlns:a="http://schemas.openxmlformats.org/drawingml/2006/main" xmlns:r="http://schemas.openxmlformats.org/officeDocument/2006/relationships" xmlns:p="http://schemas.openxmlformats.org/presentationml/2006/main">
+  <p:cSld>
+    <p:spTree>
+      <p:nvGrpSpPr>
+        <p:cNvPr id="1" name=""/>
+        <p:cNvGrpSpPr/>
+        <p:nvPr/>
+      </p:nvGrpSpPr>
+      <p:grpSpPr>
+        <a:xfrm>
+          <a:off x="0" y="0"/>
+          <a:ext cx="0" cy="0"/>
+          <a:chOff x="0" y="0"/>
+          <a:chExt cx="0" cy="0"/>
+        </a:xfrm>
+      </p:grpSpPr>
+      <mc:AlternateContent xmlns:mc="http://schemas.openxmlformats.org/markup-compatibility/2006">
+        <mc:Choice xmlns:a14="http://schemas.microsoft.com/office/drawing/2010/main" Requires="a14">
+          <p:sp>
+            <p:nvSpPr>
+              <p:cNvPr id="36" name="TextBox 35">
+                <a:extLst>
+                  <a:ext uri="{FF2B5EF4-FFF2-40B4-BE49-F238E27FC236}">
+                    <a16:creationId xmlns:a16="http://schemas.microsoft.com/office/drawing/2014/main" id="{389720C5-6DCB-428D-8C4F-A02DEC239333}"/>
+                  </a:ext>
+                </a:extLst>
+              </p:cNvPr>
+              <p:cNvSpPr txBox="1"/>
+              <p:nvPr/>
+            </p:nvSpPr>
+            <p:spPr>
+              <a:xfrm>
+                <a:off x="773934" y="1947592"/>
+                <a:ext cx="9018070" cy="1631216"/>
+              </a:xfrm>
+              <a:prstGeom prst="rect">
+                <a:avLst/>
+              </a:prstGeom>
+              <a:noFill/>
+            </p:spPr>
+            <p:txBody>
+              <a:bodyPr wrap="square" rtlCol="0">
+                <a:spAutoFit/>
+              </a:bodyPr>
+              <a:lstStyle/>
+              <a:p>
+                <a:pPr marL="285750" indent="-285750">
+                  <a:buFont typeface="Arial" panose="020B0604020202020204" pitchFamily="34" charset="0"/>
+                  <a:buChar char="•"/>
+                </a:pPr>
+                <a:r>
+                  <a:rPr lang="en-US" sz="2000" dirty="0">
+                    <a:solidFill>
+                      <a:srgbClr val="404040"/>
+                    </a:solidFill>
+                    <a:latin typeface="Corbel" panose="020B0503020204020204" pitchFamily="34" charset="0"/>
+                  </a:rPr>
+                  <a:t>Note that if </a:t>
+                </a:r>
+                <a14:m>
+                  <m:oMath xmlns:m="http://schemas.openxmlformats.org/officeDocument/2006/math">
+                    <m:r>
+                      <a:rPr lang="en-US" sz="2000" i="1">
+                        <a:solidFill>
+                          <a:srgbClr val="404040"/>
+                        </a:solidFill>
+                        <a:latin typeface="Cambria Math" panose="02040503050406030204" pitchFamily="18" charset="0"/>
+                      </a:rPr>
+                      <m:t>𝑈</m:t>
+                    </m:r>
+                  </m:oMath>
+                </a14:m>
+                <a:r>
+                  <a:rPr lang="en-US" sz="2000" dirty="0">
+                    <a:solidFill>
+                      <a:srgbClr val="404040"/>
+                    </a:solidFill>
+                    <a:latin typeface="Corbel" panose="020B0503020204020204" pitchFamily="34" charset="0"/>
+                  </a:rPr>
+                  <a:t> is uniformly distributed in </a:t>
+                </a:r>
+                <a14:m>
+                  <m:oMath xmlns:m="http://schemas.openxmlformats.org/officeDocument/2006/math">
+                    <m:d>
+                      <m:dPr>
+                        <m:begChr m:val="["/>
+                        <m:endChr m:val="]"/>
+                        <m:ctrlPr>
+                          <a:rPr lang="en-US" sz="2000" b="0" i="1" smtClean="0">
+                            <a:solidFill>
+                              <a:srgbClr val="404040"/>
+                            </a:solidFill>
+                            <a:latin typeface="Cambria Math" panose="02040503050406030204" pitchFamily="18" charset="0"/>
+                          </a:rPr>
+                        </m:ctrlPr>
+                      </m:dPr>
+                      <m:e>
+                        <m:r>
+                          <a:rPr lang="en-US" sz="2000" b="0" i="1" smtClean="0">
+                            <a:solidFill>
+                              <a:srgbClr val="404040"/>
+                            </a:solidFill>
+                            <a:latin typeface="Cambria Math" panose="02040503050406030204" pitchFamily="18" charset="0"/>
+                          </a:rPr>
+                          <m:t>0,1</m:t>
+                        </m:r>
+                      </m:e>
+                    </m:d>
+                    <m:r>
+                      <a:rPr lang="en-US" sz="2000" b="0" i="1" smtClean="0">
+                        <a:solidFill>
+                          <a:srgbClr val="404040"/>
+                        </a:solidFill>
+                        <a:latin typeface="Cambria Math" panose="02040503050406030204" pitchFamily="18" charset="0"/>
+                      </a:rPr>
+                      <m:t>,</m:t>
+                    </m:r>
+                  </m:oMath>
+                </a14:m>
+                <a:r>
+                  <a:rPr lang="en-US" sz="2000" dirty="0">
+                    <a:solidFill>
+                      <a:srgbClr val="404040"/>
+                    </a:solidFill>
+                    <a:latin typeface="Corbel" panose="020B0503020204020204" pitchFamily="34" charset="0"/>
+                  </a:rPr>
+                  <a:t> then </a:t>
+                </a:r>
+                <a14:m>
+                  <m:oMath xmlns:m="http://schemas.openxmlformats.org/officeDocument/2006/math">
+                    <m:r>
+                      <a:rPr lang="en-US" sz="2000" b="0" i="0" smtClean="0">
+                        <a:solidFill>
+                          <a:srgbClr val="404040"/>
+                        </a:solidFill>
+                        <a:latin typeface="Cambria Math" panose="02040503050406030204" pitchFamily="18" charset="0"/>
+                      </a:rPr>
+                      <m:t>1−</m:t>
+                    </m:r>
+                    <m:r>
+                      <a:rPr lang="en-US" sz="2000" i="1">
+                        <a:solidFill>
+                          <a:srgbClr val="404040"/>
+                        </a:solidFill>
+                        <a:latin typeface="Cambria Math" panose="02040503050406030204" pitchFamily="18" charset="0"/>
+                      </a:rPr>
+                      <m:t>𝑈</m:t>
+                    </m:r>
+                  </m:oMath>
+                </a14:m>
+                <a:r>
+                  <a:rPr lang="en-US" sz="2000" dirty="0">
+                    <a:solidFill>
+                      <a:srgbClr val="404040"/>
+                    </a:solidFill>
+                    <a:latin typeface="Corbel" panose="020B0503020204020204" pitchFamily="34" charset="0"/>
+                  </a:rPr>
+                  <a:t> is too</a:t>
+                </a:r>
+              </a:p>
+              <a:p>
+                <a:pPr marL="285750" indent="-285750">
+                  <a:buFont typeface="Arial" panose="020B0604020202020204" pitchFamily="34" charset="0"/>
+                  <a:buChar char="•"/>
+                </a:pPr>
+                <a:endParaRPr lang="en-US" sz="2000" dirty="0">
+                  <a:solidFill>
+                    <a:srgbClr val="404040"/>
+                  </a:solidFill>
+                  <a:latin typeface="Corbel" panose="020B0503020204020204" pitchFamily="34" charset="0"/>
+                </a:endParaRPr>
+              </a:p>
+              <a:p>
+                <a:pPr marL="285750" indent="-285750">
+                  <a:buFont typeface="Arial" panose="020B0604020202020204" pitchFamily="34" charset="0"/>
+                  <a:buChar char="•"/>
+                </a:pPr>
+                <a:r>
+                  <a:rPr lang="en-US" sz="2000" dirty="0">
+                    <a:solidFill>
+                      <a:srgbClr val="404040"/>
+                    </a:solidFill>
+                    <a:latin typeface="Corbel" panose="020B0503020204020204" pitchFamily="34" charset="0"/>
+                  </a:rPr>
+                  <a:t>For the inverse transform method, we can replace </a:t>
+                </a:r>
+                <a14:m>
+                  <m:oMath xmlns:m="http://schemas.openxmlformats.org/officeDocument/2006/math">
+                    <m:r>
+                      <a:rPr lang="en-US" sz="2000" i="1">
+                        <a:solidFill>
+                          <a:srgbClr val="404040"/>
+                        </a:solidFill>
+                        <a:latin typeface="Cambria Math" panose="02040503050406030204" pitchFamily="18" charset="0"/>
+                      </a:rPr>
+                      <m:t>𝑈</m:t>
+                    </m:r>
+                  </m:oMath>
+                </a14:m>
+                <a:r>
+                  <a:rPr lang="en-US" sz="2000" dirty="0">
+                    <a:solidFill>
+                      <a:srgbClr val="404040"/>
+                    </a:solidFill>
+                    <a:latin typeface="Corbel" panose="020B0503020204020204" pitchFamily="34" charset="0"/>
+                  </a:rPr>
+                  <a:t> by </a:t>
+                </a:r>
+                <a14:m>
+                  <m:oMath xmlns:m="http://schemas.openxmlformats.org/officeDocument/2006/math">
+                    <m:r>
+                      <a:rPr lang="en-US" sz="2000" b="0" i="0" smtClean="0">
+                        <a:solidFill>
+                          <a:srgbClr val="404040"/>
+                        </a:solidFill>
+                        <a:latin typeface="Cambria Math" panose="02040503050406030204" pitchFamily="18" charset="0"/>
+                      </a:rPr>
+                      <m:t>1−</m:t>
+                    </m:r>
+                    <m:r>
+                      <a:rPr lang="en-US" sz="2000" i="1">
+                        <a:solidFill>
+                          <a:srgbClr val="404040"/>
+                        </a:solidFill>
+                        <a:latin typeface="Cambria Math" panose="02040503050406030204" pitchFamily="18" charset="0"/>
+                      </a:rPr>
+                      <m:t>𝑈</m:t>
+                    </m:r>
+                  </m:oMath>
+                </a14:m>
+                <a:r>
+                  <a:rPr lang="en-US" sz="2000" dirty="0">
+                    <a:solidFill>
+                      <a:srgbClr val="404040"/>
+                    </a:solidFill>
+                    <a:latin typeface="Corbel" panose="020B0503020204020204" pitchFamily="34" charset="0"/>
+                  </a:rPr>
+                  <a:t> when convenient</a:t>
+                </a:r>
+              </a:p>
+              <a:p>
+                <a:pPr marL="285750" indent="-285750">
+                  <a:buFont typeface="Arial" panose="020B0604020202020204" pitchFamily="34" charset="0"/>
+                  <a:buChar char="•"/>
+                </a:pPr>
+                <a:endParaRPr lang="en-US" sz="2000" dirty="0">
+                  <a:solidFill>
+                    <a:srgbClr val="404040"/>
+                  </a:solidFill>
+                  <a:latin typeface="Corbel" panose="020B0503020204020204" pitchFamily="34" charset="0"/>
+                </a:endParaRPr>
+              </a:p>
+              <a:p>
+                <a:pPr marL="285750" indent="-285750">
+                  <a:buFont typeface="Arial" panose="020B0604020202020204" pitchFamily="34" charset="0"/>
+                  <a:buChar char="•"/>
+                </a:pPr>
+                <a:r>
+                  <a:rPr lang="en-US" sz="2000" dirty="0">
+                    <a:solidFill>
+                      <a:srgbClr val="404040"/>
+                    </a:solidFill>
+                    <a:latin typeface="Corbel" panose="020B0503020204020204" pitchFamily="34" charset="0"/>
+                  </a:rPr>
+                  <a:t>In the exponential example, we can set</a:t>
+                </a:r>
+              </a:p>
+            </p:txBody>
+          </p:sp>
+        </mc:Choice>
+        <mc:Fallback>
+          <p:sp>
+            <p:nvSpPr>
+              <p:cNvPr id="36" name="TextBox 35">
+                <a:extLst>
+                  <a:ext uri="{FF2B5EF4-FFF2-40B4-BE49-F238E27FC236}">
+                    <a16:creationId xmlns:a16="http://schemas.microsoft.com/office/drawing/2014/main" id="{389720C5-6DCB-428D-8C4F-A02DEC239333}"/>
+                  </a:ext>
+                </a:extLst>
+              </p:cNvPr>
+              <p:cNvSpPr txBox="1">
+                <a:spLocks noRot="1" noChangeAspect="1" noMove="1" noResize="1" noEditPoints="1" noAdjustHandles="1" noChangeArrowheads="1" noChangeShapeType="1" noTextEdit="1"/>
+              </p:cNvSpPr>
+              <p:nvPr/>
+            </p:nvSpPr>
+            <p:spPr>
+              <a:xfrm>
+                <a:off x="773934" y="1947592"/>
+                <a:ext cx="9018070" cy="1631216"/>
+              </a:xfrm>
+              <a:prstGeom prst="rect">
+                <a:avLst/>
+              </a:prstGeom>
+              <a:blipFill>
+                <a:blip r:embed="rId3"/>
+                <a:stretch>
+                  <a:fillRect l="-609" t="-1866" b="-5597"/>
+                </a:stretch>
+              </a:blipFill>
+            </p:spPr>
+            <p:txBody>
+              <a:bodyPr/>
+              <a:lstStyle/>
+              <a:p>
+                <a:r>
+                  <a:rPr lang="en-US">
+                    <a:noFill/>
+                  </a:rPr>
+                  <a:t> </a:t>
+                </a:r>
+              </a:p>
+            </p:txBody>
+          </p:sp>
+        </mc:Fallback>
+      </mc:AlternateContent>
+      <p:sp>
+        <p:nvSpPr>
+          <p:cNvPr id="28" name="Rectangle 27">
+            <a:extLst>
+              <a:ext uri="{FF2B5EF4-FFF2-40B4-BE49-F238E27FC236}">
+                <a16:creationId xmlns:a16="http://schemas.microsoft.com/office/drawing/2014/main" id="{1568D3DA-67F7-464C-95FF-D7D56F4038D6}"/>
+              </a:ext>
+            </a:extLst>
+          </p:cNvPr>
+          <p:cNvSpPr/>
+          <p:nvPr/>
+        </p:nvSpPr>
+        <p:spPr>
+          <a:xfrm rot="19800000">
+            <a:off x="-597297" y="674901"/>
+            <a:ext cx="4026751" cy="269178"/>
+          </a:xfrm>
+          <a:prstGeom prst="rect">
+            <a:avLst/>
+          </a:prstGeom>
+          <a:solidFill>
+            <a:srgbClr val="A71B86"/>
+          </a:solidFill>
+          <a:ln>
+            <a:noFill/>
+          </a:ln>
+        </p:spPr>
+        <p:style>
+          <a:lnRef idx="2">
+            <a:schemeClr val="accent1">
+              <a:shade val="50000"/>
+            </a:schemeClr>
+          </a:lnRef>
+          <a:fillRef idx="1">
+            <a:schemeClr val="accent1"/>
+          </a:fillRef>
+          <a:effectRef idx="0">
+            <a:schemeClr val="accent1"/>
+          </a:effectRef>
+          <a:fontRef idx="minor">
+            <a:schemeClr val="lt1"/>
+          </a:fontRef>
+        </p:style>
+        <p:txBody>
+          <a:bodyPr rtlCol="0" anchor="ctr"/>
+          <a:lstStyle/>
+          <a:p>
+            <a:pPr algn="ctr"/>
+            <a:endParaRPr lang="en-US"/>
+          </a:p>
+        </p:txBody>
+      </p:sp>
+      <p:pic>
+        <p:nvPicPr>
+          <p:cNvPr id="11" name="Picture 10" descr="A large body of water&#10;&#10;Description automatically generated">
+            <a:extLst>
+              <a:ext uri="{FF2B5EF4-FFF2-40B4-BE49-F238E27FC236}">
+                <a16:creationId xmlns:a16="http://schemas.microsoft.com/office/drawing/2014/main" id="{B83B0471-BE25-41B4-B185-53BEB6528B89}"/>
+              </a:ext>
+            </a:extLst>
+          </p:cNvPr>
+          <p:cNvPicPr>
+            <a:picLocks noChangeAspect="1"/>
+          </p:cNvPicPr>
+          <p:nvPr/>
+        </p:nvPicPr>
+        <p:blipFill rotWithShape="1">
+          <a:blip r:embed="rId4">
+            <a:alphaModFix amt="20000"/>
+            <a:extLst>
+              <a:ext uri="{28A0092B-C50C-407E-A947-70E740481C1C}">
+                <a14:useLocalDpi xmlns:a14="http://schemas.microsoft.com/office/drawing/2010/main" val="0"/>
+              </a:ext>
+            </a:extLst>
+          </a:blip>
+          <a:srcRect t="34654" b="43573"/>
+          <a:stretch/>
+        </p:blipFill>
+        <p:spPr>
+          <a:xfrm>
+            <a:off x="766188" y="457321"/>
+            <a:ext cx="9018070" cy="1308226"/>
+          </a:xfrm>
+          <a:prstGeom prst="rect">
+            <a:avLst/>
+          </a:prstGeom>
+        </p:spPr>
+      </p:pic>
+      <p:sp>
+        <p:nvSpPr>
+          <p:cNvPr id="34" name="Rectangle 33">
+            <a:extLst>
+              <a:ext uri="{FF2B5EF4-FFF2-40B4-BE49-F238E27FC236}">
+                <a16:creationId xmlns:a16="http://schemas.microsoft.com/office/drawing/2014/main" id="{BFE7775A-1FAD-4E84-8B9E-DA4B39640B5E}"/>
+              </a:ext>
+            </a:extLst>
+          </p:cNvPr>
+          <p:cNvSpPr/>
+          <p:nvPr/>
+        </p:nvSpPr>
+        <p:spPr>
+          <a:xfrm rot="19800000">
+            <a:off x="9089102" y="5937184"/>
+            <a:ext cx="4026751" cy="269178"/>
+          </a:xfrm>
+          <a:prstGeom prst="rect">
+            <a:avLst/>
+          </a:prstGeom>
+          <a:solidFill>
+            <a:srgbClr val="A71B86"/>
+          </a:solidFill>
+          <a:ln>
+            <a:noFill/>
+          </a:ln>
+        </p:spPr>
+        <p:style>
+          <a:lnRef idx="2">
+            <a:schemeClr val="accent1">
+              <a:shade val="50000"/>
+            </a:schemeClr>
+          </a:lnRef>
+          <a:fillRef idx="1">
+            <a:schemeClr val="accent1"/>
+          </a:fillRef>
+          <a:effectRef idx="0">
+            <a:schemeClr val="accent1"/>
+          </a:effectRef>
+          <a:fontRef idx="minor">
+            <a:schemeClr val="lt1"/>
+          </a:fontRef>
+        </p:style>
+        <p:txBody>
+          <a:bodyPr rtlCol="0" anchor="ctr"/>
+          <a:lstStyle/>
+          <a:p>
+            <a:pPr algn="ctr"/>
+            <a:endParaRPr lang="en-US"/>
+          </a:p>
+        </p:txBody>
+      </p:sp>
+      <p:sp>
+        <p:nvSpPr>
+          <p:cNvPr id="2" name="Title 1">
+            <a:extLst>
+              <a:ext uri="{FF2B5EF4-FFF2-40B4-BE49-F238E27FC236}">
+                <a16:creationId xmlns:a16="http://schemas.microsoft.com/office/drawing/2014/main" id="{95D79E09-6E77-4F87-B358-F18D99FA343D}"/>
+              </a:ext>
+            </a:extLst>
+          </p:cNvPr>
+          <p:cNvSpPr>
+            <a:spLocks noGrp="1"/>
+          </p:cNvSpPr>
+          <p:nvPr>
+            <p:ph type="title"/>
+          </p:nvPr>
+        </p:nvSpPr>
+        <p:spPr>
+          <a:xfrm>
+            <a:off x="773934" y="425128"/>
+            <a:ext cx="9018070" cy="1325563"/>
+          </a:xfrm>
+          <a:noFill/>
+          <a:ln w="76200">
+            <a:solidFill>
+              <a:srgbClr val="11B29F"/>
+            </a:solidFill>
+          </a:ln>
+        </p:spPr>
+        <p:txBody>
+          <a:bodyPr/>
+          <a:lstStyle/>
+          <a:p>
+            <a:pPr algn="ctr"/>
+            <a:r>
+              <a:rPr lang="en-US" dirty="0">
+                <a:solidFill>
+                  <a:srgbClr val="404040"/>
+                </a:solidFill>
+                <a:latin typeface="Bodoni MT" panose="02070603080606020203" pitchFamily="18" charset="0"/>
+              </a:rPr>
+              <a:t>Ex: Exponential Simulation</a:t>
+            </a:r>
+          </a:p>
+        </p:txBody>
+      </p:sp>
+      <p:pic>
+        <p:nvPicPr>
+          <p:cNvPr id="5" name="Content Placeholder 4" descr="A picture containing cage&#10;&#10;Description automatically generated">
+            <a:extLst>
+              <a:ext uri="{FF2B5EF4-FFF2-40B4-BE49-F238E27FC236}">
+                <a16:creationId xmlns:a16="http://schemas.microsoft.com/office/drawing/2014/main" id="{EF817497-4F98-4236-83EE-74FD8376B077}"/>
+              </a:ext>
+            </a:extLst>
+          </p:cNvPr>
+          <p:cNvPicPr>
+            <a:picLocks noGrp="1" noChangeAspect="1"/>
+          </p:cNvPicPr>
+          <p:nvPr>
+            <p:ph idx="1"/>
+          </p:nvPr>
+        </p:nvPicPr>
+        <p:blipFill>
+          <a:blip r:embed="rId5">
+            <a:extLst>
+              <a:ext uri="{28A0092B-C50C-407E-A947-70E740481C1C}">
+                <a14:useLocalDpi xmlns:a14="http://schemas.microsoft.com/office/drawing/2010/main" val="0"/>
+              </a:ext>
+            </a:extLst>
+          </a:blip>
+          <a:stretch>
+            <a:fillRect/>
+          </a:stretch>
+        </p:blipFill>
+        <p:spPr>
+          <a:xfrm>
+            <a:off x="9887140" y="47697"/>
+            <a:ext cx="2143125" cy="2143125"/>
+          </a:xfrm>
+        </p:spPr>
+      </p:pic>
+      <p:sp>
+        <p:nvSpPr>
+          <p:cNvPr id="17" name="Rectangle 16">
+            <a:extLst>
+              <a:ext uri="{FF2B5EF4-FFF2-40B4-BE49-F238E27FC236}">
+                <a16:creationId xmlns:a16="http://schemas.microsoft.com/office/drawing/2014/main" id="{C723ED3C-F5E6-4121-9EF2-DD9574E1A49F}"/>
+              </a:ext>
+            </a:extLst>
+          </p:cNvPr>
+          <p:cNvSpPr/>
+          <p:nvPr/>
+        </p:nvSpPr>
+        <p:spPr>
+          <a:xfrm>
+            <a:off x="10085294" y="2008116"/>
+            <a:ext cx="1776920" cy="76178"/>
+          </a:xfrm>
+          <a:prstGeom prst="rect">
+            <a:avLst/>
+          </a:prstGeom>
+          <a:solidFill>
+            <a:srgbClr val="11B29F"/>
+          </a:solidFill>
+          <a:ln>
+            <a:noFill/>
+          </a:ln>
+        </p:spPr>
+        <p:style>
+          <a:lnRef idx="2">
+            <a:schemeClr val="accent1">
+              <a:shade val="50000"/>
+            </a:schemeClr>
+          </a:lnRef>
+          <a:fillRef idx="1">
+            <a:schemeClr val="accent1"/>
+          </a:fillRef>
+          <a:effectRef idx="0">
+            <a:schemeClr val="accent1"/>
+          </a:effectRef>
+          <a:fontRef idx="minor">
+            <a:schemeClr val="lt1"/>
+          </a:fontRef>
+        </p:style>
+        <p:txBody>
+          <a:bodyPr rtlCol="0" anchor="ctr"/>
+          <a:lstStyle/>
+          <a:p>
+            <a:pPr algn="ctr"/>
+            <a:endParaRPr lang="en-US"/>
+          </a:p>
+        </p:txBody>
+      </p:sp>
+      <p:sp>
+        <p:nvSpPr>
+          <p:cNvPr id="21" name="Rectangle 20">
+            <a:extLst>
+              <a:ext uri="{FF2B5EF4-FFF2-40B4-BE49-F238E27FC236}">
+                <a16:creationId xmlns:a16="http://schemas.microsoft.com/office/drawing/2014/main" id="{F9E0EC60-66D4-4536-A867-30142339BAA7}"/>
+              </a:ext>
+            </a:extLst>
+          </p:cNvPr>
+          <p:cNvSpPr/>
+          <p:nvPr/>
+        </p:nvSpPr>
+        <p:spPr>
+          <a:xfrm>
+            <a:off x="10085294" y="2129819"/>
+            <a:ext cx="1776920" cy="76178"/>
+          </a:xfrm>
+          <a:prstGeom prst="rect">
+            <a:avLst/>
+          </a:prstGeom>
+          <a:solidFill>
+            <a:srgbClr val="A71B86"/>
+          </a:solidFill>
+          <a:ln>
+            <a:noFill/>
+          </a:ln>
+        </p:spPr>
+        <p:style>
+          <a:lnRef idx="2">
+            <a:schemeClr val="accent1">
+              <a:shade val="50000"/>
+            </a:schemeClr>
+          </a:lnRef>
+          <a:fillRef idx="1">
+            <a:schemeClr val="accent1"/>
+          </a:fillRef>
+          <a:effectRef idx="0">
+            <a:schemeClr val="accent1"/>
+          </a:effectRef>
+          <a:fontRef idx="minor">
+            <a:schemeClr val="lt1"/>
+          </a:fontRef>
+        </p:style>
+        <p:txBody>
+          <a:bodyPr rtlCol="0" anchor="ctr"/>
+          <a:lstStyle/>
+          <a:p>
+            <a:pPr algn="ctr"/>
+            <a:endParaRPr lang="en-US"/>
+          </a:p>
+        </p:txBody>
+      </p:sp>
+      <p:sp>
+        <p:nvSpPr>
+          <p:cNvPr id="22" name="Rectangle 21">
+            <a:extLst>
+              <a:ext uri="{FF2B5EF4-FFF2-40B4-BE49-F238E27FC236}">
+                <a16:creationId xmlns:a16="http://schemas.microsoft.com/office/drawing/2014/main" id="{F95AED49-24A8-4D10-9D31-F944565EC1B2}"/>
+              </a:ext>
+            </a:extLst>
+          </p:cNvPr>
+          <p:cNvSpPr/>
+          <p:nvPr/>
+        </p:nvSpPr>
+        <p:spPr>
+          <a:xfrm>
+            <a:off x="10085294" y="2251522"/>
+            <a:ext cx="1776920" cy="150200"/>
+          </a:xfrm>
+          <a:prstGeom prst="rect">
+            <a:avLst/>
+          </a:prstGeom>
+          <a:solidFill>
+            <a:srgbClr val="11B29F"/>
+          </a:solidFill>
+          <a:ln>
+            <a:noFill/>
+          </a:ln>
+        </p:spPr>
+        <p:style>
+          <a:lnRef idx="2">
+            <a:schemeClr val="accent1">
+              <a:shade val="50000"/>
+            </a:schemeClr>
+          </a:lnRef>
+          <a:fillRef idx="1">
+            <a:schemeClr val="accent1"/>
+          </a:fillRef>
+          <a:effectRef idx="0">
+            <a:schemeClr val="accent1"/>
+          </a:effectRef>
+          <a:fontRef idx="minor">
+            <a:schemeClr val="lt1"/>
+          </a:fontRef>
+        </p:style>
+        <p:txBody>
+          <a:bodyPr rtlCol="0" anchor="ctr"/>
+          <a:lstStyle/>
+          <a:p>
+            <a:pPr algn="ctr"/>
+            <a:endParaRPr lang="en-US"/>
+          </a:p>
+        </p:txBody>
+      </p:sp>
+      <p:sp>
+        <p:nvSpPr>
+          <p:cNvPr id="24" name="Rectangle 23">
+            <a:extLst>
+              <a:ext uri="{FF2B5EF4-FFF2-40B4-BE49-F238E27FC236}">
+                <a16:creationId xmlns:a16="http://schemas.microsoft.com/office/drawing/2014/main" id="{993D5826-407C-4F65-BE3A-EB593B942A36}"/>
+              </a:ext>
+            </a:extLst>
+          </p:cNvPr>
+          <p:cNvSpPr/>
+          <p:nvPr/>
+        </p:nvSpPr>
+        <p:spPr>
+          <a:xfrm>
+            <a:off x="10085294" y="2447247"/>
+            <a:ext cx="1776920" cy="150200"/>
+          </a:xfrm>
+          <a:prstGeom prst="rect">
+            <a:avLst/>
+          </a:prstGeom>
+          <a:solidFill>
+            <a:srgbClr val="A71B86"/>
+          </a:solidFill>
+          <a:ln>
+            <a:noFill/>
+          </a:ln>
+        </p:spPr>
+        <p:style>
+          <a:lnRef idx="2">
+            <a:schemeClr val="accent1">
+              <a:shade val="50000"/>
+            </a:schemeClr>
+          </a:lnRef>
+          <a:fillRef idx="1">
+            <a:schemeClr val="accent1"/>
+          </a:fillRef>
+          <a:effectRef idx="0">
+            <a:schemeClr val="accent1"/>
+          </a:effectRef>
+          <a:fontRef idx="minor">
+            <a:schemeClr val="lt1"/>
+          </a:fontRef>
+        </p:style>
+        <p:txBody>
+          <a:bodyPr rtlCol="0" anchor="ctr"/>
+          <a:lstStyle/>
+          <a:p>
+            <a:pPr algn="ctr"/>
+            <a:endParaRPr lang="en-US"/>
+          </a:p>
+        </p:txBody>
+      </p:sp>
+      <p:sp>
+        <p:nvSpPr>
+          <p:cNvPr id="25" name="Rectangle 24">
+            <a:extLst>
+              <a:ext uri="{FF2B5EF4-FFF2-40B4-BE49-F238E27FC236}">
+                <a16:creationId xmlns:a16="http://schemas.microsoft.com/office/drawing/2014/main" id="{D2785A94-4D0B-4559-9303-3C963AA0EF9A}"/>
+              </a:ext>
+            </a:extLst>
+          </p:cNvPr>
+          <p:cNvSpPr/>
+          <p:nvPr/>
+        </p:nvSpPr>
+        <p:spPr>
+          <a:xfrm>
+            <a:off x="10085294" y="2642972"/>
+            <a:ext cx="1776920" cy="362446"/>
+          </a:xfrm>
+          <a:prstGeom prst="rect">
+            <a:avLst/>
+          </a:prstGeom>
+          <a:solidFill>
+            <a:srgbClr val="11B29F"/>
+          </a:solidFill>
+          <a:ln>
+            <a:noFill/>
+          </a:ln>
+        </p:spPr>
+        <p:style>
+          <a:lnRef idx="2">
+            <a:schemeClr val="accent1">
+              <a:shade val="50000"/>
+            </a:schemeClr>
+          </a:lnRef>
+          <a:fillRef idx="1">
+            <a:schemeClr val="accent1"/>
+          </a:fillRef>
+          <a:effectRef idx="0">
+            <a:schemeClr val="accent1"/>
+          </a:effectRef>
+          <a:fontRef idx="minor">
+            <a:schemeClr val="lt1"/>
+          </a:fontRef>
+        </p:style>
+        <p:txBody>
+          <a:bodyPr rtlCol="0" anchor="ctr"/>
+          <a:lstStyle/>
+          <a:p>
+            <a:pPr algn="ctr"/>
+            <a:endParaRPr lang="en-US"/>
+          </a:p>
+        </p:txBody>
+      </p:sp>
+      <p:sp>
+        <p:nvSpPr>
+          <p:cNvPr id="26" name="Rectangle 25">
+            <a:extLst>
+              <a:ext uri="{FF2B5EF4-FFF2-40B4-BE49-F238E27FC236}">
+                <a16:creationId xmlns:a16="http://schemas.microsoft.com/office/drawing/2014/main" id="{B235F2E9-4558-433D-9527-7EFF5C5E78A8}"/>
+              </a:ext>
+            </a:extLst>
+          </p:cNvPr>
+          <p:cNvSpPr/>
+          <p:nvPr/>
+        </p:nvSpPr>
+        <p:spPr>
+          <a:xfrm>
+            <a:off x="10085294" y="3050943"/>
+            <a:ext cx="1776920" cy="362446"/>
+          </a:xfrm>
+          <a:prstGeom prst="rect">
+            <a:avLst/>
+          </a:prstGeom>
+          <a:solidFill>
+            <a:srgbClr val="A71B86"/>
+          </a:solidFill>
+          <a:ln>
+            <a:noFill/>
+          </a:ln>
+        </p:spPr>
+        <p:style>
+          <a:lnRef idx="2">
+            <a:schemeClr val="accent1">
+              <a:shade val="50000"/>
+            </a:schemeClr>
+          </a:lnRef>
+          <a:fillRef idx="1">
+            <a:schemeClr val="accent1"/>
+          </a:fillRef>
+          <a:effectRef idx="0">
+            <a:schemeClr val="accent1"/>
+          </a:effectRef>
+          <a:fontRef idx="minor">
+            <a:schemeClr val="lt1"/>
+          </a:fontRef>
+        </p:style>
+        <p:txBody>
+          <a:bodyPr rtlCol="0" anchor="ctr"/>
+          <a:lstStyle/>
+          <a:p>
+            <a:pPr algn="ctr"/>
+            <a:endParaRPr lang="en-US"/>
+          </a:p>
+        </p:txBody>
+      </p:sp>
+      <p:sp>
+        <p:nvSpPr>
+          <p:cNvPr id="27" name="Rectangle 26">
+            <a:extLst>
+              <a:ext uri="{FF2B5EF4-FFF2-40B4-BE49-F238E27FC236}">
+                <a16:creationId xmlns:a16="http://schemas.microsoft.com/office/drawing/2014/main" id="{99613B87-411B-4008-BF30-F1A3B8F247B5}"/>
+              </a:ext>
+            </a:extLst>
+          </p:cNvPr>
+          <p:cNvSpPr/>
+          <p:nvPr/>
+        </p:nvSpPr>
+        <p:spPr>
+          <a:xfrm>
+            <a:off x="10085294" y="3490136"/>
+            <a:ext cx="1776920" cy="3367864"/>
+          </a:xfrm>
+          <a:prstGeom prst="rect">
+            <a:avLst/>
+          </a:prstGeom>
+          <a:solidFill>
+            <a:srgbClr val="11B29F"/>
+          </a:solidFill>
+          <a:ln>
+            <a:noFill/>
+          </a:ln>
+        </p:spPr>
+        <p:style>
+          <a:lnRef idx="2">
+            <a:schemeClr val="accent1">
+              <a:shade val="50000"/>
+            </a:schemeClr>
+          </a:lnRef>
+          <a:fillRef idx="1">
+            <a:schemeClr val="accent1"/>
+          </a:fillRef>
+          <a:effectRef idx="0">
+            <a:schemeClr val="accent1"/>
+          </a:effectRef>
+          <a:fontRef idx="minor">
+            <a:schemeClr val="lt1"/>
+          </a:fontRef>
+        </p:style>
+        <p:txBody>
+          <a:bodyPr rtlCol="0" anchor="ctr"/>
+          <a:lstStyle/>
+          <a:p>
+            <a:pPr algn="ctr"/>
+            <a:endParaRPr lang="en-US"/>
+          </a:p>
+        </p:txBody>
+      </p:sp>
+      <p:sp>
+        <p:nvSpPr>
+          <p:cNvPr id="32" name="Rectangle 31">
+            <a:extLst>
+              <a:ext uri="{FF2B5EF4-FFF2-40B4-BE49-F238E27FC236}">
+                <a16:creationId xmlns:a16="http://schemas.microsoft.com/office/drawing/2014/main" id="{145B3BD2-B1C1-4ED2-A4E0-5E17DD3736F1}"/>
+              </a:ext>
+            </a:extLst>
+          </p:cNvPr>
+          <p:cNvSpPr/>
+          <p:nvPr/>
+        </p:nvSpPr>
+        <p:spPr>
+          <a:xfrm rot="19800000">
+            <a:off x="-765351" y="385789"/>
+            <a:ext cx="4026751" cy="269178"/>
+          </a:xfrm>
+          <a:prstGeom prst="rect">
+            <a:avLst/>
+          </a:prstGeom>
+          <a:solidFill>
+            <a:srgbClr val="A71B86"/>
+          </a:solidFill>
+          <a:ln>
+            <a:noFill/>
+          </a:ln>
+        </p:spPr>
+        <p:style>
+          <a:lnRef idx="2">
+            <a:schemeClr val="accent1">
+              <a:shade val="50000"/>
+            </a:schemeClr>
+          </a:lnRef>
+          <a:fillRef idx="1">
+            <a:schemeClr val="accent1"/>
+          </a:fillRef>
+          <a:effectRef idx="0">
+            <a:schemeClr val="accent1"/>
+          </a:effectRef>
+          <a:fontRef idx="minor">
+            <a:schemeClr val="lt1"/>
+          </a:fontRef>
+        </p:style>
+        <p:txBody>
+          <a:bodyPr rtlCol="0" anchor="ctr"/>
+          <a:lstStyle/>
+          <a:p>
+            <a:pPr algn="ctr"/>
+            <a:endParaRPr lang="en-US"/>
+          </a:p>
+        </p:txBody>
+      </p:sp>
+      <p:sp>
+        <p:nvSpPr>
+          <p:cNvPr id="33" name="Rectangle 32">
+            <a:extLst>
+              <a:ext uri="{FF2B5EF4-FFF2-40B4-BE49-F238E27FC236}">
+                <a16:creationId xmlns:a16="http://schemas.microsoft.com/office/drawing/2014/main" id="{DC3B2826-65DD-408B-8F18-8CCD6C052D8D}"/>
+              </a:ext>
+            </a:extLst>
+          </p:cNvPr>
+          <p:cNvSpPr/>
+          <p:nvPr/>
+        </p:nvSpPr>
+        <p:spPr>
+          <a:xfrm rot="19800000">
+            <a:off x="9257156" y="6226296"/>
+            <a:ext cx="4026751" cy="269178"/>
+          </a:xfrm>
+          <a:prstGeom prst="rect">
+            <a:avLst/>
+          </a:prstGeom>
+          <a:solidFill>
+            <a:srgbClr val="A71B86"/>
+          </a:solidFill>
+          <a:ln>
+            <a:noFill/>
+          </a:ln>
+        </p:spPr>
+        <p:style>
+          <a:lnRef idx="2">
+            <a:schemeClr val="accent1">
+              <a:shade val="50000"/>
+            </a:schemeClr>
+          </a:lnRef>
+          <a:fillRef idx="1">
+            <a:schemeClr val="accent1"/>
+          </a:fillRef>
+          <a:effectRef idx="0">
+            <a:schemeClr val="accent1"/>
+          </a:effectRef>
+          <a:fontRef idx="minor">
+            <a:schemeClr val="lt1"/>
+          </a:fontRef>
+        </p:style>
+        <p:txBody>
+          <a:bodyPr rtlCol="0" anchor="ctr"/>
+          <a:lstStyle/>
+          <a:p>
+            <a:pPr algn="ctr"/>
+            <a:endParaRPr lang="en-US"/>
+          </a:p>
+        </p:txBody>
+      </p:sp>
+      <p:sp>
+        <p:nvSpPr>
+          <p:cNvPr id="35" name="Rectangle 34">
+            <a:extLst>
+              <a:ext uri="{FF2B5EF4-FFF2-40B4-BE49-F238E27FC236}">
+                <a16:creationId xmlns:a16="http://schemas.microsoft.com/office/drawing/2014/main" id="{4935F901-F632-4698-8C7A-AC29B2397A6C}"/>
+              </a:ext>
+            </a:extLst>
+          </p:cNvPr>
+          <p:cNvSpPr/>
+          <p:nvPr/>
+        </p:nvSpPr>
+        <p:spPr>
+          <a:xfrm rot="19800000">
+            <a:off x="8263809" y="5824178"/>
+            <a:ext cx="4731177" cy="269178"/>
+          </a:xfrm>
+          <a:prstGeom prst="rect">
+            <a:avLst/>
+          </a:prstGeom>
+          <a:solidFill>
+            <a:srgbClr val="A71B86"/>
+          </a:solidFill>
+          <a:ln>
+            <a:noFill/>
+          </a:ln>
+        </p:spPr>
+        <p:style>
+          <a:lnRef idx="2">
+            <a:schemeClr val="accent1">
+              <a:shade val="50000"/>
+            </a:schemeClr>
+          </a:lnRef>
+          <a:fillRef idx="1">
+            <a:schemeClr val="accent1"/>
+          </a:fillRef>
+          <a:effectRef idx="0">
+            <a:schemeClr val="accent1"/>
+          </a:effectRef>
+          <a:fontRef idx="minor">
+            <a:schemeClr val="lt1"/>
+          </a:fontRef>
+        </p:style>
+        <p:txBody>
+          <a:bodyPr rtlCol="0" anchor="ctr"/>
+          <a:lstStyle/>
+          <a:p>
+            <a:pPr algn="ctr"/>
+            <a:endParaRPr lang="en-US"/>
+          </a:p>
+        </p:txBody>
+      </p:sp>
+      <p:pic>
+        <p:nvPicPr>
+          <p:cNvPr id="37" name="Graphic 36" descr="Palm tree">
+            <a:extLst>
+              <a:ext uri="{FF2B5EF4-FFF2-40B4-BE49-F238E27FC236}">
+                <a16:creationId xmlns:a16="http://schemas.microsoft.com/office/drawing/2014/main" id="{79F2EC1B-9713-4CCF-8301-82ED265F3940}"/>
+              </a:ext>
+            </a:extLst>
+          </p:cNvPr>
+          <p:cNvPicPr>
+            <a:picLocks noChangeAspect="1"/>
+          </p:cNvPicPr>
+          <p:nvPr/>
+        </p:nvPicPr>
+        <p:blipFill>
+          <a:blip r:embed="rId6">
+            <a:extLst>
+              <a:ext uri="{28A0092B-C50C-407E-A947-70E740481C1C}">
+                <a14:useLocalDpi xmlns:a14="http://schemas.microsoft.com/office/drawing/2010/main" val="0"/>
+              </a:ext>
+              <a:ext uri="{96DAC541-7B7A-43D3-8B79-37D633B846F1}">
+                <asvg:svgBlip xmlns:asvg="http://schemas.microsoft.com/office/drawing/2016/SVG/main" r:embed="rId7"/>
+              </a:ext>
+            </a:extLst>
+          </a:blip>
+          <a:stretch>
+            <a:fillRect/>
+          </a:stretch>
+        </p:blipFill>
+        <p:spPr>
+          <a:xfrm>
+            <a:off x="8964994" y="809490"/>
+            <a:ext cx="914400" cy="914400"/>
+          </a:xfrm>
+          <a:prstGeom prst="rect">
+            <a:avLst/>
+          </a:prstGeom>
+        </p:spPr>
+      </p:pic>
+      <p:pic>
+        <p:nvPicPr>
+          <p:cNvPr id="38" name="Graphic 37" descr="Palm tree">
+            <a:extLst>
+              <a:ext uri="{FF2B5EF4-FFF2-40B4-BE49-F238E27FC236}">
+                <a16:creationId xmlns:a16="http://schemas.microsoft.com/office/drawing/2014/main" id="{11C9CA6F-B5F0-4837-8E50-85C201ADA4F1}"/>
+              </a:ext>
+            </a:extLst>
+          </p:cNvPr>
+          <p:cNvPicPr>
+            <a:picLocks noChangeAspect="1"/>
+          </p:cNvPicPr>
+          <p:nvPr/>
+        </p:nvPicPr>
+        <p:blipFill>
+          <a:blip r:embed="rId6">
+            <a:extLst>
+              <a:ext uri="{28A0092B-C50C-407E-A947-70E740481C1C}">
+                <a14:useLocalDpi xmlns:a14="http://schemas.microsoft.com/office/drawing/2010/main" val="0"/>
+              </a:ext>
+              <a:ext uri="{96DAC541-7B7A-43D3-8B79-37D633B846F1}">
+                <asvg:svgBlip xmlns:asvg="http://schemas.microsoft.com/office/drawing/2016/SVG/main" r:embed="rId7"/>
+              </a:ext>
+            </a:extLst>
+          </a:blip>
+          <a:stretch>
+            <a:fillRect/>
+          </a:stretch>
+        </p:blipFill>
+        <p:spPr>
+          <a:xfrm>
+            <a:off x="8834542" y="1142112"/>
+            <a:ext cx="553133" cy="553133"/>
+          </a:xfrm>
+          <a:prstGeom prst="rect">
+            <a:avLst/>
+          </a:prstGeom>
+        </p:spPr>
+      </p:pic>
+      <p:pic>
+        <p:nvPicPr>
+          <p:cNvPr id="39" name="Graphic 38" descr="Palm tree">
+            <a:extLst>
+              <a:ext uri="{FF2B5EF4-FFF2-40B4-BE49-F238E27FC236}">
+                <a16:creationId xmlns:a16="http://schemas.microsoft.com/office/drawing/2014/main" id="{585AC1AD-01C8-4E2D-8361-4BEA62A48584}"/>
+              </a:ext>
+            </a:extLst>
+          </p:cNvPr>
+          <p:cNvPicPr>
+            <a:picLocks noChangeAspect="1"/>
+          </p:cNvPicPr>
+          <p:nvPr/>
+        </p:nvPicPr>
+        <p:blipFill>
+          <a:blip r:embed="rId6">
+            <a:extLst>
+              <a:ext uri="{28A0092B-C50C-407E-A947-70E740481C1C}">
+                <a14:useLocalDpi xmlns:a14="http://schemas.microsoft.com/office/drawing/2010/main" val="0"/>
+              </a:ext>
+              <a:ext uri="{96DAC541-7B7A-43D3-8B79-37D633B846F1}">
+                <asvg:svgBlip xmlns:asvg="http://schemas.microsoft.com/office/drawing/2016/SVG/main" r:embed="rId7"/>
+              </a:ext>
+            </a:extLst>
+          </a:blip>
+          <a:stretch>
+            <a:fillRect/>
+          </a:stretch>
+        </p:blipFill>
+        <p:spPr>
+          <a:xfrm>
+            <a:off x="9387675" y="1277468"/>
+            <a:ext cx="404329" cy="404329"/>
+          </a:xfrm>
+          <a:prstGeom prst="rect">
+            <a:avLst/>
+          </a:prstGeom>
+        </p:spPr>
+      </p:pic>
+      <p:pic>
+        <p:nvPicPr>
+          <p:cNvPr id="4" name="Picture 3">
+            <a:extLst>
+              <a:ext uri="{FF2B5EF4-FFF2-40B4-BE49-F238E27FC236}">
+                <a16:creationId xmlns:a16="http://schemas.microsoft.com/office/drawing/2014/main" id="{DA9FB519-8E55-40A5-8934-DB6ECE4BC0CC}"/>
+              </a:ext>
+            </a:extLst>
+          </p:cNvPr>
+          <p:cNvPicPr>
+            <a:picLocks noChangeAspect="1"/>
+          </p:cNvPicPr>
+          <p:nvPr/>
+        </p:nvPicPr>
+        <p:blipFill>
+          <a:blip r:embed="rId8"/>
+          <a:stretch>
+            <a:fillRect/>
+          </a:stretch>
+        </p:blipFill>
+        <p:spPr>
+          <a:xfrm>
+            <a:off x="4578119" y="3578808"/>
+            <a:ext cx="1409700" cy="628650"/>
+          </a:xfrm>
+          <a:prstGeom prst="rect">
+            <a:avLst/>
+          </a:prstGeom>
+        </p:spPr>
+      </p:pic>
+    </p:spTree>
+    <p:extLst>
+      <p:ext uri="{BB962C8B-B14F-4D97-AF65-F5344CB8AC3E}">
+        <p14:creationId xmlns:p14="http://schemas.microsoft.com/office/powerpoint/2010/main" val="3358470660"/>
+      </p:ext>
+    </p:extLst>
+  </p:cSld>
+  <p:clrMapOvr>
+    <a:masterClrMapping/>
+  </p:clrMapOvr>
+</p:sld>
+</file>
+
+<file path=ppt/slides/slide19.xml><?xml version="1.0" encoding="utf-8"?>
 <p:sld xmlns:a="http://schemas.openxmlformats.org/drawingml/2006/main" xmlns:r="http://schemas.openxmlformats.org/officeDocument/2006/relationships" xmlns:p="http://schemas.openxmlformats.org/presentationml/2006/main">
   <p:cSld>
     <p:spTree>

--- a/Lectures/Lecture 29/Lecture 29.pptx
+++ b/Lectures/Lecture 29/Lecture 29.pptx
@@ -5,7 +5,7 @@
     <p:sldMasterId id="2147483648" r:id="rId1"/>
   </p:sldMasterIdLst>
   <p:notesMasterIdLst>
-    <p:notesMasterId r:id="rId21"/>
+    <p:notesMasterId r:id="rId18"/>
   </p:notesMasterIdLst>
   <p:sldIdLst>
     <p:sldId id="256" r:id="rId2"/>
@@ -23,10 +23,7 @@
     <p:sldId id="678" r:id="rId14"/>
     <p:sldId id="680" r:id="rId15"/>
     <p:sldId id="679" r:id="rId16"/>
-    <p:sldId id="681" r:id="rId17"/>
-    <p:sldId id="682" r:id="rId18"/>
-    <p:sldId id="683" r:id="rId19"/>
-    <p:sldId id="258" r:id="rId20"/>
+    <p:sldId id="258" r:id="rId17"/>
   </p:sldIdLst>
   <p:sldSz cx="12192000" cy="6858000"/>
   <p:notesSz cx="6858000" cy="9144000"/>
@@ -227,7 +224,7 @@
           <a:p>
             <a:fld id="{467FE51A-BC06-4E6F-B1DA-B477364E598F}" type="datetimeFigureOut">
               <a:rPr lang="en-US" smtClean="0"/>
-              <a:t>4/13/2020</a:t>
+              <a:t>4/19/2020</a:t>
             </a:fld>
             <a:endParaRPr lang="en-US"/>
           </a:p>
@@ -998,258 +995,6 @@
 </p:notes>
 </file>
 
-<file path=ppt/notesSlides/notesSlide15.xml><?xml version="1.0" encoding="utf-8"?>
-<p:notes xmlns:a="http://schemas.openxmlformats.org/drawingml/2006/main" xmlns:r="http://schemas.openxmlformats.org/officeDocument/2006/relationships" xmlns:p="http://schemas.openxmlformats.org/presentationml/2006/main">
-  <p:cSld>
-    <p:spTree>
-      <p:nvGrpSpPr>
-        <p:cNvPr id="1" name=""/>
-        <p:cNvGrpSpPr/>
-        <p:nvPr/>
-      </p:nvGrpSpPr>
-      <p:grpSpPr>
-        <a:xfrm>
-          <a:off x="0" y="0"/>
-          <a:ext cx="0" cy="0"/>
-          <a:chOff x="0" y="0"/>
-          <a:chExt cx="0" cy="0"/>
-        </a:xfrm>
-      </p:grpSpPr>
-      <p:sp>
-        <p:nvSpPr>
-          <p:cNvPr id="2" name="Slide Image Placeholder 1"/>
-          <p:cNvSpPr>
-            <a:spLocks noGrp="1" noRot="1" noChangeAspect="1"/>
-          </p:cNvSpPr>
-          <p:nvPr>
-            <p:ph type="sldImg"/>
-          </p:nvPr>
-        </p:nvSpPr>
-        <p:spPr/>
-      </p:sp>
-      <p:sp>
-        <p:nvSpPr>
-          <p:cNvPr id="3" name="Notes Placeholder 2"/>
-          <p:cNvSpPr>
-            <a:spLocks noGrp="1"/>
-          </p:cNvSpPr>
-          <p:nvPr>
-            <p:ph type="body" idx="1"/>
-          </p:nvPr>
-        </p:nvSpPr>
-        <p:spPr/>
-        <p:txBody>
-          <a:bodyPr/>
-          <a:lstStyle/>
-          <a:p>
-            <a:endParaRPr lang="en-US" dirty="0"/>
-          </a:p>
-        </p:txBody>
-      </p:sp>
-      <p:sp>
-        <p:nvSpPr>
-          <p:cNvPr id="4" name="Slide Number Placeholder 3"/>
-          <p:cNvSpPr>
-            <a:spLocks noGrp="1"/>
-          </p:cNvSpPr>
-          <p:nvPr>
-            <p:ph type="sldNum" sz="quarter" idx="5"/>
-          </p:nvPr>
-        </p:nvSpPr>
-        <p:spPr/>
-        <p:txBody>
-          <a:bodyPr/>
-          <a:lstStyle/>
-          <a:p>
-            <a:fld id="{D0C8C37F-A19A-4BCE-ACB3-EB59C17BCC56}" type="slidenum">
-              <a:rPr lang="en-US" smtClean="0"/>
-              <a:t>16</a:t>
-            </a:fld>
-            <a:endParaRPr lang="en-US"/>
-          </a:p>
-        </p:txBody>
-      </p:sp>
-    </p:spTree>
-    <p:extLst>
-      <p:ext uri="{BB962C8B-B14F-4D97-AF65-F5344CB8AC3E}">
-        <p14:creationId xmlns:p14="http://schemas.microsoft.com/office/powerpoint/2010/main" val="3711144885"/>
-      </p:ext>
-    </p:extLst>
-  </p:cSld>
-  <p:clrMapOvr>
-    <a:masterClrMapping/>
-  </p:clrMapOvr>
-</p:notes>
-</file>
-
-<file path=ppt/notesSlides/notesSlide16.xml><?xml version="1.0" encoding="utf-8"?>
-<p:notes xmlns:a="http://schemas.openxmlformats.org/drawingml/2006/main" xmlns:r="http://schemas.openxmlformats.org/officeDocument/2006/relationships" xmlns:p="http://schemas.openxmlformats.org/presentationml/2006/main">
-  <p:cSld>
-    <p:spTree>
-      <p:nvGrpSpPr>
-        <p:cNvPr id="1" name=""/>
-        <p:cNvGrpSpPr/>
-        <p:nvPr/>
-      </p:nvGrpSpPr>
-      <p:grpSpPr>
-        <a:xfrm>
-          <a:off x="0" y="0"/>
-          <a:ext cx="0" cy="0"/>
-          <a:chOff x="0" y="0"/>
-          <a:chExt cx="0" cy="0"/>
-        </a:xfrm>
-      </p:grpSpPr>
-      <p:sp>
-        <p:nvSpPr>
-          <p:cNvPr id="2" name="Slide Image Placeholder 1"/>
-          <p:cNvSpPr>
-            <a:spLocks noGrp="1" noRot="1" noChangeAspect="1"/>
-          </p:cNvSpPr>
-          <p:nvPr>
-            <p:ph type="sldImg"/>
-          </p:nvPr>
-        </p:nvSpPr>
-        <p:spPr/>
-      </p:sp>
-      <p:sp>
-        <p:nvSpPr>
-          <p:cNvPr id="3" name="Notes Placeholder 2"/>
-          <p:cNvSpPr>
-            <a:spLocks noGrp="1"/>
-          </p:cNvSpPr>
-          <p:nvPr>
-            <p:ph type="body" idx="1"/>
-          </p:nvPr>
-        </p:nvSpPr>
-        <p:spPr/>
-        <p:txBody>
-          <a:bodyPr/>
-          <a:lstStyle/>
-          <a:p>
-            <a:endParaRPr lang="en-US" dirty="0"/>
-          </a:p>
-        </p:txBody>
-      </p:sp>
-      <p:sp>
-        <p:nvSpPr>
-          <p:cNvPr id="4" name="Slide Number Placeholder 3"/>
-          <p:cNvSpPr>
-            <a:spLocks noGrp="1"/>
-          </p:cNvSpPr>
-          <p:nvPr>
-            <p:ph type="sldNum" sz="quarter" idx="5"/>
-          </p:nvPr>
-        </p:nvSpPr>
-        <p:spPr/>
-        <p:txBody>
-          <a:bodyPr/>
-          <a:lstStyle/>
-          <a:p>
-            <a:fld id="{D0C8C37F-A19A-4BCE-ACB3-EB59C17BCC56}" type="slidenum">
-              <a:rPr lang="en-US" smtClean="0"/>
-              <a:t>17</a:t>
-            </a:fld>
-            <a:endParaRPr lang="en-US"/>
-          </a:p>
-        </p:txBody>
-      </p:sp>
-    </p:spTree>
-    <p:extLst>
-      <p:ext uri="{BB962C8B-B14F-4D97-AF65-F5344CB8AC3E}">
-        <p14:creationId xmlns:p14="http://schemas.microsoft.com/office/powerpoint/2010/main" val="594590078"/>
-      </p:ext>
-    </p:extLst>
-  </p:cSld>
-  <p:clrMapOvr>
-    <a:masterClrMapping/>
-  </p:clrMapOvr>
-</p:notes>
-</file>
-
-<file path=ppt/notesSlides/notesSlide17.xml><?xml version="1.0" encoding="utf-8"?>
-<p:notes xmlns:a="http://schemas.openxmlformats.org/drawingml/2006/main" xmlns:r="http://schemas.openxmlformats.org/officeDocument/2006/relationships" xmlns:p="http://schemas.openxmlformats.org/presentationml/2006/main">
-  <p:cSld>
-    <p:spTree>
-      <p:nvGrpSpPr>
-        <p:cNvPr id="1" name=""/>
-        <p:cNvGrpSpPr/>
-        <p:nvPr/>
-      </p:nvGrpSpPr>
-      <p:grpSpPr>
-        <a:xfrm>
-          <a:off x="0" y="0"/>
-          <a:ext cx="0" cy="0"/>
-          <a:chOff x="0" y="0"/>
-          <a:chExt cx="0" cy="0"/>
-        </a:xfrm>
-      </p:grpSpPr>
-      <p:sp>
-        <p:nvSpPr>
-          <p:cNvPr id="2" name="Slide Image Placeholder 1"/>
-          <p:cNvSpPr>
-            <a:spLocks noGrp="1" noRot="1" noChangeAspect="1"/>
-          </p:cNvSpPr>
-          <p:nvPr>
-            <p:ph type="sldImg"/>
-          </p:nvPr>
-        </p:nvSpPr>
-        <p:spPr/>
-      </p:sp>
-      <p:sp>
-        <p:nvSpPr>
-          <p:cNvPr id="3" name="Notes Placeholder 2"/>
-          <p:cNvSpPr>
-            <a:spLocks noGrp="1"/>
-          </p:cNvSpPr>
-          <p:nvPr>
-            <p:ph type="body" idx="1"/>
-          </p:nvPr>
-        </p:nvSpPr>
-        <p:spPr/>
-        <p:txBody>
-          <a:bodyPr/>
-          <a:lstStyle/>
-          <a:p>
-            <a:endParaRPr lang="en-US" dirty="0"/>
-          </a:p>
-        </p:txBody>
-      </p:sp>
-      <p:sp>
-        <p:nvSpPr>
-          <p:cNvPr id="4" name="Slide Number Placeholder 3"/>
-          <p:cNvSpPr>
-            <a:spLocks noGrp="1"/>
-          </p:cNvSpPr>
-          <p:nvPr>
-            <p:ph type="sldNum" sz="quarter" idx="5"/>
-          </p:nvPr>
-        </p:nvSpPr>
-        <p:spPr/>
-        <p:txBody>
-          <a:bodyPr/>
-          <a:lstStyle/>
-          <a:p>
-            <a:fld id="{D0C8C37F-A19A-4BCE-ACB3-EB59C17BCC56}" type="slidenum">
-              <a:rPr lang="en-US" smtClean="0"/>
-              <a:t>18</a:t>
-            </a:fld>
-            <a:endParaRPr lang="en-US"/>
-          </a:p>
-        </p:txBody>
-      </p:sp>
-    </p:spTree>
-    <p:extLst>
-      <p:ext uri="{BB962C8B-B14F-4D97-AF65-F5344CB8AC3E}">
-        <p14:creationId xmlns:p14="http://schemas.microsoft.com/office/powerpoint/2010/main" val="1876342711"/>
-      </p:ext>
-    </p:extLst>
-  </p:cSld>
-  <p:clrMapOvr>
-    <a:masterClrMapping/>
-  </p:clrMapOvr>
-</p:notes>
-</file>
-
 <file path=ppt/notesSlides/notesSlide2.xml><?xml version="1.0" encoding="utf-8"?>
 <p:notes xmlns:a="http://schemas.openxmlformats.org/drawingml/2006/main" xmlns:r="http://schemas.openxmlformats.org/officeDocument/2006/relationships" xmlns:p="http://schemas.openxmlformats.org/presentationml/2006/main">
   <p:cSld>
@@ -2069,7 +1814,7 @@
           <a:p>
             <a:fld id="{11C4ABE2-2F1A-4C31-A43A-C3E7CE49CE95}" type="datetimeFigureOut">
               <a:rPr lang="en-US" smtClean="0"/>
-              <a:t>4/13/2020</a:t>
+              <a:t>4/19/2020</a:t>
             </a:fld>
             <a:endParaRPr lang="en-US"/>
           </a:p>
@@ -2267,7 +2012,7 @@
           <a:p>
             <a:fld id="{11C4ABE2-2F1A-4C31-A43A-C3E7CE49CE95}" type="datetimeFigureOut">
               <a:rPr lang="en-US" smtClean="0"/>
-              <a:t>4/13/2020</a:t>
+              <a:t>4/19/2020</a:t>
             </a:fld>
             <a:endParaRPr lang="en-US"/>
           </a:p>
@@ -2475,7 +2220,7 @@
           <a:p>
             <a:fld id="{11C4ABE2-2F1A-4C31-A43A-C3E7CE49CE95}" type="datetimeFigureOut">
               <a:rPr lang="en-US" smtClean="0"/>
-              <a:t>4/13/2020</a:t>
+              <a:t>4/19/2020</a:t>
             </a:fld>
             <a:endParaRPr lang="en-US"/>
           </a:p>
@@ -2673,7 +2418,7 @@
           <a:p>
             <a:fld id="{11C4ABE2-2F1A-4C31-A43A-C3E7CE49CE95}" type="datetimeFigureOut">
               <a:rPr lang="en-US" smtClean="0"/>
-              <a:t>4/13/2020</a:t>
+              <a:t>4/19/2020</a:t>
             </a:fld>
             <a:endParaRPr lang="en-US"/>
           </a:p>
@@ -2948,7 +2693,7 @@
           <a:p>
             <a:fld id="{11C4ABE2-2F1A-4C31-A43A-C3E7CE49CE95}" type="datetimeFigureOut">
               <a:rPr lang="en-US" smtClean="0"/>
-              <a:t>4/13/2020</a:t>
+              <a:t>4/19/2020</a:t>
             </a:fld>
             <a:endParaRPr lang="en-US"/>
           </a:p>
@@ -3213,7 +2958,7 @@
           <a:p>
             <a:fld id="{11C4ABE2-2F1A-4C31-A43A-C3E7CE49CE95}" type="datetimeFigureOut">
               <a:rPr lang="en-US" smtClean="0"/>
-              <a:t>4/13/2020</a:t>
+              <a:t>4/19/2020</a:t>
             </a:fld>
             <a:endParaRPr lang="en-US"/>
           </a:p>
@@ -3625,7 +3370,7 @@
           <a:p>
             <a:fld id="{11C4ABE2-2F1A-4C31-A43A-C3E7CE49CE95}" type="datetimeFigureOut">
               <a:rPr lang="en-US" smtClean="0"/>
-              <a:t>4/13/2020</a:t>
+              <a:t>4/19/2020</a:t>
             </a:fld>
             <a:endParaRPr lang="en-US"/>
           </a:p>
@@ -3766,7 +3511,7 @@
           <a:p>
             <a:fld id="{11C4ABE2-2F1A-4C31-A43A-C3E7CE49CE95}" type="datetimeFigureOut">
               <a:rPr lang="en-US" smtClean="0"/>
-              <a:t>4/13/2020</a:t>
+              <a:t>4/19/2020</a:t>
             </a:fld>
             <a:endParaRPr lang="en-US"/>
           </a:p>
@@ -3879,7 +3624,7 @@
           <a:p>
             <a:fld id="{11C4ABE2-2F1A-4C31-A43A-C3E7CE49CE95}" type="datetimeFigureOut">
               <a:rPr lang="en-US" smtClean="0"/>
-              <a:t>4/13/2020</a:t>
+              <a:t>4/19/2020</a:t>
             </a:fld>
             <a:endParaRPr lang="en-US"/>
           </a:p>
@@ -4190,7 +3935,7 @@
           <a:p>
             <a:fld id="{11C4ABE2-2F1A-4C31-A43A-C3E7CE49CE95}" type="datetimeFigureOut">
               <a:rPr lang="en-US" smtClean="0"/>
-              <a:t>4/13/2020</a:t>
+              <a:t>4/19/2020</a:t>
             </a:fld>
             <a:endParaRPr lang="en-US"/>
           </a:p>
@@ -4478,7 +4223,7 @@
           <a:p>
             <a:fld id="{11C4ABE2-2F1A-4C31-A43A-C3E7CE49CE95}" type="datetimeFigureOut">
               <a:rPr lang="en-US" smtClean="0"/>
-              <a:t>4/13/2020</a:t>
+              <a:t>4/19/2020</a:t>
             </a:fld>
             <a:endParaRPr lang="en-US"/>
           </a:p>
@@ -4719,7 +4464,7 @@
           <a:p>
             <a:fld id="{11C4ABE2-2F1A-4C31-A43A-C3E7CE49CE95}" type="datetimeFigureOut">
               <a:rPr lang="en-US" smtClean="0"/>
-              <a:t>4/13/2020</a:t>
+              <a:t>4/19/2020</a:t>
             </a:fld>
             <a:endParaRPr lang="en-US"/>
           </a:p>
@@ -14595,8 +14340,8 @@
           <a:chExt cx="0" cy="0"/>
         </a:xfrm>
       </p:grpSpPr>
-      <mc:AlternateContent xmlns:mc="http://schemas.openxmlformats.org/markup-compatibility/2006">
-        <mc:Choice xmlns:a14="http://schemas.microsoft.com/office/drawing/2010/main" Requires="a14">
+      <mc:AlternateContent xmlns:mc="http://schemas.openxmlformats.org/markup-compatibility/2006" xmlns:a14="http://schemas.microsoft.com/office/drawing/2010/main">
+        <mc:Choice Requires="a14">
           <p:sp>
             <p:nvSpPr>
               <p:cNvPr id="36" name="TextBox 35">
@@ -15226,7 +14971,7 @@
             </p:txBody>
           </p:sp>
         </mc:Choice>
-        <mc:Fallback>
+        <mc:Fallback xmlns="">
           <p:sp>
             <p:nvSpPr>
               <p:cNvPr id="36" name="TextBox 35">
@@ -16172,4265 +15917,6 @@
 </file>
 
 <file path=ppt/slides/slide16.xml><?xml version="1.0" encoding="utf-8"?>
-<p:sld xmlns:a="http://schemas.openxmlformats.org/drawingml/2006/main" xmlns:r="http://schemas.openxmlformats.org/officeDocument/2006/relationships" xmlns:p="http://schemas.openxmlformats.org/presentationml/2006/main">
-  <p:cSld>
-    <p:spTree>
-      <p:nvGrpSpPr>
-        <p:cNvPr id="1" name=""/>
-        <p:cNvGrpSpPr/>
-        <p:nvPr/>
-      </p:nvGrpSpPr>
-      <p:grpSpPr>
-        <a:xfrm>
-          <a:off x="0" y="0"/>
-          <a:ext cx="0" cy="0"/>
-          <a:chOff x="0" y="0"/>
-          <a:chExt cx="0" cy="0"/>
-        </a:xfrm>
-      </p:grpSpPr>
-      <mc:AlternateContent xmlns:mc="http://schemas.openxmlformats.org/markup-compatibility/2006">
-        <mc:Choice xmlns:a14="http://schemas.microsoft.com/office/drawing/2010/main" Requires="a14">
-          <p:sp>
-            <p:nvSpPr>
-              <p:cNvPr id="36" name="TextBox 35">
-                <a:extLst>
-                  <a:ext uri="{FF2B5EF4-FFF2-40B4-BE49-F238E27FC236}">
-                    <a16:creationId xmlns:a16="http://schemas.microsoft.com/office/drawing/2014/main" id="{389720C5-6DCB-428D-8C4F-A02DEC239333}"/>
-                  </a:ext>
-                </a:extLst>
-              </p:cNvPr>
-              <p:cNvSpPr txBox="1"/>
-              <p:nvPr/>
-            </p:nvSpPr>
-            <p:spPr>
-              <a:xfrm>
-                <a:off x="773934" y="1947592"/>
-                <a:ext cx="9018070" cy="4093428"/>
-              </a:xfrm>
-              <a:prstGeom prst="rect">
-                <a:avLst/>
-              </a:prstGeom>
-              <a:noFill/>
-            </p:spPr>
-            <p:txBody>
-              <a:bodyPr wrap="square" rtlCol="0">
-                <a:spAutoFit/>
-              </a:bodyPr>
-              <a:lstStyle/>
-              <a:p>
-                <a:pPr marL="285750" indent="-285750">
-                  <a:buFont typeface="Arial" panose="020B0604020202020204" pitchFamily="34" charset="0"/>
-                  <a:buChar char="•"/>
-                </a:pPr>
-                <a:r>
-                  <a:rPr lang="en-US" sz="2000" dirty="0">
-                    <a:solidFill>
-                      <a:srgbClr val="404040"/>
-                    </a:solidFill>
-                    <a:latin typeface="Corbel" panose="020B0503020204020204" pitchFamily="34" charset="0"/>
-                  </a:rPr>
-                  <a:t>Many times we want to sample from a continuous distribution e.g. normal</a:t>
-                </a:r>
-              </a:p>
-              <a:p>
-                <a:pPr marL="285750" indent="-285750">
-                  <a:buFont typeface="Arial" panose="020B0604020202020204" pitchFamily="34" charset="0"/>
-                  <a:buChar char="•"/>
-                </a:pPr>
-                <a:endParaRPr lang="en-US" sz="2000" dirty="0">
-                  <a:solidFill>
-                    <a:srgbClr val="404040"/>
-                  </a:solidFill>
-                  <a:latin typeface="Corbel" panose="020B0503020204020204" pitchFamily="34" charset="0"/>
-                </a:endParaRPr>
-              </a:p>
-              <a:p>
-                <a:pPr marL="285750" indent="-285750">
-                  <a:buFont typeface="Arial" panose="020B0604020202020204" pitchFamily="34" charset="0"/>
-                  <a:buChar char="•"/>
-                </a:pPr>
-                <a:r>
-                  <a:rPr lang="en-US" sz="2000" dirty="0">
-                    <a:solidFill>
-                      <a:srgbClr val="404040"/>
-                    </a:solidFill>
-                    <a:latin typeface="Corbel" panose="020B0503020204020204" pitchFamily="34" charset="0"/>
-                  </a:rPr>
-                  <a:t>Suppose we want to simulate a random variable </a:t>
-                </a:r>
-                <a14:m>
-                  <m:oMath xmlns:m="http://schemas.openxmlformats.org/officeDocument/2006/math">
-                    <m:r>
-                      <a:rPr lang="en-US" sz="2000" i="1">
-                        <a:solidFill>
-                          <a:srgbClr val="404040"/>
-                        </a:solidFill>
-                        <a:latin typeface="Cambria Math" panose="02040503050406030204" pitchFamily="18" charset="0"/>
-                      </a:rPr>
-                      <m:t>𝑋</m:t>
-                    </m:r>
-                  </m:oMath>
-                </a14:m>
-                <a:r>
-                  <a:rPr lang="en-US" sz="2000" dirty="0">
-                    <a:solidFill>
-                      <a:srgbClr val="404040"/>
-                    </a:solidFill>
-                    <a:latin typeface="Corbel" panose="020B0503020204020204" pitchFamily="34" charset="0"/>
-                  </a:rPr>
-                  <a:t> having a cumulative distribution function (CDF)</a:t>
-                </a:r>
-              </a:p>
-              <a:p>
-                <a:pPr marL="285750" indent="-285750">
-                  <a:buFont typeface="Arial" panose="020B0604020202020204" pitchFamily="34" charset="0"/>
-                  <a:buChar char="•"/>
-                </a:pPr>
-                <a:endParaRPr lang="en-US" sz="2000" dirty="0">
-                  <a:solidFill>
-                    <a:srgbClr val="404040"/>
-                  </a:solidFill>
-                  <a:latin typeface="Corbel" panose="020B0503020204020204" pitchFamily="34" charset="0"/>
-                </a:endParaRPr>
-              </a:p>
-              <a:p>
-                <a:pPr marL="285750" indent="-285750">
-                  <a:buFont typeface="Arial" panose="020B0604020202020204" pitchFamily="34" charset="0"/>
-                  <a:buChar char="•"/>
-                </a:pPr>
-                <a:endParaRPr lang="en-US" sz="2000" dirty="0">
-                  <a:solidFill>
-                    <a:srgbClr val="404040"/>
-                  </a:solidFill>
-                  <a:latin typeface="Corbel" panose="020B0503020204020204" pitchFamily="34" charset="0"/>
-                </a:endParaRPr>
-              </a:p>
-              <a:p>
-                <a:pPr marL="285750" indent="-285750">
-                  <a:buFont typeface="Arial" panose="020B0604020202020204" pitchFamily="34" charset="0"/>
-                  <a:buChar char="•"/>
-                </a:pPr>
-                <a:r>
-                  <a:rPr lang="en-US" sz="2000" dirty="0">
-                    <a:solidFill>
-                      <a:srgbClr val="404040"/>
-                    </a:solidFill>
-                    <a:latin typeface="Corbel" panose="020B0503020204020204" pitchFamily="34" charset="0"/>
-                  </a:rPr>
-                  <a:t>Then, we compute its inverse function </a:t>
-                </a:r>
-                <a14:m>
-                  <m:oMath xmlns:m="http://schemas.openxmlformats.org/officeDocument/2006/math">
-                    <m:sSup>
-                      <m:sSupPr>
-                        <m:ctrlPr>
-                          <a:rPr lang="en-US" sz="2000" b="0" i="0" smtClean="0">
-                            <a:solidFill>
-                              <a:srgbClr val="404040"/>
-                            </a:solidFill>
-                            <a:latin typeface="Cambria Math" panose="02040503050406030204" pitchFamily="18" charset="0"/>
-                          </a:rPr>
-                        </m:ctrlPr>
-                      </m:sSupPr>
-                      <m:e>
-                        <m:r>
-                          <m:rPr>
-                            <m:sty m:val="p"/>
-                          </m:rPr>
-                          <a:rPr lang="en-US" sz="2000" b="0" i="0" smtClean="0">
-                            <a:solidFill>
-                              <a:srgbClr val="404040"/>
-                            </a:solidFill>
-                            <a:latin typeface="Cambria Math" panose="02040503050406030204" pitchFamily="18" charset="0"/>
-                          </a:rPr>
-                          <m:t>F</m:t>
-                        </m:r>
-                      </m:e>
-                      <m:sup>
-                        <m:r>
-                          <a:rPr lang="en-US" sz="2000" b="0" i="0" smtClean="0">
-                            <a:solidFill>
-                              <a:srgbClr val="404040"/>
-                            </a:solidFill>
-                            <a:latin typeface="Cambria Math" panose="02040503050406030204" pitchFamily="18" charset="0"/>
-                          </a:rPr>
-                          <m:t>−1</m:t>
-                        </m:r>
-                      </m:sup>
-                    </m:sSup>
-                    <m:d>
-                      <m:dPr>
-                        <m:ctrlPr>
-                          <a:rPr lang="en-US" sz="2000" b="0" i="0" smtClean="0">
-                            <a:solidFill>
-                              <a:srgbClr val="404040"/>
-                            </a:solidFill>
-                            <a:latin typeface="Cambria Math" panose="02040503050406030204" pitchFamily="18" charset="0"/>
-                          </a:rPr>
-                        </m:ctrlPr>
-                      </m:dPr>
-                      <m:e>
-                        <m:r>
-                          <m:rPr>
-                            <m:sty m:val="p"/>
-                          </m:rPr>
-                          <a:rPr lang="en-US" sz="2000" b="0" i="0" smtClean="0">
-                            <a:solidFill>
-                              <a:srgbClr val="404040"/>
-                            </a:solidFill>
-                            <a:latin typeface="Cambria Math" panose="02040503050406030204" pitchFamily="18" charset="0"/>
-                          </a:rPr>
-                          <m:t>u</m:t>
-                        </m:r>
-                      </m:e>
-                    </m:d>
-                  </m:oMath>
-                </a14:m>
-                <a:r>
-                  <a:rPr lang="en-US" sz="2000" dirty="0">
-                    <a:solidFill>
-                      <a:srgbClr val="404040"/>
-                    </a:solidFill>
-                    <a:latin typeface="Corbel" panose="020B0503020204020204" pitchFamily="34" charset="0"/>
-                  </a:rPr>
-                  <a:t> i.e. the function satisfying</a:t>
-                </a:r>
-              </a:p>
-              <a:p>
-                <a:pPr marL="285750" indent="-285750">
-                  <a:buFont typeface="Arial" panose="020B0604020202020204" pitchFamily="34" charset="0"/>
-                  <a:buChar char="•"/>
-                </a:pPr>
-                <a:endParaRPr lang="en-US" sz="2000" dirty="0">
-                  <a:solidFill>
-                    <a:srgbClr val="404040"/>
-                  </a:solidFill>
-                  <a:latin typeface="Corbel" panose="020B0503020204020204" pitchFamily="34" charset="0"/>
-                </a:endParaRPr>
-              </a:p>
-              <a:p>
-                <a:pPr marL="285750" indent="-285750">
-                  <a:buFont typeface="Arial" panose="020B0604020202020204" pitchFamily="34" charset="0"/>
-                  <a:buChar char="•"/>
-                </a:pPr>
-                <a:endParaRPr lang="en-US" sz="2000" dirty="0">
-                  <a:solidFill>
-                    <a:srgbClr val="404040"/>
-                  </a:solidFill>
-                  <a:latin typeface="Corbel" panose="020B0503020204020204" pitchFamily="34" charset="0"/>
-                </a:endParaRPr>
-              </a:p>
-              <a:p>
-                <a:pPr marL="285750" indent="-285750">
-                  <a:buFont typeface="Arial" panose="020B0604020202020204" pitchFamily="34" charset="0"/>
-                  <a:buChar char="•"/>
-                </a:pPr>
-                <a:r>
-                  <a:rPr lang="en-US" sz="2000" dirty="0">
-                    <a:solidFill>
-                      <a:srgbClr val="404040"/>
-                    </a:solidFill>
-                    <a:latin typeface="Corbel" panose="020B0503020204020204" pitchFamily="34" charset="0"/>
-                  </a:rPr>
-                  <a:t>If </a:t>
-                </a:r>
-                <a14:m>
-                  <m:oMath xmlns:m="http://schemas.openxmlformats.org/officeDocument/2006/math">
-                    <m:r>
-                      <a:rPr lang="en-US" sz="2000" b="0" i="1" smtClean="0">
-                        <a:solidFill>
-                          <a:srgbClr val="404040"/>
-                        </a:solidFill>
-                        <a:latin typeface="Cambria Math" panose="02040503050406030204" pitchFamily="18" charset="0"/>
-                      </a:rPr>
-                      <m:t>𝑈</m:t>
-                    </m:r>
-                  </m:oMath>
-                </a14:m>
-                <a:r>
-                  <a:rPr lang="en-US" sz="2000" i="1" dirty="0">
-                    <a:solidFill>
-                      <a:srgbClr val="404040"/>
-                    </a:solidFill>
-                    <a:latin typeface="Corbel" panose="020B0503020204020204" pitchFamily="34" charset="0"/>
-                  </a:rPr>
-                  <a:t> </a:t>
-                </a:r>
-                <a:r>
-                  <a:rPr lang="en-US" sz="2000" dirty="0">
-                    <a:solidFill>
-                      <a:srgbClr val="404040"/>
-                    </a:solidFill>
-                    <a:latin typeface="Corbel" panose="020B0503020204020204" pitchFamily="34" charset="0"/>
-                  </a:rPr>
-                  <a:t>is a uniform </a:t>
-                </a:r>
-                <a14:m>
-                  <m:oMath xmlns:m="http://schemas.openxmlformats.org/officeDocument/2006/math">
-                    <m:r>
-                      <a:rPr lang="en-US" sz="2000" i="1">
-                        <a:solidFill>
-                          <a:srgbClr val="404040"/>
-                        </a:solidFill>
-                        <a:latin typeface="Cambria Math" panose="02040503050406030204" pitchFamily="18" charset="0"/>
-                      </a:rPr>
-                      <m:t>𝑈</m:t>
-                    </m:r>
-                    <m:r>
-                      <a:rPr lang="en-US" sz="2000" b="0" i="1" smtClean="0">
-                        <a:solidFill>
-                          <a:srgbClr val="404040"/>
-                        </a:solidFill>
-                        <a:latin typeface="Cambria Math" panose="02040503050406030204" pitchFamily="18" charset="0"/>
-                      </a:rPr>
-                      <m:t>𝑛𝑖𝑓𝑜𝑟𝑚</m:t>
-                    </m:r>
-                    <m:r>
-                      <a:rPr lang="en-US" sz="2000" b="0" i="1" smtClean="0">
-                        <a:solidFill>
-                          <a:srgbClr val="404040"/>
-                        </a:solidFill>
-                        <a:latin typeface="Cambria Math" panose="02040503050406030204" pitchFamily="18" charset="0"/>
-                      </a:rPr>
-                      <m:t>[0,1]</m:t>
-                    </m:r>
-                  </m:oMath>
-                </a14:m>
-                <a:r>
-                  <a:rPr lang="en-US" sz="2000" i="1" dirty="0">
-                    <a:solidFill>
-                      <a:srgbClr val="404040"/>
-                    </a:solidFill>
-                    <a:latin typeface="Corbel" panose="020B0503020204020204" pitchFamily="34" charset="0"/>
-                  </a:rPr>
-                  <a:t> </a:t>
-                </a:r>
-                <a:r>
-                  <a:rPr lang="en-US" sz="2000" dirty="0">
-                    <a:solidFill>
-                      <a:srgbClr val="404040"/>
-                    </a:solidFill>
-                    <a:latin typeface="Corbel" panose="020B0503020204020204" pitchFamily="34" charset="0"/>
-                  </a:rPr>
-                  <a:t>random variable , then the random variable </a:t>
-                </a:r>
-                <a14:m>
-                  <m:oMath xmlns:m="http://schemas.openxmlformats.org/officeDocument/2006/math">
-                    <m:sSup>
-                      <m:sSupPr>
-                        <m:ctrlPr>
-                          <a:rPr lang="en-US" sz="2000" b="0" i="1" smtClean="0">
-                            <a:solidFill>
-                              <a:srgbClr val="404040"/>
-                            </a:solidFill>
-                            <a:latin typeface="Cambria Math" panose="02040503050406030204" pitchFamily="18" charset="0"/>
-                          </a:rPr>
-                        </m:ctrlPr>
-                      </m:sSupPr>
-                      <m:e>
-                        <m:r>
-                          <a:rPr lang="en-US" sz="2000" b="0" i="1" smtClean="0">
-                            <a:solidFill>
-                              <a:srgbClr val="404040"/>
-                            </a:solidFill>
-                            <a:latin typeface="Cambria Math" panose="02040503050406030204" pitchFamily="18" charset="0"/>
-                          </a:rPr>
-                          <m:t>𝐹</m:t>
-                        </m:r>
-                      </m:e>
-                      <m:sup>
-                        <m:r>
-                          <a:rPr lang="en-US" sz="2000" b="0" i="1" smtClean="0">
-                            <a:solidFill>
-                              <a:srgbClr val="404040"/>
-                            </a:solidFill>
-                            <a:latin typeface="Cambria Math" panose="02040503050406030204" pitchFamily="18" charset="0"/>
-                          </a:rPr>
-                          <m:t>−1</m:t>
-                        </m:r>
-                      </m:sup>
-                    </m:sSup>
-                    <m:d>
-                      <m:dPr>
-                        <m:ctrlPr>
-                          <a:rPr lang="en-US" sz="2000" b="0" i="1" smtClean="0">
-                            <a:solidFill>
-                              <a:srgbClr val="404040"/>
-                            </a:solidFill>
-                            <a:latin typeface="Cambria Math" panose="02040503050406030204" pitchFamily="18" charset="0"/>
-                          </a:rPr>
-                        </m:ctrlPr>
-                      </m:dPr>
-                      <m:e>
-                        <m:r>
-                          <a:rPr lang="en-US" sz="2000" b="0" i="1" smtClean="0">
-                            <a:solidFill>
-                              <a:srgbClr val="404040"/>
-                            </a:solidFill>
-                            <a:latin typeface="Cambria Math" panose="02040503050406030204" pitchFamily="18" charset="0"/>
-                          </a:rPr>
-                          <m:t>𝑈</m:t>
-                        </m:r>
-                      </m:e>
-                    </m:d>
-                  </m:oMath>
-                </a14:m>
-                <a:r>
-                  <a:rPr lang="en-US" sz="2000" dirty="0">
-                    <a:solidFill>
-                      <a:srgbClr val="404040"/>
-                    </a:solidFill>
-                    <a:latin typeface="Corbel" panose="020B0503020204020204" pitchFamily="34" charset="0"/>
-                  </a:rPr>
-                  <a:t> has the same distribution as </a:t>
-                </a:r>
-                <a14:m>
-                  <m:oMath xmlns:m="http://schemas.openxmlformats.org/officeDocument/2006/math">
-                    <m:r>
-                      <a:rPr lang="en-US" sz="2000" b="0" i="1" smtClean="0">
-                        <a:solidFill>
-                          <a:srgbClr val="404040"/>
-                        </a:solidFill>
-                        <a:latin typeface="Cambria Math" panose="02040503050406030204" pitchFamily="18" charset="0"/>
-                      </a:rPr>
-                      <m:t>𝑋</m:t>
-                    </m:r>
-                  </m:oMath>
-                </a14:m>
-                <a:endParaRPr lang="en-US" sz="2000" i="1" dirty="0">
-                  <a:solidFill>
-                    <a:srgbClr val="404040"/>
-                  </a:solidFill>
-                  <a:latin typeface="Corbel" panose="020B0503020204020204" pitchFamily="34" charset="0"/>
-                </a:endParaRPr>
-              </a:p>
-              <a:p>
-                <a:pPr marL="285750" indent="-285750">
-                  <a:buFont typeface="Arial" panose="020B0604020202020204" pitchFamily="34" charset="0"/>
-                  <a:buChar char="•"/>
-                </a:pPr>
-                <a:endParaRPr lang="en-US" sz="2000" i="1" dirty="0">
-                  <a:solidFill>
-                    <a:srgbClr val="404040"/>
-                  </a:solidFill>
-                  <a:latin typeface="Corbel" panose="020B0503020204020204" pitchFamily="34" charset="0"/>
-                </a:endParaRPr>
-              </a:p>
-              <a:p>
-                <a:pPr marL="285750" indent="-285750">
-                  <a:buFont typeface="Arial" panose="020B0604020202020204" pitchFamily="34" charset="0"/>
-                  <a:buChar char="•"/>
-                </a:pPr>
-                <a:r>
-                  <a:rPr lang="en-US" sz="2000" dirty="0">
-                    <a:solidFill>
-                      <a:srgbClr val="404040"/>
-                    </a:solidFill>
-                    <a:latin typeface="Corbel" panose="020B0503020204020204" pitchFamily="34" charset="0"/>
-                  </a:rPr>
-                  <a:t>This method is called the </a:t>
-                </a:r>
-                <a:r>
-                  <a:rPr lang="en-US" sz="2000" dirty="0">
-                    <a:solidFill>
-                      <a:srgbClr val="A71B86"/>
-                    </a:solidFill>
-                    <a:latin typeface="Corbel" panose="020B0503020204020204" pitchFamily="34" charset="0"/>
-                  </a:rPr>
-                  <a:t>inverse transform</a:t>
-                </a:r>
-              </a:p>
-            </p:txBody>
-          </p:sp>
-        </mc:Choice>
-        <mc:Fallback>
-          <p:sp>
-            <p:nvSpPr>
-              <p:cNvPr id="36" name="TextBox 35">
-                <a:extLst>
-                  <a:ext uri="{FF2B5EF4-FFF2-40B4-BE49-F238E27FC236}">
-                    <a16:creationId xmlns:a16="http://schemas.microsoft.com/office/drawing/2014/main" id="{389720C5-6DCB-428D-8C4F-A02DEC239333}"/>
-                  </a:ext>
-                </a:extLst>
-              </p:cNvPr>
-              <p:cNvSpPr txBox="1">
-                <a:spLocks noRot="1" noChangeAspect="1" noMove="1" noResize="1" noEditPoints="1" noAdjustHandles="1" noChangeArrowheads="1" noChangeShapeType="1" noTextEdit="1"/>
-              </p:cNvSpPr>
-              <p:nvPr/>
-            </p:nvSpPr>
-            <p:spPr>
-              <a:xfrm>
-                <a:off x="773934" y="1947592"/>
-                <a:ext cx="9018070" cy="4093428"/>
-              </a:xfrm>
-              <a:prstGeom prst="rect">
-                <a:avLst/>
-              </a:prstGeom>
-              <a:blipFill>
-                <a:blip r:embed="rId3"/>
-                <a:stretch>
-                  <a:fillRect l="-609" t="-744" b="-1637"/>
-                </a:stretch>
-              </a:blipFill>
-            </p:spPr>
-            <p:txBody>
-              <a:bodyPr/>
-              <a:lstStyle/>
-              <a:p>
-                <a:r>
-                  <a:rPr lang="en-US">
-                    <a:noFill/>
-                  </a:rPr>
-                  <a:t> </a:t>
-                </a:r>
-              </a:p>
-            </p:txBody>
-          </p:sp>
-        </mc:Fallback>
-      </mc:AlternateContent>
-      <p:sp>
-        <p:nvSpPr>
-          <p:cNvPr id="28" name="Rectangle 27">
-            <a:extLst>
-              <a:ext uri="{FF2B5EF4-FFF2-40B4-BE49-F238E27FC236}">
-                <a16:creationId xmlns:a16="http://schemas.microsoft.com/office/drawing/2014/main" id="{1568D3DA-67F7-464C-95FF-D7D56F4038D6}"/>
-              </a:ext>
-            </a:extLst>
-          </p:cNvPr>
-          <p:cNvSpPr/>
-          <p:nvPr/>
-        </p:nvSpPr>
-        <p:spPr>
-          <a:xfrm rot="19800000">
-            <a:off x="-597297" y="674901"/>
-            <a:ext cx="4026751" cy="269178"/>
-          </a:xfrm>
-          <a:prstGeom prst="rect">
-            <a:avLst/>
-          </a:prstGeom>
-          <a:solidFill>
-            <a:srgbClr val="A71B86"/>
-          </a:solidFill>
-          <a:ln>
-            <a:noFill/>
-          </a:ln>
-        </p:spPr>
-        <p:style>
-          <a:lnRef idx="2">
-            <a:schemeClr val="accent1">
-              <a:shade val="50000"/>
-            </a:schemeClr>
-          </a:lnRef>
-          <a:fillRef idx="1">
-            <a:schemeClr val="accent1"/>
-          </a:fillRef>
-          <a:effectRef idx="0">
-            <a:schemeClr val="accent1"/>
-          </a:effectRef>
-          <a:fontRef idx="minor">
-            <a:schemeClr val="lt1"/>
-          </a:fontRef>
-        </p:style>
-        <p:txBody>
-          <a:bodyPr rtlCol="0" anchor="ctr"/>
-          <a:lstStyle/>
-          <a:p>
-            <a:pPr algn="ctr"/>
-            <a:endParaRPr lang="en-US"/>
-          </a:p>
-        </p:txBody>
-      </p:sp>
-      <p:pic>
-        <p:nvPicPr>
-          <p:cNvPr id="11" name="Picture 10" descr="A large body of water&#10;&#10;Description automatically generated">
-            <a:extLst>
-              <a:ext uri="{FF2B5EF4-FFF2-40B4-BE49-F238E27FC236}">
-                <a16:creationId xmlns:a16="http://schemas.microsoft.com/office/drawing/2014/main" id="{B83B0471-BE25-41B4-B185-53BEB6528B89}"/>
-              </a:ext>
-            </a:extLst>
-          </p:cNvPr>
-          <p:cNvPicPr>
-            <a:picLocks noChangeAspect="1"/>
-          </p:cNvPicPr>
-          <p:nvPr/>
-        </p:nvPicPr>
-        <p:blipFill rotWithShape="1">
-          <a:blip r:embed="rId4">
-            <a:alphaModFix amt="20000"/>
-            <a:extLst>
-              <a:ext uri="{28A0092B-C50C-407E-A947-70E740481C1C}">
-                <a14:useLocalDpi xmlns:a14="http://schemas.microsoft.com/office/drawing/2010/main" val="0"/>
-              </a:ext>
-            </a:extLst>
-          </a:blip>
-          <a:srcRect t="34654" b="43573"/>
-          <a:stretch/>
-        </p:blipFill>
-        <p:spPr>
-          <a:xfrm>
-            <a:off x="766188" y="457321"/>
-            <a:ext cx="9018070" cy="1308226"/>
-          </a:xfrm>
-          <a:prstGeom prst="rect">
-            <a:avLst/>
-          </a:prstGeom>
-        </p:spPr>
-      </p:pic>
-      <p:sp>
-        <p:nvSpPr>
-          <p:cNvPr id="34" name="Rectangle 33">
-            <a:extLst>
-              <a:ext uri="{FF2B5EF4-FFF2-40B4-BE49-F238E27FC236}">
-                <a16:creationId xmlns:a16="http://schemas.microsoft.com/office/drawing/2014/main" id="{BFE7775A-1FAD-4E84-8B9E-DA4B39640B5E}"/>
-              </a:ext>
-            </a:extLst>
-          </p:cNvPr>
-          <p:cNvSpPr/>
-          <p:nvPr/>
-        </p:nvSpPr>
-        <p:spPr>
-          <a:xfrm rot="19800000">
-            <a:off x="9089102" y="5937184"/>
-            <a:ext cx="4026751" cy="269178"/>
-          </a:xfrm>
-          <a:prstGeom prst="rect">
-            <a:avLst/>
-          </a:prstGeom>
-          <a:solidFill>
-            <a:srgbClr val="A71B86"/>
-          </a:solidFill>
-          <a:ln>
-            <a:noFill/>
-          </a:ln>
-        </p:spPr>
-        <p:style>
-          <a:lnRef idx="2">
-            <a:schemeClr val="accent1">
-              <a:shade val="50000"/>
-            </a:schemeClr>
-          </a:lnRef>
-          <a:fillRef idx="1">
-            <a:schemeClr val="accent1"/>
-          </a:fillRef>
-          <a:effectRef idx="0">
-            <a:schemeClr val="accent1"/>
-          </a:effectRef>
-          <a:fontRef idx="minor">
-            <a:schemeClr val="lt1"/>
-          </a:fontRef>
-        </p:style>
-        <p:txBody>
-          <a:bodyPr rtlCol="0" anchor="ctr"/>
-          <a:lstStyle/>
-          <a:p>
-            <a:pPr algn="ctr"/>
-            <a:endParaRPr lang="en-US"/>
-          </a:p>
-        </p:txBody>
-      </p:sp>
-      <p:sp>
-        <p:nvSpPr>
-          <p:cNvPr id="2" name="Title 1">
-            <a:extLst>
-              <a:ext uri="{FF2B5EF4-FFF2-40B4-BE49-F238E27FC236}">
-                <a16:creationId xmlns:a16="http://schemas.microsoft.com/office/drawing/2014/main" id="{95D79E09-6E77-4F87-B358-F18D99FA343D}"/>
-              </a:ext>
-            </a:extLst>
-          </p:cNvPr>
-          <p:cNvSpPr>
-            <a:spLocks noGrp="1"/>
-          </p:cNvSpPr>
-          <p:nvPr>
-            <p:ph type="title"/>
-          </p:nvPr>
-        </p:nvSpPr>
-        <p:spPr>
-          <a:xfrm>
-            <a:off x="773934" y="425128"/>
-            <a:ext cx="9018070" cy="1325563"/>
-          </a:xfrm>
-          <a:noFill/>
-          <a:ln w="76200">
-            <a:solidFill>
-              <a:srgbClr val="11B29F"/>
-            </a:solidFill>
-          </a:ln>
-        </p:spPr>
-        <p:txBody>
-          <a:bodyPr/>
-          <a:lstStyle/>
-          <a:p>
-            <a:pPr algn="ctr"/>
-            <a:r>
-              <a:rPr lang="en-US" dirty="0">
-                <a:solidFill>
-                  <a:srgbClr val="404040"/>
-                </a:solidFill>
-                <a:latin typeface="Bodoni MT" panose="02070603080606020203" pitchFamily="18" charset="0"/>
-              </a:rPr>
-              <a:t>Simulation for Continuous</a:t>
-            </a:r>
-          </a:p>
-        </p:txBody>
-      </p:sp>
-      <p:pic>
-        <p:nvPicPr>
-          <p:cNvPr id="5" name="Content Placeholder 4" descr="A picture containing cage&#10;&#10;Description automatically generated">
-            <a:extLst>
-              <a:ext uri="{FF2B5EF4-FFF2-40B4-BE49-F238E27FC236}">
-                <a16:creationId xmlns:a16="http://schemas.microsoft.com/office/drawing/2014/main" id="{EF817497-4F98-4236-83EE-74FD8376B077}"/>
-              </a:ext>
-            </a:extLst>
-          </p:cNvPr>
-          <p:cNvPicPr>
-            <a:picLocks noGrp="1" noChangeAspect="1"/>
-          </p:cNvPicPr>
-          <p:nvPr>
-            <p:ph idx="1"/>
-          </p:nvPr>
-        </p:nvPicPr>
-        <p:blipFill>
-          <a:blip r:embed="rId5">
-            <a:extLst>
-              <a:ext uri="{28A0092B-C50C-407E-A947-70E740481C1C}">
-                <a14:useLocalDpi xmlns:a14="http://schemas.microsoft.com/office/drawing/2010/main" val="0"/>
-              </a:ext>
-            </a:extLst>
-          </a:blip>
-          <a:stretch>
-            <a:fillRect/>
-          </a:stretch>
-        </p:blipFill>
-        <p:spPr>
-          <a:xfrm>
-            <a:off x="9887140" y="47697"/>
-            <a:ext cx="2143125" cy="2143125"/>
-          </a:xfrm>
-        </p:spPr>
-      </p:pic>
-      <p:sp>
-        <p:nvSpPr>
-          <p:cNvPr id="17" name="Rectangle 16">
-            <a:extLst>
-              <a:ext uri="{FF2B5EF4-FFF2-40B4-BE49-F238E27FC236}">
-                <a16:creationId xmlns:a16="http://schemas.microsoft.com/office/drawing/2014/main" id="{C723ED3C-F5E6-4121-9EF2-DD9574E1A49F}"/>
-              </a:ext>
-            </a:extLst>
-          </p:cNvPr>
-          <p:cNvSpPr/>
-          <p:nvPr/>
-        </p:nvSpPr>
-        <p:spPr>
-          <a:xfrm>
-            <a:off x="10085294" y="2008116"/>
-            <a:ext cx="1776920" cy="76178"/>
-          </a:xfrm>
-          <a:prstGeom prst="rect">
-            <a:avLst/>
-          </a:prstGeom>
-          <a:solidFill>
-            <a:srgbClr val="11B29F"/>
-          </a:solidFill>
-          <a:ln>
-            <a:noFill/>
-          </a:ln>
-        </p:spPr>
-        <p:style>
-          <a:lnRef idx="2">
-            <a:schemeClr val="accent1">
-              <a:shade val="50000"/>
-            </a:schemeClr>
-          </a:lnRef>
-          <a:fillRef idx="1">
-            <a:schemeClr val="accent1"/>
-          </a:fillRef>
-          <a:effectRef idx="0">
-            <a:schemeClr val="accent1"/>
-          </a:effectRef>
-          <a:fontRef idx="minor">
-            <a:schemeClr val="lt1"/>
-          </a:fontRef>
-        </p:style>
-        <p:txBody>
-          <a:bodyPr rtlCol="0" anchor="ctr"/>
-          <a:lstStyle/>
-          <a:p>
-            <a:pPr algn="ctr"/>
-            <a:endParaRPr lang="en-US"/>
-          </a:p>
-        </p:txBody>
-      </p:sp>
-      <p:sp>
-        <p:nvSpPr>
-          <p:cNvPr id="21" name="Rectangle 20">
-            <a:extLst>
-              <a:ext uri="{FF2B5EF4-FFF2-40B4-BE49-F238E27FC236}">
-                <a16:creationId xmlns:a16="http://schemas.microsoft.com/office/drawing/2014/main" id="{F9E0EC60-66D4-4536-A867-30142339BAA7}"/>
-              </a:ext>
-            </a:extLst>
-          </p:cNvPr>
-          <p:cNvSpPr/>
-          <p:nvPr/>
-        </p:nvSpPr>
-        <p:spPr>
-          <a:xfrm>
-            <a:off x="10085294" y="2129819"/>
-            <a:ext cx="1776920" cy="76178"/>
-          </a:xfrm>
-          <a:prstGeom prst="rect">
-            <a:avLst/>
-          </a:prstGeom>
-          <a:solidFill>
-            <a:srgbClr val="A71B86"/>
-          </a:solidFill>
-          <a:ln>
-            <a:noFill/>
-          </a:ln>
-        </p:spPr>
-        <p:style>
-          <a:lnRef idx="2">
-            <a:schemeClr val="accent1">
-              <a:shade val="50000"/>
-            </a:schemeClr>
-          </a:lnRef>
-          <a:fillRef idx="1">
-            <a:schemeClr val="accent1"/>
-          </a:fillRef>
-          <a:effectRef idx="0">
-            <a:schemeClr val="accent1"/>
-          </a:effectRef>
-          <a:fontRef idx="minor">
-            <a:schemeClr val="lt1"/>
-          </a:fontRef>
-        </p:style>
-        <p:txBody>
-          <a:bodyPr rtlCol="0" anchor="ctr"/>
-          <a:lstStyle/>
-          <a:p>
-            <a:pPr algn="ctr"/>
-            <a:endParaRPr lang="en-US"/>
-          </a:p>
-        </p:txBody>
-      </p:sp>
-      <p:sp>
-        <p:nvSpPr>
-          <p:cNvPr id="22" name="Rectangle 21">
-            <a:extLst>
-              <a:ext uri="{FF2B5EF4-FFF2-40B4-BE49-F238E27FC236}">
-                <a16:creationId xmlns:a16="http://schemas.microsoft.com/office/drawing/2014/main" id="{F95AED49-24A8-4D10-9D31-F944565EC1B2}"/>
-              </a:ext>
-            </a:extLst>
-          </p:cNvPr>
-          <p:cNvSpPr/>
-          <p:nvPr/>
-        </p:nvSpPr>
-        <p:spPr>
-          <a:xfrm>
-            <a:off x="10085294" y="2251522"/>
-            <a:ext cx="1776920" cy="150200"/>
-          </a:xfrm>
-          <a:prstGeom prst="rect">
-            <a:avLst/>
-          </a:prstGeom>
-          <a:solidFill>
-            <a:srgbClr val="11B29F"/>
-          </a:solidFill>
-          <a:ln>
-            <a:noFill/>
-          </a:ln>
-        </p:spPr>
-        <p:style>
-          <a:lnRef idx="2">
-            <a:schemeClr val="accent1">
-              <a:shade val="50000"/>
-            </a:schemeClr>
-          </a:lnRef>
-          <a:fillRef idx="1">
-            <a:schemeClr val="accent1"/>
-          </a:fillRef>
-          <a:effectRef idx="0">
-            <a:schemeClr val="accent1"/>
-          </a:effectRef>
-          <a:fontRef idx="minor">
-            <a:schemeClr val="lt1"/>
-          </a:fontRef>
-        </p:style>
-        <p:txBody>
-          <a:bodyPr rtlCol="0" anchor="ctr"/>
-          <a:lstStyle/>
-          <a:p>
-            <a:pPr algn="ctr"/>
-            <a:endParaRPr lang="en-US"/>
-          </a:p>
-        </p:txBody>
-      </p:sp>
-      <p:sp>
-        <p:nvSpPr>
-          <p:cNvPr id="24" name="Rectangle 23">
-            <a:extLst>
-              <a:ext uri="{FF2B5EF4-FFF2-40B4-BE49-F238E27FC236}">
-                <a16:creationId xmlns:a16="http://schemas.microsoft.com/office/drawing/2014/main" id="{993D5826-407C-4F65-BE3A-EB593B942A36}"/>
-              </a:ext>
-            </a:extLst>
-          </p:cNvPr>
-          <p:cNvSpPr/>
-          <p:nvPr/>
-        </p:nvSpPr>
-        <p:spPr>
-          <a:xfrm>
-            <a:off x="10085294" y="2447247"/>
-            <a:ext cx="1776920" cy="150200"/>
-          </a:xfrm>
-          <a:prstGeom prst="rect">
-            <a:avLst/>
-          </a:prstGeom>
-          <a:solidFill>
-            <a:srgbClr val="A71B86"/>
-          </a:solidFill>
-          <a:ln>
-            <a:noFill/>
-          </a:ln>
-        </p:spPr>
-        <p:style>
-          <a:lnRef idx="2">
-            <a:schemeClr val="accent1">
-              <a:shade val="50000"/>
-            </a:schemeClr>
-          </a:lnRef>
-          <a:fillRef idx="1">
-            <a:schemeClr val="accent1"/>
-          </a:fillRef>
-          <a:effectRef idx="0">
-            <a:schemeClr val="accent1"/>
-          </a:effectRef>
-          <a:fontRef idx="minor">
-            <a:schemeClr val="lt1"/>
-          </a:fontRef>
-        </p:style>
-        <p:txBody>
-          <a:bodyPr rtlCol="0" anchor="ctr"/>
-          <a:lstStyle/>
-          <a:p>
-            <a:pPr algn="ctr"/>
-            <a:endParaRPr lang="en-US"/>
-          </a:p>
-        </p:txBody>
-      </p:sp>
-      <p:sp>
-        <p:nvSpPr>
-          <p:cNvPr id="25" name="Rectangle 24">
-            <a:extLst>
-              <a:ext uri="{FF2B5EF4-FFF2-40B4-BE49-F238E27FC236}">
-                <a16:creationId xmlns:a16="http://schemas.microsoft.com/office/drawing/2014/main" id="{D2785A94-4D0B-4559-9303-3C963AA0EF9A}"/>
-              </a:ext>
-            </a:extLst>
-          </p:cNvPr>
-          <p:cNvSpPr/>
-          <p:nvPr/>
-        </p:nvSpPr>
-        <p:spPr>
-          <a:xfrm>
-            <a:off x="10085294" y="2642972"/>
-            <a:ext cx="1776920" cy="362446"/>
-          </a:xfrm>
-          <a:prstGeom prst="rect">
-            <a:avLst/>
-          </a:prstGeom>
-          <a:solidFill>
-            <a:srgbClr val="11B29F"/>
-          </a:solidFill>
-          <a:ln>
-            <a:noFill/>
-          </a:ln>
-        </p:spPr>
-        <p:style>
-          <a:lnRef idx="2">
-            <a:schemeClr val="accent1">
-              <a:shade val="50000"/>
-            </a:schemeClr>
-          </a:lnRef>
-          <a:fillRef idx="1">
-            <a:schemeClr val="accent1"/>
-          </a:fillRef>
-          <a:effectRef idx="0">
-            <a:schemeClr val="accent1"/>
-          </a:effectRef>
-          <a:fontRef idx="minor">
-            <a:schemeClr val="lt1"/>
-          </a:fontRef>
-        </p:style>
-        <p:txBody>
-          <a:bodyPr rtlCol="0" anchor="ctr"/>
-          <a:lstStyle/>
-          <a:p>
-            <a:pPr algn="ctr"/>
-            <a:endParaRPr lang="en-US"/>
-          </a:p>
-        </p:txBody>
-      </p:sp>
-      <p:sp>
-        <p:nvSpPr>
-          <p:cNvPr id="26" name="Rectangle 25">
-            <a:extLst>
-              <a:ext uri="{FF2B5EF4-FFF2-40B4-BE49-F238E27FC236}">
-                <a16:creationId xmlns:a16="http://schemas.microsoft.com/office/drawing/2014/main" id="{B235F2E9-4558-433D-9527-7EFF5C5E78A8}"/>
-              </a:ext>
-            </a:extLst>
-          </p:cNvPr>
-          <p:cNvSpPr/>
-          <p:nvPr/>
-        </p:nvSpPr>
-        <p:spPr>
-          <a:xfrm>
-            <a:off x="10085294" y="3050943"/>
-            <a:ext cx="1776920" cy="362446"/>
-          </a:xfrm>
-          <a:prstGeom prst="rect">
-            <a:avLst/>
-          </a:prstGeom>
-          <a:solidFill>
-            <a:srgbClr val="A71B86"/>
-          </a:solidFill>
-          <a:ln>
-            <a:noFill/>
-          </a:ln>
-        </p:spPr>
-        <p:style>
-          <a:lnRef idx="2">
-            <a:schemeClr val="accent1">
-              <a:shade val="50000"/>
-            </a:schemeClr>
-          </a:lnRef>
-          <a:fillRef idx="1">
-            <a:schemeClr val="accent1"/>
-          </a:fillRef>
-          <a:effectRef idx="0">
-            <a:schemeClr val="accent1"/>
-          </a:effectRef>
-          <a:fontRef idx="minor">
-            <a:schemeClr val="lt1"/>
-          </a:fontRef>
-        </p:style>
-        <p:txBody>
-          <a:bodyPr rtlCol="0" anchor="ctr"/>
-          <a:lstStyle/>
-          <a:p>
-            <a:pPr algn="ctr"/>
-            <a:endParaRPr lang="en-US"/>
-          </a:p>
-        </p:txBody>
-      </p:sp>
-      <p:sp>
-        <p:nvSpPr>
-          <p:cNvPr id="27" name="Rectangle 26">
-            <a:extLst>
-              <a:ext uri="{FF2B5EF4-FFF2-40B4-BE49-F238E27FC236}">
-                <a16:creationId xmlns:a16="http://schemas.microsoft.com/office/drawing/2014/main" id="{99613B87-411B-4008-BF30-F1A3B8F247B5}"/>
-              </a:ext>
-            </a:extLst>
-          </p:cNvPr>
-          <p:cNvSpPr/>
-          <p:nvPr/>
-        </p:nvSpPr>
-        <p:spPr>
-          <a:xfrm>
-            <a:off x="10085294" y="3490136"/>
-            <a:ext cx="1776920" cy="3367864"/>
-          </a:xfrm>
-          <a:prstGeom prst="rect">
-            <a:avLst/>
-          </a:prstGeom>
-          <a:solidFill>
-            <a:srgbClr val="11B29F"/>
-          </a:solidFill>
-          <a:ln>
-            <a:noFill/>
-          </a:ln>
-        </p:spPr>
-        <p:style>
-          <a:lnRef idx="2">
-            <a:schemeClr val="accent1">
-              <a:shade val="50000"/>
-            </a:schemeClr>
-          </a:lnRef>
-          <a:fillRef idx="1">
-            <a:schemeClr val="accent1"/>
-          </a:fillRef>
-          <a:effectRef idx="0">
-            <a:schemeClr val="accent1"/>
-          </a:effectRef>
-          <a:fontRef idx="minor">
-            <a:schemeClr val="lt1"/>
-          </a:fontRef>
-        </p:style>
-        <p:txBody>
-          <a:bodyPr rtlCol="0" anchor="ctr"/>
-          <a:lstStyle/>
-          <a:p>
-            <a:pPr algn="ctr"/>
-            <a:endParaRPr lang="en-US"/>
-          </a:p>
-        </p:txBody>
-      </p:sp>
-      <p:sp>
-        <p:nvSpPr>
-          <p:cNvPr id="32" name="Rectangle 31">
-            <a:extLst>
-              <a:ext uri="{FF2B5EF4-FFF2-40B4-BE49-F238E27FC236}">
-                <a16:creationId xmlns:a16="http://schemas.microsoft.com/office/drawing/2014/main" id="{145B3BD2-B1C1-4ED2-A4E0-5E17DD3736F1}"/>
-              </a:ext>
-            </a:extLst>
-          </p:cNvPr>
-          <p:cNvSpPr/>
-          <p:nvPr/>
-        </p:nvSpPr>
-        <p:spPr>
-          <a:xfrm rot="19800000">
-            <a:off x="-765351" y="385789"/>
-            <a:ext cx="4026751" cy="269178"/>
-          </a:xfrm>
-          <a:prstGeom prst="rect">
-            <a:avLst/>
-          </a:prstGeom>
-          <a:solidFill>
-            <a:srgbClr val="A71B86"/>
-          </a:solidFill>
-          <a:ln>
-            <a:noFill/>
-          </a:ln>
-        </p:spPr>
-        <p:style>
-          <a:lnRef idx="2">
-            <a:schemeClr val="accent1">
-              <a:shade val="50000"/>
-            </a:schemeClr>
-          </a:lnRef>
-          <a:fillRef idx="1">
-            <a:schemeClr val="accent1"/>
-          </a:fillRef>
-          <a:effectRef idx="0">
-            <a:schemeClr val="accent1"/>
-          </a:effectRef>
-          <a:fontRef idx="minor">
-            <a:schemeClr val="lt1"/>
-          </a:fontRef>
-        </p:style>
-        <p:txBody>
-          <a:bodyPr rtlCol="0" anchor="ctr"/>
-          <a:lstStyle/>
-          <a:p>
-            <a:pPr algn="ctr"/>
-            <a:endParaRPr lang="en-US"/>
-          </a:p>
-        </p:txBody>
-      </p:sp>
-      <p:sp>
-        <p:nvSpPr>
-          <p:cNvPr id="33" name="Rectangle 32">
-            <a:extLst>
-              <a:ext uri="{FF2B5EF4-FFF2-40B4-BE49-F238E27FC236}">
-                <a16:creationId xmlns:a16="http://schemas.microsoft.com/office/drawing/2014/main" id="{DC3B2826-65DD-408B-8F18-8CCD6C052D8D}"/>
-              </a:ext>
-            </a:extLst>
-          </p:cNvPr>
-          <p:cNvSpPr/>
-          <p:nvPr/>
-        </p:nvSpPr>
-        <p:spPr>
-          <a:xfrm rot="19800000">
-            <a:off x="9257156" y="6226296"/>
-            <a:ext cx="4026751" cy="269178"/>
-          </a:xfrm>
-          <a:prstGeom prst="rect">
-            <a:avLst/>
-          </a:prstGeom>
-          <a:solidFill>
-            <a:srgbClr val="A71B86"/>
-          </a:solidFill>
-          <a:ln>
-            <a:noFill/>
-          </a:ln>
-        </p:spPr>
-        <p:style>
-          <a:lnRef idx="2">
-            <a:schemeClr val="accent1">
-              <a:shade val="50000"/>
-            </a:schemeClr>
-          </a:lnRef>
-          <a:fillRef idx="1">
-            <a:schemeClr val="accent1"/>
-          </a:fillRef>
-          <a:effectRef idx="0">
-            <a:schemeClr val="accent1"/>
-          </a:effectRef>
-          <a:fontRef idx="minor">
-            <a:schemeClr val="lt1"/>
-          </a:fontRef>
-        </p:style>
-        <p:txBody>
-          <a:bodyPr rtlCol="0" anchor="ctr"/>
-          <a:lstStyle/>
-          <a:p>
-            <a:pPr algn="ctr"/>
-            <a:endParaRPr lang="en-US"/>
-          </a:p>
-        </p:txBody>
-      </p:sp>
-      <p:sp>
-        <p:nvSpPr>
-          <p:cNvPr id="35" name="Rectangle 34">
-            <a:extLst>
-              <a:ext uri="{FF2B5EF4-FFF2-40B4-BE49-F238E27FC236}">
-                <a16:creationId xmlns:a16="http://schemas.microsoft.com/office/drawing/2014/main" id="{4935F901-F632-4698-8C7A-AC29B2397A6C}"/>
-              </a:ext>
-            </a:extLst>
-          </p:cNvPr>
-          <p:cNvSpPr/>
-          <p:nvPr/>
-        </p:nvSpPr>
-        <p:spPr>
-          <a:xfrm rot="19800000">
-            <a:off x="8263809" y="5824178"/>
-            <a:ext cx="4731177" cy="269178"/>
-          </a:xfrm>
-          <a:prstGeom prst="rect">
-            <a:avLst/>
-          </a:prstGeom>
-          <a:solidFill>
-            <a:srgbClr val="A71B86"/>
-          </a:solidFill>
-          <a:ln>
-            <a:noFill/>
-          </a:ln>
-        </p:spPr>
-        <p:style>
-          <a:lnRef idx="2">
-            <a:schemeClr val="accent1">
-              <a:shade val="50000"/>
-            </a:schemeClr>
-          </a:lnRef>
-          <a:fillRef idx="1">
-            <a:schemeClr val="accent1"/>
-          </a:fillRef>
-          <a:effectRef idx="0">
-            <a:schemeClr val="accent1"/>
-          </a:effectRef>
-          <a:fontRef idx="minor">
-            <a:schemeClr val="lt1"/>
-          </a:fontRef>
-        </p:style>
-        <p:txBody>
-          <a:bodyPr rtlCol="0" anchor="ctr"/>
-          <a:lstStyle/>
-          <a:p>
-            <a:pPr algn="ctr"/>
-            <a:endParaRPr lang="en-US"/>
-          </a:p>
-        </p:txBody>
-      </p:sp>
-      <p:pic>
-        <p:nvPicPr>
-          <p:cNvPr id="37" name="Graphic 36" descr="Palm tree">
-            <a:extLst>
-              <a:ext uri="{FF2B5EF4-FFF2-40B4-BE49-F238E27FC236}">
-                <a16:creationId xmlns:a16="http://schemas.microsoft.com/office/drawing/2014/main" id="{79F2EC1B-9713-4CCF-8301-82ED265F3940}"/>
-              </a:ext>
-            </a:extLst>
-          </p:cNvPr>
-          <p:cNvPicPr>
-            <a:picLocks noChangeAspect="1"/>
-          </p:cNvPicPr>
-          <p:nvPr/>
-        </p:nvPicPr>
-        <p:blipFill>
-          <a:blip r:embed="rId6">
-            <a:extLst>
-              <a:ext uri="{28A0092B-C50C-407E-A947-70E740481C1C}">
-                <a14:useLocalDpi xmlns:a14="http://schemas.microsoft.com/office/drawing/2010/main" val="0"/>
-              </a:ext>
-              <a:ext uri="{96DAC541-7B7A-43D3-8B79-37D633B846F1}">
-                <asvg:svgBlip xmlns:asvg="http://schemas.microsoft.com/office/drawing/2016/SVG/main" r:embed="rId7"/>
-              </a:ext>
-            </a:extLst>
-          </a:blip>
-          <a:stretch>
-            <a:fillRect/>
-          </a:stretch>
-        </p:blipFill>
-        <p:spPr>
-          <a:xfrm>
-            <a:off x="8964994" y="809490"/>
-            <a:ext cx="914400" cy="914400"/>
-          </a:xfrm>
-          <a:prstGeom prst="rect">
-            <a:avLst/>
-          </a:prstGeom>
-        </p:spPr>
-      </p:pic>
-      <p:pic>
-        <p:nvPicPr>
-          <p:cNvPr id="38" name="Graphic 37" descr="Palm tree">
-            <a:extLst>
-              <a:ext uri="{FF2B5EF4-FFF2-40B4-BE49-F238E27FC236}">
-                <a16:creationId xmlns:a16="http://schemas.microsoft.com/office/drawing/2014/main" id="{11C9CA6F-B5F0-4837-8E50-85C201ADA4F1}"/>
-              </a:ext>
-            </a:extLst>
-          </p:cNvPr>
-          <p:cNvPicPr>
-            <a:picLocks noChangeAspect="1"/>
-          </p:cNvPicPr>
-          <p:nvPr/>
-        </p:nvPicPr>
-        <p:blipFill>
-          <a:blip r:embed="rId6">
-            <a:extLst>
-              <a:ext uri="{28A0092B-C50C-407E-A947-70E740481C1C}">
-                <a14:useLocalDpi xmlns:a14="http://schemas.microsoft.com/office/drawing/2010/main" val="0"/>
-              </a:ext>
-              <a:ext uri="{96DAC541-7B7A-43D3-8B79-37D633B846F1}">
-                <asvg:svgBlip xmlns:asvg="http://schemas.microsoft.com/office/drawing/2016/SVG/main" r:embed="rId7"/>
-              </a:ext>
-            </a:extLst>
-          </a:blip>
-          <a:stretch>
-            <a:fillRect/>
-          </a:stretch>
-        </p:blipFill>
-        <p:spPr>
-          <a:xfrm>
-            <a:off x="8834542" y="1142112"/>
-            <a:ext cx="553133" cy="553133"/>
-          </a:xfrm>
-          <a:prstGeom prst="rect">
-            <a:avLst/>
-          </a:prstGeom>
-        </p:spPr>
-      </p:pic>
-      <p:pic>
-        <p:nvPicPr>
-          <p:cNvPr id="39" name="Graphic 38" descr="Palm tree">
-            <a:extLst>
-              <a:ext uri="{FF2B5EF4-FFF2-40B4-BE49-F238E27FC236}">
-                <a16:creationId xmlns:a16="http://schemas.microsoft.com/office/drawing/2014/main" id="{585AC1AD-01C8-4E2D-8361-4BEA62A48584}"/>
-              </a:ext>
-            </a:extLst>
-          </p:cNvPr>
-          <p:cNvPicPr>
-            <a:picLocks noChangeAspect="1"/>
-          </p:cNvPicPr>
-          <p:nvPr/>
-        </p:nvPicPr>
-        <p:blipFill>
-          <a:blip r:embed="rId6">
-            <a:extLst>
-              <a:ext uri="{28A0092B-C50C-407E-A947-70E740481C1C}">
-                <a14:useLocalDpi xmlns:a14="http://schemas.microsoft.com/office/drawing/2010/main" val="0"/>
-              </a:ext>
-              <a:ext uri="{96DAC541-7B7A-43D3-8B79-37D633B846F1}">
-                <asvg:svgBlip xmlns:asvg="http://schemas.microsoft.com/office/drawing/2016/SVG/main" r:embed="rId7"/>
-              </a:ext>
-            </a:extLst>
-          </a:blip>
-          <a:stretch>
-            <a:fillRect/>
-          </a:stretch>
-        </p:blipFill>
-        <p:spPr>
-          <a:xfrm>
-            <a:off x="9387675" y="1277468"/>
-            <a:ext cx="404329" cy="404329"/>
-          </a:xfrm>
-          <a:prstGeom prst="rect">
-            <a:avLst/>
-          </a:prstGeom>
-        </p:spPr>
-      </p:pic>
-      <p:pic>
-        <p:nvPicPr>
-          <p:cNvPr id="4" name="Picture 3">
-            <a:extLst>
-              <a:ext uri="{FF2B5EF4-FFF2-40B4-BE49-F238E27FC236}">
-                <a16:creationId xmlns:a16="http://schemas.microsoft.com/office/drawing/2014/main" id="{2C93EBF4-7469-46CA-BD73-99C45BDE0FB4}"/>
-              </a:ext>
-            </a:extLst>
-          </p:cNvPr>
-          <p:cNvPicPr>
-            <a:picLocks noChangeAspect="1"/>
-          </p:cNvPicPr>
-          <p:nvPr/>
-        </p:nvPicPr>
-        <p:blipFill>
-          <a:blip r:embed="rId8"/>
-          <a:stretch>
-            <a:fillRect/>
-          </a:stretch>
-        </p:blipFill>
-        <p:spPr>
-          <a:xfrm>
-            <a:off x="4137700" y="3237719"/>
-            <a:ext cx="2275046" cy="460426"/>
-          </a:xfrm>
-          <a:prstGeom prst="rect">
-            <a:avLst/>
-          </a:prstGeom>
-        </p:spPr>
-      </p:pic>
-      <p:pic>
-        <p:nvPicPr>
-          <p:cNvPr id="6" name="Picture 5">
-            <a:extLst>
-              <a:ext uri="{FF2B5EF4-FFF2-40B4-BE49-F238E27FC236}">
-                <a16:creationId xmlns:a16="http://schemas.microsoft.com/office/drawing/2014/main" id="{82E0CD34-B54A-4FBC-B08B-5CB48E3CCEA6}"/>
-              </a:ext>
-            </a:extLst>
-          </p:cNvPr>
-          <p:cNvPicPr>
-            <a:picLocks noChangeAspect="1"/>
-          </p:cNvPicPr>
-          <p:nvPr/>
-        </p:nvPicPr>
-        <p:blipFill>
-          <a:blip r:embed="rId9"/>
-          <a:stretch>
-            <a:fillRect/>
-          </a:stretch>
-        </p:blipFill>
-        <p:spPr>
-          <a:xfrm>
-            <a:off x="3444113" y="4194361"/>
-            <a:ext cx="3677711" cy="486756"/>
-          </a:xfrm>
-          <a:prstGeom prst="rect">
-            <a:avLst/>
-          </a:prstGeom>
-        </p:spPr>
-      </p:pic>
-    </p:spTree>
-    <p:extLst>
-      <p:ext uri="{BB962C8B-B14F-4D97-AF65-F5344CB8AC3E}">
-        <p14:creationId xmlns:p14="http://schemas.microsoft.com/office/powerpoint/2010/main" val="3432578519"/>
-      </p:ext>
-    </p:extLst>
-  </p:cSld>
-  <p:clrMapOvr>
-    <a:masterClrMapping/>
-  </p:clrMapOvr>
-</p:sld>
-</file>
-
-<file path=ppt/slides/slide17.xml><?xml version="1.0" encoding="utf-8"?>
-<p:sld xmlns:a="http://schemas.openxmlformats.org/drawingml/2006/main" xmlns:r="http://schemas.openxmlformats.org/officeDocument/2006/relationships" xmlns:p="http://schemas.openxmlformats.org/presentationml/2006/main">
-  <p:cSld>
-    <p:spTree>
-      <p:nvGrpSpPr>
-        <p:cNvPr id="1" name=""/>
-        <p:cNvGrpSpPr/>
-        <p:nvPr/>
-      </p:nvGrpSpPr>
-      <p:grpSpPr>
-        <a:xfrm>
-          <a:off x="0" y="0"/>
-          <a:ext cx="0" cy="0"/>
-          <a:chOff x="0" y="0"/>
-          <a:chExt cx="0" cy="0"/>
-        </a:xfrm>
-      </p:grpSpPr>
-      <mc:AlternateContent xmlns:mc="http://schemas.openxmlformats.org/markup-compatibility/2006">
-        <mc:Choice xmlns:a14="http://schemas.microsoft.com/office/drawing/2010/main" Requires="a14">
-          <p:sp>
-            <p:nvSpPr>
-              <p:cNvPr id="36" name="TextBox 35">
-                <a:extLst>
-                  <a:ext uri="{FF2B5EF4-FFF2-40B4-BE49-F238E27FC236}">
-                    <a16:creationId xmlns:a16="http://schemas.microsoft.com/office/drawing/2014/main" id="{389720C5-6DCB-428D-8C4F-A02DEC239333}"/>
-                  </a:ext>
-                </a:extLst>
-              </p:cNvPr>
-              <p:cNvSpPr txBox="1"/>
-              <p:nvPr/>
-            </p:nvSpPr>
-            <p:spPr>
-              <a:xfrm>
-                <a:off x="773934" y="1947592"/>
-                <a:ext cx="9018070" cy="4837478"/>
-              </a:xfrm>
-              <a:prstGeom prst="rect">
-                <a:avLst/>
-              </a:prstGeom>
-              <a:noFill/>
-            </p:spPr>
-            <p:txBody>
-              <a:bodyPr wrap="square" rtlCol="0">
-                <a:spAutoFit/>
-              </a:bodyPr>
-              <a:lstStyle/>
-              <a:p>
-                <a:pPr marL="285750" indent="-285750">
-                  <a:buFont typeface="Arial" panose="020B0604020202020204" pitchFamily="34" charset="0"/>
-                  <a:buChar char="•"/>
-                </a:pPr>
-                <a:r>
-                  <a:rPr lang="en-US" sz="2000" dirty="0">
-                    <a:solidFill>
-                      <a:srgbClr val="404040"/>
-                    </a:solidFill>
-                    <a:latin typeface="Corbel" panose="020B0503020204020204" pitchFamily="34" charset="0"/>
-                  </a:rPr>
-                  <a:t>An exponential random variable has CDF</a:t>
-                </a:r>
-              </a:p>
-              <a:p>
-                <a:pPr marL="285750" indent="-285750">
-                  <a:buFont typeface="Arial" panose="020B0604020202020204" pitchFamily="34" charset="0"/>
-                  <a:buChar char="•"/>
-                </a:pPr>
-                <a:endParaRPr lang="en-US" sz="2000" dirty="0">
-                  <a:solidFill>
-                    <a:srgbClr val="404040"/>
-                  </a:solidFill>
-                  <a:latin typeface="Corbel" panose="020B0503020204020204" pitchFamily="34" charset="0"/>
-                </a:endParaRPr>
-              </a:p>
-              <a:p>
-                <a:pPr marL="285750" indent="-285750">
-                  <a:buFont typeface="Arial" panose="020B0604020202020204" pitchFamily="34" charset="0"/>
-                  <a:buChar char="•"/>
-                </a:pPr>
-                <a:endParaRPr lang="en-US" sz="2000" dirty="0">
-                  <a:solidFill>
-                    <a:srgbClr val="404040"/>
-                  </a:solidFill>
-                  <a:latin typeface="Corbel" panose="020B0503020204020204" pitchFamily="34" charset="0"/>
-                </a:endParaRPr>
-              </a:p>
-              <a:p>
-                <a:pPr marL="285750" indent="-285750">
-                  <a:buFont typeface="Arial" panose="020B0604020202020204" pitchFamily="34" charset="0"/>
-                  <a:buChar char="•"/>
-                </a:pPr>
-                <a:r>
-                  <a:rPr lang="en-US" sz="2000" dirty="0">
-                    <a:solidFill>
-                      <a:srgbClr val="404040"/>
-                    </a:solidFill>
-                    <a:latin typeface="Corbel" panose="020B0503020204020204" pitchFamily="34" charset="0"/>
-                  </a:rPr>
-                  <a:t>With </a:t>
-                </a:r>
-                <a14:m>
-                  <m:oMath xmlns:m="http://schemas.openxmlformats.org/officeDocument/2006/math">
-                    <m:r>
-                      <a:rPr lang="en-US" sz="2000" b="0" i="1" smtClean="0">
-                        <a:solidFill>
-                          <a:srgbClr val="404040"/>
-                        </a:solidFill>
-                        <a:latin typeface="Cambria Math" panose="02040503050406030204" pitchFamily="18" charset="0"/>
-                      </a:rPr>
-                      <m:t>𝜆</m:t>
-                    </m:r>
-                    <m:r>
-                      <a:rPr lang="en-US" sz="2000" b="0" i="1" smtClean="0">
-                        <a:solidFill>
-                          <a:srgbClr val="404040"/>
-                        </a:solidFill>
-                        <a:latin typeface="Cambria Math" panose="02040503050406030204" pitchFamily="18" charset="0"/>
-                      </a:rPr>
-                      <m:t>&gt;0</m:t>
-                    </m:r>
-                  </m:oMath>
-                </a14:m>
-                <a:r>
-                  <a:rPr lang="en-US" sz="2000" dirty="0">
-                    <a:solidFill>
-                      <a:srgbClr val="A71B86"/>
-                    </a:solidFill>
-                    <a:latin typeface="Corbel" panose="020B0503020204020204" pitchFamily="34" charset="0"/>
-                  </a:rPr>
-                  <a:t> </a:t>
-                </a:r>
-                <a:r>
-                  <a:rPr lang="en-US" sz="2000" dirty="0">
-                    <a:solidFill>
-                      <a:srgbClr val="404040"/>
-                    </a:solidFill>
-                    <a:latin typeface="Corbel" panose="020B0503020204020204" pitchFamily="34" charset="0"/>
-                  </a:rPr>
-                  <a:t>a parameter known as its “rate”</a:t>
-                </a:r>
-              </a:p>
-              <a:p>
-                <a:pPr marL="285750" indent="-285750">
-                  <a:buFont typeface="Arial" panose="020B0604020202020204" pitchFamily="34" charset="0"/>
-                  <a:buChar char="•"/>
-                </a:pPr>
-                <a:endParaRPr lang="en-US" sz="2000" dirty="0">
-                  <a:solidFill>
-                    <a:srgbClr val="404040"/>
-                  </a:solidFill>
-                  <a:latin typeface="Corbel" panose="020B0503020204020204" pitchFamily="34" charset="0"/>
-                </a:endParaRPr>
-              </a:p>
-              <a:p>
-                <a:pPr marL="285750" indent="-285750">
-                  <a:buFont typeface="Arial" panose="020B0604020202020204" pitchFamily="34" charset="0"/>
-                  <a:buChar char="•"/>
-                </a:pPr>
-                <a:r>
-                  <a:rPr lang="en-US" sz="2000" dirty="0">
-                    <a:solidFill>
-                      <a:srgbClr val="404040"/>
-                    </a:solidFill>
-                    <a:latin typeface="Corbel" panose="020B0503020204020204" pitchFamily="34" charset="0"/>
-                  </a:rPr>
-                  <a:t>Exponentials are often used to model the time between random arrivals</a:t>
-                </a:r>
-              </a:p>
-              <a:p>
-                <a:pPr marL="285750" indent="-285750">
-                  <a:buFont typeface="Arial" panose="020B0604020202020204" pitchFamily="34" charset="0"/>
-                  <a:buChar char="•"/>
-                </a:pPr>
-                <a:endParaRPr lang="en-US" sz="2000" dirty="0">
-                  <a:solidFill>
-                    <a:srgbClr val="404040"/>
-                  </a:solidFill>
-                  <a:latin typeface="Corbel" panose="020B0503020204020204" pitchFamily="34" charset="0"/>
-                </a:endParaRPr>
-              </a:p>
-              <a:p>
-                <a:pPr marL="285750" indent="-285750">
-                  <a:buFont typeface="Arial" panose="020B0604020202020204" pitchFamily="34" charset="0"/>
-                  <a:buChar char="•"/>
-                </a:pPr>
-                <a:r>
-                  <a:rPr lang="en-US" sz="2000" dirty="0">
-                    <a:solidFill>
-                      <a:srgbClr val="404040"/>
-                    </a:solidFill>
-                    <a:latin typeface="Corbel" panose="020B0503020204020204" pitchFamily="34" charset="0"/>
-                  </a:rPr>
-                  <a:t>To compute </a:t>
-                </a:r>
-                <a14:m>
-                  <m:oMath xmlns:m="http://schemas.openxmlformats.org/officeDocument/2006/math">
-                    <m:sSup>
-                      <m:sSupPr>
-                        <m:ctrlPr>
-                          <a:rPr lang="en-US" sz="2000" i="1">
-                            <a:solidFill>
-                              <a:srgbClr val="404040"/>
-                            </a:solidFill>
-                            <a:latin typeface="Cambria Math" panose="02040503050406030204" pitchFamily="18" charset="0"/>
-                          </a:rPr>
-                        </m:ctrlPr>
-                      </m:sSupPr>
-                      <m:e>
-                        <m:r>
-                          <a:rPr lang="en-US" sz="2000" i="1">
-                            <a:solidFill>
-                              <a:srgbClr val="404040"/>
-                            </a:solidFill>
-                            <a:latin typeface="Cambria Math" panose="02040503050406030204" pitchFamily="18" charset="0"/>
-                          </a:rPr>
-                          <m:t>𝐹</m:t>
-                        </m:r>
-                      </m:e>
-                      <m:sup>
-                        <m:r>
-                          <a:rPr lang="en-US" sz="2000" i="1">
-                            <a:solidFill>
-                              <a:srgbClr val="404040"/>
-                            </a:solidFill>
-                            <a:latin typeface="Cambria Math" panose="02040503050406030204" pitchFamily="18" charset="0"/>
-                          </a:rPr>
-                          <m:t>−1</m:t>
-                        </m:r>
-                      </m:sup>
-                    </m:sSup>
-                    <m:d>
-                      <m:dPr>
-                        <m:ctrlPr>
-                          <a:rPr lang="en-US" sz="2000" i="1">
-                            <a:solidFill>
-                              <a:srgbClr val="404040"/>
-                            </a:solidFill>
-                            <a:latin typeface="Cambria Math" panose="02040503050406030204" pitchFamily="18" charset="0"/>
-                          </a:rPr>
-                        </m:ctrlPr>
-                      </m:dPr>
-                      <m:e>
-                        <m:r>
-                          <a:rPr lang="en-US" sz="2000" i="1">
-                            <a:solidFill>
-                              <a:srgbClr val="404040"/>
-                            </a:solidFill>
-                            <a:latin typeface="Cambria Math" panose="02040503050406030204" pitchFamily="18" charset="0"/>
-                          </a:rPr>
-                          <m:t>𝑈</m:t>
-                        </m:r>
-                      </m:e>
-                    </m:d>
-                  </m:oMath>
-                </a14:m>
-                <a:r>
-                  <a:rPr lang="en-US" sz="2000" dirty="0">
-                    <a:solidFill>
-                      <a:srgbClr val="404040"/>
-                    </a:solidFill>
-                    <a:latin typeface="Corbel" panose="020B0503020204020204" pitchFamily="34" charset="0"/>
-                  </a:rPr>
-                  <a:t>, we set </a:t>
-                </a:r>
-                <a14:m>
-                  <m:oMath xmlns:m="http://schemas.openxmlformats.org/officeDocument/2006/math">
-                    <m:r>
-                      <a:rPr lang="en-US" sz="2000" b="0" i="1" smtClean="0">
-                        <a:solidFill>
-                          <a:srgbClr val="404040"/>
-                        </a:solidFill>
-                        <a:latin typeface="Cambria Math" panose="02040503050406030204" pitchFamily="18" charset="0"/>
-                      </a:rPr>
-                      <m:t>𝑢</m:t>
-                    </m:r>
-                    <m:r>
-                      <a:rPr lang="en-US" sz="2000" b="0" i="1" smtClean="0">
-                        <a:solidFill>
-                          <a:srgbClr val="404040"/>
-                        </a:solidFill>
-                        <a:latin typeface="Cambria Math" panose="02040503050406030204" pitchFamily="18" charset="0"/>
-                      </a:rPr>
-                      <m:t>=</m:t>
-                    </m:r>
-                    <m:r>
-                      <a:rPr lang="en-US" sz="2000" i="1">
-                        <a:solidFill>
-                          <a:srgbClr val="404040"/>
-                        </a:solidFill>
-                        <a:latin typeface="Cambria Math" panose="02040503050406030204" pitchFamily="18" charset="0"/>
-                      </a:rPr>
-                      <m:t>𝐹</m:t>
-                    </m:r>
-                    <m:r>
-                      <a:rPr lang="en-US" sz="2000" b="0" i="1" smtClean="0">
-                        <a:solidFill>
-                          <a:srgbClr val="404040"/>
-                        </a:solidFill>
-                        <a:latin typeface="Cambria Math" panose="02040503050406030204" pitchFamily="18" charset="0"/>
-                      </a:rPr>
-                      <m:t>(</m:t>
-                    </m:r>
-                    <m:r>
-                      <a:rPr lang="en-US" sz="2000" b="0" i="1" smtClean="0">
-                        <a:solidFill>
-                          <a:srgbClr val="404040"/>
-                        </a:solidFill>
-                        <a:latin typeface="Cambria Math" panose="02040503050406030204" pitchFamily="18" charset="0"/>
-                      </a:rPr>
-                      <m:t>𝑥</m:t>
-                    </m:r>
-                    <m:r>
-                      <a:rPr lang="en-US" sz="2000" b="0" i="1" smtClean="0">
-                        <a:solidFill>
-                          <a:srgbClr val="404040"/>
-                        </a:solidFill>
-                        <a:latin typeface="Cambria Math" panose="02040503050406030204" pitchFamily="18" charset="0"/>
-                      </a:rPr>
-                      <m:t>)</m:t>
-                    </m:r>
-                  </m:oMath>
-                </a14:m>
-                <a:r>
-                  <a:rPr lang="en-US" sz="2000" dirty="0">
-                    <a:solidFill>
-                      <a:srgbClr val="404040"/>
-                    </a:solidFill>
-                    <a:latin typeface="Corbel" panose="020B0503020204020204" pitchFamily="34" charset="0"/>
-                  </a:rPr>
-                  <a:t> and solve for </a:t>
-                </a:r>
-                <a14:m>
-                  <m:oMath xmlns:m="http://schemas.openxmlformats.org/officeDocument/2006/math">
-                    <m:r>
-                      <a:rPr lang="en-US" sz="2000" i="1">
-                        <a:solidFill>
-                          <a:srgbClr val="404040"/>
-                        </a:solidFill>
-                        <a:latin typeface="Cambria Math" panose="02040503050406030204" pitchFamily="18" charset="0"/>
-                      </a:rPr>
-                      <m:t>𝑥</m:t>
-                    </m:r>
-                  </m:oMath>
-                </a14:m>
-                <a:endParaRPr lang="en-US" sz="2000" dirty="0">
-                  <a:solidFill>
-                    <a:srgbClr val="404040"/>
-                  </a:solidFill>
-                  <a:latin typeface="Corbel" panose="020B0503020204020204" pitchFamily="34" charset="0"/>
-                </a:endParaRPr>
-              </a:p>
-              <a:p>
-                <a:pPr marL="285750" indent="-285750">
-                  <a:buFont typeface="Arial" panose="020B0604020202020204" pitchFamily="34" charset="0"/>
-                  <a:buChar char="•"/>
-                </a:pPr>
-                <a:endParaRPr lang="en-US" sz="2000" dirty="0">
-                  <a:solidFill>
-                    <a:srgbClr val="404040"/>
-                  </a:solidFill>
-                  <a:latin typeface="Corbel" panose="020B0503020204020204" pitchFamily="34" charset="0"/>
-                </a:endParaRPr>
-              </a:p>
-              <a:p>
-                <a:pPr marL="285750" indent="-285750">
-                  <a:buFont typeface="Arial" panose="020B0604020202020204" pitchFamily="34" charset="0"/>
-                  <a:buChar char="•"/>
-                </a:pPr>
-                <a:endParaRPr lang="en-US" sz="2000" dirty="0">
-                  <a:solidFill>
-                    <a:srgbClr val="404040"/>
-                  </a:solidFill>
-                  <a:latin typeface="Corbel" panose="020B0503020204020204" pitchFamily="34" charset="0"/>
-                </a:endParaRPr>
-              </a:p>
-              <a:p>
-                <a:pPr marL="285750" indent="-285750">
-                  <a:buFont typeface="Arial" panose="020B0604020202020204" pitchFamily="34" charset="0"/>
-                  <a:buChar char="•"/>
-                </a:pPr>
-                <a:endParaRPr lang="en-US" sz="2000" dirty="0">
-                  <a:solidFill>
-                    <a:srgbClr val="404040"/>
-                  </a:solidFill>
-                  <a:latin typeface="Corbel" panose="020B0503020204020204" pitchFamily="34" charset="0"/>
-                </a:endParaRPr>
-              </a:p>
-              <a:p>
-                <a:pPr marL="285750" indent="-285750">
-                  <a:buFont typeface="Arial" panose="020B0604020202020204" pitchFamily="34" charset="0"/>
-                  <a:buChar char="•"/>
-                </a:pPr>
-                <a:endParaRPr lang="en-US" sz="2000" dirty="0">
-                  <a:solidFill>
-                    <a:srgbClr val="404040"/>
-                  </a:solidFill>
-                  <a:latin typeface="Corbel" panose="020B0503020204020204" pitchFamily="34" charset="0"/>
-                </a:endParaRPr>
-              </a:p>
-              <a:p>
-                <a:pPr marL="285750" indent="-285750">
-                  <a:buFont typeface="Arial" panose="020B0604020202020204" pitchFamily="34" charset="0"/>
-                  <a:buChar char="•"/>
-                </a:pPr>
-                <a:endParaRPr lang="en-US" sz="2000" dirty="0">
-                  <a:solidFill>
-                    <a:srgbClr val="404040"/>
-                  </a:solidFill>
-                  <a:latin typeface="Corbel" panose="020B0503020204020204" pitchFamily="34" charset="0"/>
-                </a:endParaRPr>
-              </a:p>
-              <a:p>
-                <a:pPr marL="285750" indent="-285750">
-                  <a:buFont typeface="Arial" panose="020B0604020202020204" pitchFamily="34" charset="0"/>
-                  <a:buChar char="•"/>
-                </a:pPr>
-                <a:r>
-                  <a:rPr lang="en-US" sz="2000" dirty="0">
-                    <a:solidFill>
-                      <a:srgbClr val="404040"/>
-                    </a:solidFill>
-                    <a:latin typeface="Corbel" panose="020B0503020204020204" pitchFamily="34" charset="0"/>
-                  </a:rPr>
-                  <a:t>If </a:t>
-                </a:r>
-                <a14:m>
-                  <m:oMath xmlns:m="http://schemas.openxmlformats.org/officeDocument/2006/math">
-                    <m:r>
-                      <a:rPr lang="en-US" sz="2000" b="0" i="1" smtClean="0">
-                        <a:solidFill>
-                          <a:srgbClr val="404040"/>
-                        </a:solidFill>
-                        <a:latin typeface="Cambria Math" panose="02040503050406030204" pitchFamily="18" charset="0"/>
-                      </a:rPr>
-                      <m:t>𝑈</m:t>
-                    </m:r>
-                    <m:r>
-                      <a:rPr lang="en-US" sz="2000" b="0" i="1" smtClean="0">
-                        <a:solidFill>
-                          <a:srgbClr val="404040"/>
-                        </a:solidFill>
-                        <a:latin typeface="Cambria Math" panose="02040503050406030204" pitchFamily="18" charset="0"/>
-                      </a:rPr>
-                      <m:t>∼</m:t>
-                    </m:r>
-                    <m:r>
-                      <a:rPr lang="en-US" sz="2000" b="0" i="1" smtClean="0">
-                        <a:solidFill>
-                          <a:srgbClr val="404040"/>
-                        </a:solidFill>
-                        <a:latin typeface="Cambria Math" panose="02040503050406030204" pitchFamily="18" charset="0"/>
-                      </a:rPr>
-                      <m:t>𝑈𝑛𝑖𝑓𝑜𝑟𝑚</m:t>
-                    </m:r>
-                    <m:r>
-                      <a:rPr lang="en-US" sz="2000" b="0" i="1" smtClean="0">
-                        <a:solidFill>
-                          <a:srgbClr val="404040"/>
-                        </a:solidFill>
-                        <a:latin typeface="Cambria Math" panose="02040503050406030204" pitchFamily="18" charset="0"/>
-                      </a:rPr>
-                      <m:t>[0,1]</m:t>
-                    </m:r>
-                  </m:oMath>
-                </a14:m>
-                <a:r>
-                  <a:rPr lang="en-US" sz="2000" dirty="0">
-                    <a:solidFill>
-                      <a:srgbClr val="404040"/>
-                    </a:solidFill>
-                    <a:latin typeface="Corbel" panose="020B0503020204020204" pitchFamily="34" charset="0"/>
-                  </a:rPr>
-                  <a:t>, the random variable </a:t>
-                </a:r>
-                <a14:m>
-                  <m:oMath xmlns:m="http://schemas.openxmlformats.org/officeDocument/2006/math">
-                    <m:r>
-                      <a:rPr lang="en-US" sz="2000" b="0" i="1" smtClean="0">
-                        <a:solidFill>
-                          <a:srgbClr val="404040"/>
-                        </a:solidFill>
-                        <a:latin typeface="Cambria Math" panose="02040503050406030204" pitchFamily="18" charset="0"/>
-                      </a:rPr>
-                      <m:t>𝑋</m:t>
-                    </m:r>
-                    <m:r>
-                      <a:rPr lang="en-US" sz="2000" b="0" i="1" smtClean="0">
-                        <a:solidFill>
-                          <a:srgbClr val="404040"/>
-                        </a:solidFill>
-                        <a:latin typeface="Cambria Math" panose="02040503050406030204" pitchFamily="18" charset="0"/>
-                      </a:rPr>
-                      <m:t>=−</m:t>
-                    </m:r>
-                    <m:f>
-                      <m:fPr>
-                        <m:ctrlPr>
-                          <a:rPr lang="en-US" sz="2000" b="0" i="1" smtClean="0">
-                            <a:solidFill>
-                              <a:srgbClr val="404040"/>
-                            </a:solidFill>
-                            <a:latin typeface="Cambria Math" panose="02040503050406030204" pitchFamily="18" charset="0"/>
-                          </a:rPr>
-                        </m:ctrlPr>
-                      </m:fPr>
-                      <m:num>
-                        <m:r>
-                          <a:rPr lang="en-US" sz="2000" b="0" i="1" smtClean="0">
-                            <a:solidFill>
-                              <a:srgbClr val="404040"/>
-                            </a:solidFill>
-                            <a:latin typeface="Cambria Math" panose="02040503050406030204" pitchFamily="18" charset="0"/>
-                          </a:rPr>
-                          <m:t>1</m:t>
-                        </m:r>
-                      </m:num>
-                      <m:den>
-                        <m:r>
-                          <a:rPr lang="en-US" sz="2000" b="0" i="1" smtClean="0">
-                            <a:solidFill>
-                              <a:srgbClr val="404040"/>
-                            </a:solidFill>
-                            <a:latin typeface="Cambria Math" panose="02040503050406030204" pitchFamily="18" charset="0"/>
-                          </a:rPr>
-                          <m:t>𝜆</m:t>
-                        </m:r>
-                      </m:den>
-                    </m:f>
-                    <m:func>
-                      <m:funcPr>
-                        <m:ctrlPr>
-                          <a:rPr lang="en-US" sz="2000" b="0" i="1" smtClean="0">
-                            <a:solidFill>
-                              <a:srgbClr val="404040"/>
-                            </a:solidFill>
-                            <a:latin typeface="Cambria Math" panose="02040503050406030204" pitchFamily="18" charset="0"/>
-                          </a:rPr>
-                        </m:ctrlPr>
-                      </m:funcPr>
-                      <m:fName>
-                        <m:r>
-                          <m:rPr>
-                            <m:sty m:val="p"/>
-                          </m:rPr>
-                          <a:rPr lang="en-US" sz="2000" b="0" i="0" smtClean="0">
-                            <a:solidFill>
-                              <a:srgbClr val="404040"/>
-                            </a:solidFill>
-                            <a:latin typeface="Cambria Math" panose="02040503050406030204" pitchFamily="18" charset="0"/>
-                          </a:rPr>
-                          <m:t>ln</m:t>
-                        </m:r>
-                      </m:fName>
-                      <m:e>
-                        <m:d>
-                          <m:dPr>
-                            <m:ctrlPr>
-                              <a:rPr lang="en-US" sz="2000" b="0" i="1" smtClean="0">
-                                <a:solidFill>
-                                  <a:srgbClr val="404040"/>
-                                </a:solidFill>
-                                <a:latin typeface="Cambria Math" panose="02040503050406030204" pitchFamily="18" charset="0"/>
-                              </a:rPr>
-                            </m:ctrlPr>
-                          </m:dPr>
-                          <m:e>
-                            <m:r>
-                              <a:rPr lang="en-US" sz="2000" b="0" i="1" smtClean="0">
-                                <a:solidFill>
-                                  <a:srgbClr val="404040"/>
-                                </a:solidFill>
-                                <a:latin typeface="Cambria Math" panose="02040503050406030204" pitchFamily="18" charset="0"/>
-                              </a:rPr>
-                              <m:t>1−</m:t>
-                            </m:r>
-                            <m:r>
-                              <a:rPr lang="en-US" sz="2000" b="0" i="1" smtClean="0">
-                                <a:solidFill>
-                                  <a:srgbClr val="404040"/>
-                                </a:solidFill>
-                                <a:latin typeface="Cambria Math" panose="02040503050406030204" pitchFamily="18" charset="0"/>
-                              </a:rPr>
-                              <m:t>𝑈</m:t>
-                            </m:r>
-                          </m:e>
-                        </m:d>
-                      </m:e>
-                    </m:func>
-                  </m:oMath>
-                </a14:m>
-                <a:r>
-                  <a:rPr lang="en-US" sz="2000" dirty="0">
-                    <a:solidFill>
-                      <a:srgbClr val="404040"/>
-                    </a:solidFill>
-                    <a:latin typeface="Corbel" panose="020B0503020204020204" pitchFamily="34" charset="0"/>
-                  </a:rPr>
-                  <a:t> is an exponentially distributed random variable with rate </a:t>
-                </a:r>
-                <a14:m>
-                  <m:oMath xmlns:m="http://schemas.openxmlformats.org/officeDocument/2006/math">
-                    <m:r>
-                      <a:rPr lang="en-US" sz="2000" b="0" i="1" smtClean="0">
-                        <a:solidFill>
-                          <a:srgbClr val="404040"/>
-                        </a:solidFill>
-                        <a:latin typeface="Cambria Math" panose="02040503050406030204" pitchFamily="18" charset="0"/>
-                      </a:rPr>
-                      <m:t>𝜆</m:t>
-                    </m:r>
-                  </m:oMath>
-                </a14:m>
-                <a:endParaRPr lang="en-US" sz="2000" dirty="0">
-                  <a:solidFill>
-                    <a:srgbClr val="404040"/>
-                  </a:solidFill>
-                  <a:latin typeface="Corbel" panose="020B0503020204020204" pitchFamily="34" charset="0"/>
-                </a:endParaRPr>
-              </a:p>
-            </p:txBody>
-          </p:sp>
-        </mc:Choice>
-        <mc:Fallback>
-          <p:sp>
-            <p:nvSpPr>
-              <p:cNvPr id="36" name="TextBox 35">
-                <a:extLst>
-                  <a:ext uri="{FF2B5EF4-FFF2-40B4-BE49-F238E27FC236}">
-                    <a16:creationId xmlns:a16="http://schemas.microsoft.com/office/drawing/2014/main" id="{389720C5-6DCB-428D-8C4F-A02DEC239333}"/>
-                  </a:ext>
-                </a:extLst>
-              </p:cNvPr>
-              <p:cNvSpPr txBox="1">
-                <a:spLocks noRot="1" noChangeAspect="1" noMove="1" noResize="1" noEditPoints="1" noAdjustHandles="1" noChangeArrowheads="1" noChangeShapeType="1" noTextEdit="1"/>
-              </p:cNvSpPr>
-              <p:nvPr/>
-            </p:nvSpPr>
-            <p:spPr>
-              <a:xfrm>
-                <a:off x="773934" y="1947592"/>
-                <a:ext cx="9018070" cy="4837478"/>
-              </a:xfrm>
-              <a:prstGeom prst="rect">
-                <a:avLst/>
-              </a:prstGeom>
-              <a:blipFill>
-                <a:blip r:embed="rId3"/>
-                <a:stretch>
-                  <a:fillRect l="-609" t="-630" b="-1259"/>
-                </a:stretch>
-              </a:blipFill>
-            </p:spPr>
-            <p:txBody>
-              <a:bodyPr/>
-              <a:lstStyle/>
-              <a:p>
-                <a:r>
-                  <a:rPr lang="en-US">
-                    <a:noFill/>
-                  </a:rPr>
-                  <a:t> </a:t>
-                </a:r>
-              </a:p>
-            </p:txBody>
-          </p:sp>
-        </mc:Fallback>
-      </mc:AlternateContent>
-      <p:sp>
-        <p:nvSpPr>
-          <p:cNvPr id="28" name="Rectangle 27">
-            <a:extLst>
-              <a:ext uri="{FF2B5EF4-FFF2-40B4-BE49-F238E27FC236}">
-                <a16:creationId xmlns:a16="http://schemas.microsoft.com/office/drawing/2014/main" id="{1568D3DA-67F7-464C-95FF-D7D56F4038D6}"/>
-              </a:ext>
-            </a:extLst>
-          </p:cNvPr>
-          <p:cNvSpPr/>
-          <p:nvPr/>
-        </p:nvSpPr>
-        <p:spPr>
-          <a:xfrm rot="19800000">
-            <a:off x="-597297" y="674901"/>
-            <a:ext cx="4026751" cy="269178"/>
-          </a:xfrm>
-          <a:prstGeom prst="rect">
-            <a:avLst/>
-          </a:prstGeom>
-          <a:solidFill>
-            <a:srgbClr val="A71B86"/>
-          </a:solidFill>
-          <a:ln>
-            <a:noFill/>
-          </a:ln>
-        </p:spPr>
-        <p:style>
-          <a:lnRef idx="2">
-            <a:schemeClr val="accent1">
-              <a:shade val="50000"/>
-            </a:schemeClr>
-          </a:lnRef>
-          <a:fillRef idx="1">
-            <a:schemeClr val="accent1"/>
-          </a:fillRef>
-          <a:effectRef idx="0">
-            <a:schemeClr val="accent1"/>
-          </a:effectRef>
-          <a:fontRef idx="minor">
-            <a:schemeClr val="lt1"/>
-          </a:fontRef>
-        </p:style>
-        <p:txBody>
-          <a:bodyPr rtlCol="0" anchor="ctr"/>
-          <a:lstStyle/>
-          <a:p>
-            <a:pPr algn="ctr"/>
-            <a:endParaRPr lang="en-US"/>
-          </a:p>
-        </p:txBody>
-      </p:sp>
-      <p:pic>
-        <p:nvPicPr>
-          <p:cNvPr id="11" name="Picture 10" descr="A large body of water&#10;&#10;Description automatically generated">
-            <a:extLst>
-              <a:ext uri="{FF2B5EF4-FFF2-40B4-BE49-F238E27FC236}">
-                <a16:creationId xmlns:a16="http://schemas.microsoft.com/office/drawing/2014/main" id="{B83B0471-BE25-41B4-B185-53BEB6528B89}"/>
-              </a:ext>
-            </a:extLst>
-          </p:cNvPr>
-          <p:cNvPicPr>
-            <a:picLocks noChangeAspect="1"/>
-          </p:cNvPicPr>
-          <p:nvPr/>
-        </p:nvPicPr>
-        <p:blipFill rotWithShape="1">
-          <a:blip r:embed="rId4">
-            <a:alphaModFix amt="20000"/>
-            <a:extLst>
-              <a:ext uri="{28A0092B-C50C-407E-A947-70E740481C1C}">
-                <a14:useLocalDpi xmlns:a14="http://schemas.microsoft.com/office/drawing/2010/main" val="0"/>
-              </a:ext>
-            </a:extLst>
-          </a:blip>
-          <a:srcRect t="34654" b="43573"/>
-          <a:stretch/>
-        </p:blipFill>
-        <p:spPr>
-          <a:xfrm>
-            <a:off x="766188" y="457321"/>
-            <a:ext cx="9018070" cy="1308226"/>
-          </a:xfrm>
-          <a:prstGeom prst="rect">
-            <a:avLst/>
-          </a:prstGeom>
-        </p:spPr>
-      </p:pic>
-      <p:sp>
-        <p:nvSpPr>
-          <p:cNvPr id="34" name="Rectangle 33">
-            <a:extLst>
-              <a:ext uri="{FF2B5EF4-FFF2-40B4-BE49-F238E27FC236}">
-                <a16:creationId xmlns:a16="http://schemas.microsoft.com/office/drawing/2014/main" id="{BFE7775A-1FAD-4E84-8B9E-DA4B39640B5E}"/>
-              </a:ext>
-            </a:extLst>
-          </p:cNvPr>
-          <p:cNvSpPr/>
-          <p:nvPr/>
-        </p:nvSpPr>
-        <p:spPr>
-          <a:xfrm rot="19800000">
-            <a:off x="9089102" y="5937184"/>
-            <a:ext cx="4026751" cy="269178"/>
-          </a:xfrm>
-          <a:prstGeom prst="rect">
-            <a:avLst/>
-          </a:prstGeom>
-          <a:solidFill>
-            <a:srgbClr val="A71B86"/>
-          </a:solidFill>
-          <a:ln>
-            <a:noFill/>
-          </a:ln>
-        </p:spPr>
-        <p:style>
-          <a:lnRef idx="2">
-            <a:schemeClr val="accent1">
-              <a:shade val="50000"/>
-            </a:schemeClr>
-          </a:lnRef>
-          <a:fillRef idx="1">
-            <a:schemeClr val="accent1"/>
-          </a:fillRef>
-          <a:effectRef idx="0">
-            <a:schemeClr val="accent1"/>
-          </a:effectRef>
-          <a:fontRef idx="minor">
-            <a:schemeClr val="lt1"/>
-          </a:fontRef>
-        </p:style>
-        <p:txBody>
-          <a:bodyPr rtlCol="0" anchor="ctr"/>
-          <a:lstStyle/>
-          <a:p>
-            <a:pPr algn="ctr"/>
-            <a:endParaRPr lang="en-US"/>
-          </a:p>
-        </p:txBody>
-      </p:sp>
-      <p:sp>
-        <p:nvSpPr>
-          <p:cNvPr id="2" name="Title 1">
-            <a:extLst>
-              <a:ext uri="{FF2B5EF4-FFF2-40B4-BE49-F238E27FC236}">
-                <a16:creationId xmlns:a16="http://schemas.microsoft.com/office/drawing/2014/main" id="{95D79E09-6E77-4F87-B358-F18D99FA343D}"/>
-              </a:ext>
-            </a:extLst>
-          </p:cNvPr>
-          <p:cNvSpPr>
-            <a:spLocks noGrp="1"/>
-          </p:cNvSpPr>
-          <p:nvPr>
-            <p:ph type="title"/>
-          </p:nvPr>
-        </p:nvSpPr>
-        <p:spPr>
-          <a:xfrm>
-            <a:off x="773934" y="425128"/>
-            <a:ext cx="9018070" cy="1325563"/>
-          </a:xfrm>
-          <a:noFill/>
-          <a:ln w="76200">
-            <a:solidFill>
-              <a:srgbClr val="11B29F"/>
-            </a:solidFill>
-          </a:ln>
-        </p:spPr>
-        <p:txBody>
-          <a:bodyPr/>
-          <a:lstStyle/>
-          <a:p>
-            <a:pPr algn="ctr"/>
-            <a:r>
-              <a:rPr lang="en-US" dirty="0">
-                <a:solidFill>
-                  <a:srgbClr val="404040"/>
-                </a:solidFill>
-                <a:latin typeface="Bodoni MT" panose="02070603080606020203" pitchFamily="18" charset="0"/>
-              </a:rPr>
-              <a:t>Ex: Exponential Simulation</a:t>
-            </a:r>
-          </a:p>
-        </p:txBody>
-      </p:sp>
-      <p:pic>
-        <p:nvPicPr>
-          <p:cNvPr id="5" name="Content Placeholder 4" descr="A picture containing cage&#10;&#10;Description automatically generated">
-            <a:extLst>
-              <a:ext uri="{FF2B5EF4-FFF2-40B4-BE49-F238E27FC236}">
-                <a16:creationId xmlns:a16="http://schemas.microsoft.com/office/drawing/2014/main" id="{EF817497-4F98-4236-83EE-74FD8376B077}"/>
-              </a:ext>
-            </a:extLst>
-          </p:cNvPr>
-          <p:cNvPicPr>
-            <a:picLocks noGrp="1" noChangeAspect="1"/>
-          </p:cNvPicPr>
-          <p:nvPr>
-            <p:ph idx="1"/>
-          </p:nvPr>
-        </p:nvPicPr>
-        <p:blipFill>
-          <a:blip r:embed="rId5">
-            <a:extLst>
-              <a:ext uri="{28A0092B-C50C-407E-A947-70E740481C1C}">
-                <a14:useLocalDpi xmlns:a14="http://schemas.microsoft.com/office/drawing/2010/main" val="0"/>
-              </a:ext>
-            </a:extLst>
-          </a:blip>
-          <a:stretch>
-            <a:fillRect/>
-          </a:stretch>
-        </p:blipFill>
-        <p:spPr>
-          <a:xfrm>
-            <a:off x="9887140" y="47697"/>
-            <a:ext cx="2143125" cy="2143125"/>
-          </a:xfrm>
-        </p:spPr>
-      </p:pic>
-      <p:sp>
-        <p:nvSpPr>
-          <p:cNvPr id="17" name="Rectangle 16">
-            <a:extLst>
-              <a:ext uri="{FF2B5EF4-FFF2-40B4-BE49-F238E27FC236}">
-                <a16:creationId xmlns:a16="http://schemas.microsoft.com/office/drawing/2014/main" id="{C723ED3C-F5E6-4121-9EF2-DD9574E1A49F}"/>
-              </a:ext>
-            </a:extLst>
-          </p:cNvPr>
-          <p:cNvSpPr/>
-          <p:nvPr/>
-        </p:nvSpPr>
-        <p:spPr>
-          <a:xfrm>
-            <a:off x="10085294" y="2008116"/>
-            <a:ext cx="1776920" cy="76178"/>
-          </a:xfrm>
-          <a:prstGeom prst="rect">
-            <a:avLst/>
-          </a:prstGeom>
-          <a:solidFill>
-            <a:srgbClr val="11B29F"/>
-          </a:solidFill>
-          <a:ln>
-            <a:noFill/>
-          </a:ln>
-        </p:spPr>
-        <p:style>
-          <a:lnRef idx="2">
-            <a:schemeClr val="accent1">
-              <a:shade val="50000"/>
-            </a:schemeClr>
-          </a:lnRef>
-          <a:fillRef idx="1">
-            <a:schemeClr val="accent1"/>
-          </a:fillRef>
-          <a:effectRef idx="0">
-            <a:schemeClr val="accent1"/>
-          </a:effectRef>
-          <a:fontRef idx="minor">
-            <a:schemeClr val="lt1"/>
-          </a:fontRef>
-        </p:style>
-        <p:txBody>
-          <a:bodyPr rtlCol="0" anchor="ctr"/>
-          <a:lstStyle/>
-          <a:p>
-            <a:pPr algn="ctr"/>
-            <a:endParaRPr lang="en-US"/>
-          </a:p>
-        </p:txBody>
-      </p:sp>
-      <p:sp>
-        <p:nvSpPr>
-          <p:cNvPr id="21" name="Rectangle 20">
-            <a:extLst>
-              <a:ext uri="{FF2B5EF4-FFF2-40B4-BE49-F238E27FC236}">
-                <a16:creationId xmlns:a16="http://schemas.microsoft.com/office/drawing/2014/main" id="{F9E0EC60-66D4-4536-A867-30142339BAA7}"/>
-              </a:ext>
-            </a:extLst>
-          </p:cNvPr>
-          <p:cNvSpPr/>
-          <p:nvPr/>
-        </p:nvSpPr>
-        <p:spPr>
-          <a:xfrm>
-            <a:off x="10085294" y="2129819"/>
-            <a:ext cx="1776920" cy="76178"/>
-          </a:xfrm>
-          <a:prstGeom prst="rect">
-            <a:avLst/>
-          </a:prstGeom>
-          <a:solidFill>
-            <a:srgbClr val="A71B86"/>
-          </a:solidFill>
-          <a:ln>
-            <a:noFill/>
-          </a:ln>
-        </p:spPr>
-        <p:style>
-          <a:lnRef idx="2">
-            <a:schemeClr val="accent1">
-              <a:shade val="50000"/>
-            </a:schemeClr>
-          </a:lnRef>
-          <a:fillRef idx="1">
-            <a:schemeClr val="accent1"/>
-          </a:fillRef>
-          <a:effectRef idx="0">
-            <a:schemeClr val="accent1"/>
-          </a:effectRef>
-          <a:fontRef idx="minor">
-            <a:schemeClr val="lt1"/>
-          </a:fontRef>
-        </p:style>
-        <p:txBody>
-          <a:bodyPr rtlCol="0" anchor="ctr"/>
-          <a:lstStyle/>
-          <a:p>
-            <a:pPr algn="ctr"/>
-            <a:endParaRPr lang="en-US"/>
-          </a:p>
-        </p:txBody>
-      </p:sp>
-      <p:sp>
-        <p:nvSpPr>
-          <p:cNvPr id="22" name="Rectangle 21">
-            <a:extLst>
-              <a:ext uri="{FF2B5EF4-FFF2-40B4-BE49-F238E27FC236}">
-                <a16:creationId xmlns:a16="http://schemas.microsoft.com/office/drawing/2014/main" id="{F95AED49-24A8-4D10-9D31-F944565EC1B2}"/>
-              </a:ext>
-            </a:extLst>
-          </p:cNvPr>
-          <p:cNvSpPr/>
-          <p:nvPr/>
-        </p:nvSpPr>
-        <p:spPr>
-          <a:xfrm>
-            <a:off x="10085294" y="2251522"/>
-            <a:ext cx="1776920" cy="150200"/>
-          </a:xfrm>
-          <a:prstGeom prst="rect">
-            <a:avLst/>
-          </a:prstGeom>
-          <a:solidFill>
-            <a:srgbClr val="11B29F"/>
-          </a:solidFill>
-          <a:ln>
-            <a:noFill/>
-          </a:ln>
-        </p:spPr>
-        <p:style>
-          <a:lnRef idx="2">
-            <a:schemeClr val="accent1">
-              <a:shade val="50000"/>
-            </a:schemeClr>
-          </a:lnRef>
-          <a:fillRef idx="1">
-            <a:schemeClr val="accent1"/>
-          </a:fillRef>
-          <a:effectRef idx="0">
-            <a:schemeClr val="accent1"/>
-          </a:effectRef>
-          <a:fontRef idx="minor">
-            <a:schemeClr val="lt1"/>
-          </a:fontRef>
-        </p:style>
-        <p:txBody>
-          <a:bodyPr rtlCol="0" anchor="ctr"/>
-          <a:lstStyle/>
-          <a:p>
-            <a:pPr algn="ctr"/>
-            <a:endParaRPr lang="en-US"/>
-          </a:p>
-        </p:txBody>
-      </p:sp>
-      <p:sp>
-        <p:nvSpPr>
-          <p:cNvPr id="24" name="Rectangle 23">
-            <a:extLst>
-              <a:ext uri="{FF2B5EF4-FFF2-40B4-BE49-F238E27FC236}">
-                <a16:creationId xmlns:a16="http://schemas.microsoft.com/office/drawing/2014/main" id="{993D5826-407C-4F65-BE3A-EB593B942A36}"/>
-              </a:ext>
-            </a:extLst>
-          </p:cNvPr>
-          <p:cNvSpPr/>
-          <p:nvPr/>
-        </p:nvSpPr>
-        <p:spPr>
-          <a:xfrm>
-            <a:off x="10085294" y="2447247"/>
-            <a:ext cx="1776920" cy="150200"/>
-          </a:xfrm>
-          <a:prstGeom prst="rect">
-            <a:avLst/>
-          </a:prstGeom>
-          <a:solidFill>
-            <a:srgbClr val="A71B86"/>
-          </a:solidFill>
-          <a:ln>
-            <a:noFill/>
-          </a:ln>
-        </p:spPr>
-        <p:style>
-          <a:lnRef idx="2">
-            <a:schemeClr val="accent1">
-              <a:shade val="50000"/>
-            </a:schemeClr>
-          </a:lnRef>
-          <a:fillRef idx="1">
-            <a:schemeClr val="accent1"/>
-          </a:fillRef>
-          <a:effectRef idx="0">
-            <a:schemeClr val="accent1"/>
-          </a:effectRef>
-          <a:fontRef idx="minor">
-            <a:schemeClr val="lt1"/>
-          </a:fontRef>
-        </p:style>
-        <p:txBody>
-          <a:bodyPr rtlCol="0" anchor="ctr"/>
-          <a:lstStyle/>
-          <a:p>
-            <a:pPr algn="ctr"/>
-            <a:endParaRPr lang="en-US"/>
-          </a:p>
-        </p:txBody>
-      </p:sp>
-      <p:sp>
-        <p:nvSpPr>
-          <p:cNvPr id="25" name="Rectangle 24">
-            <a:extLst>
-              <a:ext uri="{FF2B5EF4-FFF2-40B4-BE49-F238E27FC236}">
-                <a16:creationId xmlns:a16="http://schemas.microsoft.com/office/drawing/2014/main" id="{D2785A94-4D0B-4559-9303-3C963AA0EF9A}"/>
-              </a:ext>
-            </a:extLst>
-          </p:cNvPr>
-          <p:cNvSpPr/>
-          <p:nvPr/>
-        </p:nvSpPr>
-        <p:spPr>
-          <a:xfrm>
-            <a:off x="10085294" y="2642972"/>
-            <a:ext cx="1776920" cy="362446"/>
-          </a:xfrm>
-          <a:prstGeom prst="rect">
-            <a:avLst/>
-          </a:prstGeom>
-          <a:solidFill>
-            <a:srgbClr val="11B29F"/>
-          </a:solidFill>
-          <a:ln>
-            <a:noFill/>
-          </a:ln>
-        </p:spPr>
-        <p:style>
-          <a:lnRef idx="2">
-            <a:schemeClr val="accent1">
-              <a:shade val="50000"/>
-            </a:schemeClr>
-          </a:lnRef>
-          <a:fillRef idx="1">
-            <a:schemeClr val="accent1"/>
-          </a:fillRef>
-          <a:effectRef idx="0">
-            <a:schemeClr val="accent1"/>
-          </a:effectRef>
-          <a:fontRef idx="minor">
-            <a:schemeClr val="lt1"/>
-          </a:fontRef>
-        </p:style>
-        <p:txBody>
-          <a:bodyPr rtlCol="0" anchor="ctr"/>
-          <a:lstStyle/>
-          <a:p>
-            <a:pPr algn="ctr"/>
-            <a:endParaRPr lang="en-US"/>
-          </a:p>
-        </p:txBody>
-      </p:sp>
-      <p:sp>
-        <p:nvSpPr>
-          <p:cNvPr id="26" name="Rectangle 25">
-            <a:extLst>
-              <a:ext uri="{FF2B5EF4-FFF2-40B4-BE49-F238E27FC236}">
-                <a16:creationId xmlns:a16="http://schemas.microsoft.com/office/drawing/2014/main" id="{B235F2E9-4558-433D-9527-7EFF5C5E78A8}"/>
-              </a:ext>
-            </a:extLst>
-          </p:cNvPr>
-          <p:cNvSpPr/>
-          <p:nvPr/>
-        </p:nvSpPr>
-        <p:spPr>
-          <a:xfrm>
-            <a:off x="10085294" y="3050943"/>
-            <a:ext cx="1776920" cy="362446"/>
-          </a:xfrm>
-          <a:prstGeom prst="rect">
-            <a:avLst/>
-          </a:prstGeom>
-          <a:solidFill>
-            <a:srgbClr val="A71B86"/>
-          </a:solidFill>
-          <a:ln>
-            <a:noFill/>
-          </a:ln>
-        </p:spPr>
-        <p:style>
-          <a:lnRef idx="2">
-            <a:schemeClr val="accent1">
-              <a:shade val="50000"/>
-            </a:schemeClr>
-          </a:lnRef>
-          <a:fillRef idx="1">
-            <a:schemeClr val="accent1"/>
-          </a:fillRef>
-          <a:effectRef idx="0">
-            <a:schemeClr val="accent1"/>
-          </a:effectRef>
-          <a:fontRef idx="minor">
-            <a:schemeClr val="lt1"/>
-          </a:fontRef>
-        </p:style>
-        <p:txBody>
-          <a:bodyPr rtlCol="0" anchor="ctr"/>
-          <a:lstStyle/>
-          <a:p>
-            <a:pPr algn="ctr"/>
-            <a:endParaRPr lang="en-US"/>
-          </a:p>
-        </p:txBody>
-      </p:sp>
-      <p:sp>
-        <p:nvSpPr>
-          <p:cNvPr id="27" name="Rectangle 26">
-            <a:extLst>
-              <a:ext uri="{FF2B5EF4-FFF2-40B4-BE49-F238E27FC236}">
-                <a16:creationId xmlns:a16="http://schemas.microsoft.com/office/drawing/2014/main" id="{99613B87-411B-4008-BF30-F1A3B8F247B5}"/>
-              </a:ext>
-            </a:extLst>
-          </p:cNvPr>
-          <p:cNvSpPr/>
-          <p:nvPr/>
-        </p:nvSpPr>
-        <p:spPr>
-          <a:xfrm>
-            <a:off x="10085294" y="3490136"/>
-            <a:ext cx="1776920" cy="3367864"/>
-          </a:xfrm>
-          <a:prstGeom prst="rect">
-            <a:avLst/>
-          </a:prstGeom>
-          <a:solidFill>
-            <a:srgbClr val="11B29F"/>
-          </a:solidFill>
-          <a:ln>
-            <a:noFill/>
-          </a:ln>
-        </p:spPr>
-        <p:style>
-          <a:lnRef idx="2">
-            <a:schemeClr val="accent1">
-              <a:shade val="50000"/>
-            </a:schemeClr>
-          </a:lnRef>
-          <a:fillRef idx="1">
-            <a:schemeClr val="accent1"/>
-          </a:fillRef>
-          <a:effectRef idx="0">
-            <a:schemeClr val="accent1"/>
-          </a:effectRef>
-          <a:fontRef idx="minor">
-            <a:schemeClr val="lt1"/>
-          </a:fontRef>
-        </p:style>
-        <p:txBody>
-          <a:bodyPr rtlCol="0" anchor="ctr"/>
-          <a:lstStyle/>
-          <a:p>
-            <a:pPr algn="ctr"/>
-            <a:endParaRPr lang="en-US"/>
-          </a:p>
-        </p:txBody>
-      </p:sp>
-      <p:sp>
-        <p:nvSpPr>
-          <p:cNvPr id="32" name="Rectangle 31">
-            <a:extLst>
-              <a:ext uri="{FF2B5EF4-FFF2-40B4-BE49-F238E27FC236}">
-                <a16:creationId xmlns:a16="http://schemas.microsoft.com/office/drawing/2014/main" id="{145B3BD2-B1C1-4ED2-A4E0-5E17DD3736F1}"/>
-              </a:ext>
-            </a:extLst>
-          </p:cNvPr>
-          <p:cNvSpPr/>
-          <p:nvPr/>
-        </p:nvSpPr>
-        <p:spPr>
-          <a:xfrm rot="19800000">
-            <a:off x="-765351" y="385789"/>
-            <a:ext cx="4026751" cy="269178"/>
-          </a:xfrm>
-          <a:prstGeom prst="rect">
-            <a:avLst/>
-          </a:prstGeom>
-          <a:solidFill>
-            <a:srgbClr val="A71B86"/>
-          </a:solidFill>
-          <a:ln>
-            <a:noFill/>
-          </a:ln>
-        </p:spPr>
-        <p:style>
-          <a:lnRef idx="2">
-            <a:schemeClr val="accent1">
-              <a:shade val="50000"/>
-            </a:schemeClr>
-          </a:lnRef>
-          <a:fillRef idx="1">
-            <a:schemeClr val="accent1"/>
-          </a:fillRef>
-          <a:effectRef idx="0">
-            <a:schemeClr val="accent1"/>
-          </a:effectRef>
-          <a:fontRef idx="minor">
-            <a:schemeClr val="lt1"/>
-          </a:fontRef>
-        </p:style>
-        <p:txBody>
-          <a:bodyPr rtlCol="0" anchor="ctr"/>
-          <a:lstStyle/>
-          <a:p>
-            <a:pPr algn="ctr"/>
-            <a:endParaRPr lang="en-US"/>
-          </a:p>
-        </p:txBody>
-      </p:sp>
-      <p:sp>
-        <p:nvSpPr>
-          <p:cNvPr id="33" name="Rectangle 32">
-            <a:extLst>
-              <a:ext uri="{FF2B5EF4-FFF2-40B4-BE49-F238E27FC236}">
-                <a16:creationId xmlns:a16="http://schemas.microsoft.com/office/drawing/2014/main" id="{DC3B2826-65DD-408B-8F18-8CCD6C052D8D}"/>
-              </a:ext>
-            </a:extLst>
-          </p:cNvPr>
-          <p:cNvSpPr/>
-          <p:nvPr/>
-        </p:nvSpPr>
-        <p:spPr>
-          <a:xfrm rot="19800000">
-            <a:off x="9257156" y="6226296"/>
-            <a:ext cx="4026751" cy="269178"/>
-          </a:xfrm>
-          <a:prstGeom prst="rect">
-            <a:avLst/>
-          </a:prstGeom>
-          <a:solidFill>
-            <a:srgbClr val="A71B86"/>
-          </a:solidFill>
-          <a:ln>
-            <a:noFill/>
-          </a:ln>
-        </p:spPr>
-        <p:style>
-          <a:lnRef idx="2">
-            <a:schemeClr val="accent1">
-              <a:shade val="50000"/>
-            </a:schemeClr>
-          </a:lnRef>
-          <a:fillRef idx="1">
-            <a:schemeClr val="accent1"/>
-          </a:fillRef>
-          <a:effectRef idx="0">
-            <a:schemeClr val="accent1"/>
-          </a:effectRef>
-          <a:fontRef idx="minor">
-            <a:schemeClr val="lt1"/>
-          </a:fontRef>
-        </p:style>
-        <p:txBody>
-          <a:bodyPr rtlCol="0" anchor="ctr"/>
-          <a:lstStyle/>
-          <a:p>
-            <a:pPr algn="ctr"/>
-            <a:endParaRPr lang="en-US"/>
-          </a:p>
-        </p:txBody>
-      </p:sp>
-      <p:sp>
-        <p:nvSpPr>
-          <p:cNvPr id="35" name="Rectangle 34">
-            <a:extLst>
-              <a:ext uri="{FF2B5EF4-FFF2-40B4-BE49-F238E27FC236}">
-                <a16:creationId xmlns:a16="http://schemas.microsoft.com/office/drawing/2014/main" id="{4935F901-F632-4698-8C7A-AC29B2397A6C}"/>
-              </a:ext>
-            </a:extLst>
-          </p:cNvPr>
-          <p:cNvSpPr/>
-          <p:nvPr/>
-        </p:nvSpPr>
-        <p:spPr>
-          <a:xfrm rot="19800000">
-            <a:off x="8263809" y="5824178"/>
-            <a:ext cx="4731177" cy="269178"/>
-          </a:xfrm>
-          <a:prstGeom prst="rect">
-            <a:avLst/>
-          </a:prstGeom>
-          <a:solidFill>
-            <a:srgbClr val="A71B86"/>
-          </a:solidFill>
-          <a:ln>
-            <a:noFill/>
-          </a:ln>
-        </p:spPr>
-        <p:style>
-          <a:lnRef idx="2">
-            <a:schemeClr val="accent1">
-              <a:shade val="50000"/>
-            </a:schemeClr>
-          </a:lnRef>
-          <a:fillRef idx="1">
-            <a:schemeClr val="accent1"/>
-          </a:fillRef>
-          <a:effectRef idx="0">
-            <a:schemeClr val="accent1"/>
-          </a:effectRef>
-          <a:fontRef idx="minor">
-            <a:schemeClr val="lt1"/>
-          </a:fontRef>
-        </p:style>
-        <p:txBody>
-          <a:bodyPr rtlCol="0" anchor="ctr"/>
-          <a:lstStyle/>
-          <a:p>
-            <a:pPr algn="ctr"/>
-            <a:endParaRPr lang="en-US"/>
-          </a:p>
-        </p:txBody>
-      </p:sp>
-      <p:pic>
-        <p:nvPicPr>
-          <p:cNvPr id="37" name="Graphic 36" descr="Palm tree">
-            <a:extLst>
-              <a:ext uri="{FF2B5EF4-FFF2-40B4-BE49-F238E27FC236}">
-                <a16:creationId xmlns:a16="http://schemas.microsoft.com/office/drawing/2014/main" id="{79F2EC1B-9713-4CCF-8301-82ED265F3940}"/>
-              </a:ext>
-            </a:extLst>
-          </p:cNvPr>
-          <p:cNvPicPr>
-            <a:picLocks noChangeAspect="1"/>
-          </p:cNvPicPr>
-          <p:nvPr/>
-        </p:nvPicPr>
-        <p:blipFill>
-          <a:blip r:embed="rId6">
-            <a:extLst>
-              <a:ext uri="{28A0092B-C50C-407E-A947-70E740481C1C}">
-                <a14:useLocalDpi xmlns:a14="http://schemas.microsoft.com/office/drawing/2010/main" val="0"/>
-              </a:ext>
-              <a:ext uri="{96DAC541-7B7A-43D3-8B79-37D633B846F1}">
-                <asvg:svgBlip xmlns:asvg="http://schemas.microsoft.com/office/drawing/2016/SVG/main" r:embed="rId7"/>
-              </a:ext>
-            </a:extLst>
-          </a:blip>
-          <a:stretch>
-            <a:fillRect/>
-          </a:stretch>
-        </p:blipFill>
-        <p:spPr>
-          <a:xfrm>
-            <a:off x="8964994" y="809490"/>
-            <a:ext cx="914400" cy="914400"/>
-          </a:xfrm>
-          <a:prstGeom prst="rect">
-            <a:avLst/>
-          </a:prstGeom>
-        </p:spPr>
-      </p:pic>
-      <p:pic>
-        <p:nvPicPr>
-          <p:cNvPr id="38" name="Graphic 37" descr="Palm tree">
-            <a:extLst>
-              <a:ext uri="{FF2B5EF4-FFF2-40B4-BE49-F238E27FC236}">
-                <a16:creationId xmlns:a16="http://schemas.microsoft.com/office/drawing/2014/main" id="{11C9CA6F-B5F0-4837-8E50-85C201ADA4F1}"/>
-              </a:ext>
-            </a:extLst>
-          </p:cNvPr>
-          <p:cNvPicPr>
-            <a:picLocks noChangeAspect="1"/>
-          </p:cNvPicPr>
-          <p:nvPr/>
-        </p:nvPicPr>
-        <p:blipFill>
-          <a:blip r:embed="rId6">
-            <a:extLst>
-              <a:ext uri="{28A0092B-C50C-407E-A947-70E740481C1C}">
-                <a14:useLocalDpi xmlns:a14="http://schemas.microsoft.com/office/drawing/2010/main" val="0"/>
-              </a:ext>
-              <a:ext uri="{96DAC541-7B7A-43D3-8B79-37D633B846F1}">
-                <asvg:svgBlip xmlns:asvg="http://schemas.microsoft.com/office/drawing/2016/SVG/main" r:embed="rId7"/>
-              </a:ext>
-            </a:extLst>
-          </a:blip>
-          <a:stretch>
-            <a:fillRect/>
-          </a:stretch>
-        </p:blipFill>
-        <p:spPr>
-          <a:xfrm>
-            <a:off x="8834542" y="1142112"/>
-            <a:ext cx="553133" cy="553133"/>
-          </a:xfrm>
-          <a:prstGeom prst="rect">
-            <a:avLst/>
-          </a:prstGeom>
-        </p:spPr>
-      </p:pic>
-      <p:pic>
-        <p:nvPicPr>
-          <p:cNvPr id="39" name="Graphic 38" descr="Palm tree">
-            <a:extLst>
-              <a:ext uri="{FF2B5EF4-FFF2-40B4-BE49-F238E27FC236}">
-                <a16:creationId xmlns:a16="http://schemas.microsoft.com/office/drawing/2014/main" id="{585AC1AD-01C8-4E2D-8361-4BEA62A48584}"/>
-              </a:ext>
-            </a:extLst>
-          </p:cNvPr>
-          <p:cNvPicPr>
-            <a:picLocks noChangeAspect="1"/>
-          </p:cNvPicPr>
-          <p:nvPr/>
-        </p:nvPicPr>
-        <p:blipFill>
-          <a:blip r:embed="rId6">
-            <a:extLst>
-              <a:ext uri="{28A0092B-C50C-407E-A947-70E740481C1C}">
-                <a14:useLocalDpi xmlns:a14="http://schemas.microsoft.com/office/drawing/2010/main" val="0"/>
-              </a:ext>
-              <a:ext uri="{96DAC541-7B7A-43D3-8B79-37D633B846F1}">
-                <asvg:svgBlip xmlns:asvg="http://schemas.microsoft.com/office/drawing/2016/SVG/main" r:embed="rId7"/>
-              </a:ext>
-            </a:extLst>
-          </a:blip>
-          <a:stretch>
-            <a:fillRect/>
-          </a:stretch>
-        </p:blipFill>
-        <p:spPr>
-          <a:xfrm>
-            <a:off x="9387675" y="1277468"/>
-            <a:ext cx="404329" cy="404329"/>
-          </a:xfrm>
-          <a:prstGeom prst="rect">
-            <a:avLst/>
-          </a:prstGeom>
-        </p:spPr>
-      </p:pic>
-      <p:pic>
-        <p:nvPicPr>
-          <p:cNvPr id="3" name="Picture 2">
-            <a:extLst>
-              <a:ext uri="{FF2B5EF4-FFF2-40B4-BE49-F238E27FC236}">
-                <a16:creationId xmlns:a16="http://schemas.microsoft.com/office/drawing/2014/main" id="{0FD16F59-A3AE-4266-9BD5-9ADEC325D1FB}"/>
-              </a:ext>
-            </a:extLst>
-          </p:cNvPr>
-          <p:cNvPicPr>
-            <a:picLocks noChangeAspect="1"/>
-          </p:cNvPicPr>
-          <p:nvPr/>
-        </p:nvPicPr>
-        <p:blipFill>
-          <a:blip r:embed="rId8"/>
-          <a:stretch>
-            <a:fillRect/>
-          </a:stretch>
-        </p:blipFill>
-        <p:spPr>
-          <a:xfrm>
-            <a:off x="3451185" y="2347702"/>
-            <a:ext cx="3648075" cy="447675"/>
-          </a:xfrm>
-          <a:prstGeom prst="rect">
-            <a:avLst/>
-          </a:prstGeom>
-        </p:spPr>
-      </p:pic>
-      <p:pic>
-        <p:nvPicPr>
-          <p:cNvPr id="7" name="Picture 6">
-            <a:extLst>
-              <a:ext uri="{FF2B5EF4-FFF2-40B4-BE49-F238E27FC236}">
-                <a16:creationId xmlns:a16="http://schemas.microsoft.com/office/drawing/2014/main" id="{8B62603B-0C12-4823-8B05-33FC21CB3247}"/>
-              </a:ext>
-            </a:extLst>
-          </p:cNvPr>
-          <p:cNvPicPr>
-            <a:picLocks noChangeAspect="1"/>
-          </p:cNvPicPr>
-          <p:nvPr/>
-        </p:nvPicPr>
-        <p:blipFill>
-          <a:blip r:embed="rId9"/>
-          <a:stretch>
-            <a:fillRect/>
-          </a:stretch>
-        </p:blipFill>
-        <p:spPr>
-          <a:xfrm>
-            <a:off x="2551072" y="4528491"/>
-            <a:ext cx="5448300" cy="1162050"/>
-          </a:xfrm>
-          <a:prstGeom prst="rect">
-            <a:avLst/>
-          </a:prstGeom>
-        </p:spPr>
-      </p:pic>
-    </p:spTree>
-    <p:extLst>
-      <p:ext uri="{BB962C8B-B14F-4D97-AF65-F5344CB8AC3E}">
-        <p14:creationId xmlns:p14="http://schemas.microsoft.com/office/powerpoint/2010/main" val="858674658"/>
-      </p:ext>
-    </p:extLst>
-  </p:cSld>
-  <p:clrMapOvr>
-    <a:masterClrMapping/>
-  </p:clrMapOvr>
-</p:sld>
-</file>
-
-<file path=ppt/slides/slide18.xml><?xml version="1.0" encoding="utf-8"?>
-<p:sld xmlns:a="http://schemas.openxmlformats.org/drawingml/2006/main" xmlns:r="http://schemas.openxmlformats.org/officeDocument/2006/relationships" xmlns:p="http://schemas.openxmlformats.org/presentationml/2006/main">
-  <p:cSld>
-    <p:spTree>
-      <p:nvGrpSpPr>
-        <p:cNvPr id="1" name=""/>
-        <p:cNvGrpSpPr/>
-        <p:nvPr/>
-      </p:nvGrpSpPr>
-      <p:grpSpPr>
-        <a:xfrm>
-          <a:off x="0" y="0"/>
-          <a:ext cx="0" cy="0"/>
-          <a:chOff x="0" y="0"/>
-          <a:chExt cx="0" cy="0"/>
-        </a:xfrm>
-      </p:grpSpPr>
-      <mc:AlternateContent xmlns:mc="http://schemas.openxmlformats.org/markup-compatibility/2006">
-        <mc:Choice xmlns:a14="http://schemas.microsoft.com/office/drawing/2010/main" Requires="a14">
-          <p:sp>
-            <p:nvSpPr>
-              <p:cNvPr id="36" name="TextBox 35">
-                <a:extLst>
-                  <a:ext uri="{FF2B5EF4-FFF2-40B4-BE49-F238E27FC236}">
-                    <a16:creationId xmlns:a16="http://schemas.microsoft.com/office/drawing/2014/main" id="{389720C5-6DCB-428D-8C4F-A02DEC239333}"/>
-                  </a:ext>
-                </a:extLst>
-              </p:cNvPr>
-              <p:cNvSpPr txBox="1"/>
-              <p:nvPr/>
-            </p:nvSpPr>
-            <p:spPr>
-              <a:xfrm>
-                <a:off x="773934" y="1947592"/>
-                <a:ext cx="9018070" cy="1631216"/>
-              </a:xfrm>
-              <a:prstGeom prst="rect">
-                <a:avLst/>
-              </a:prstGeom>
-              <a:noFill/>
-            </p:spPr>
-            <p:txBody>
-              <a:bodyPr wrap="square" rtlCol="0">
-                <a:spAutoFit/>
-              </a:bodyPr>
-              <a:lstStyle/>
-              <a:p>
-                <a:pPr marL="285750" indent="-285750">
-                  <a:buFont typeface="Arial" panose="020B0604020202020204" pitchFamily="34" charset="0"/>
-                  <a:buChar char="•"/>
-                </a:pPr>
-                <a:r>
-                  <a:rPr lang="en-US" sz="2000" dirty="0">
-                    <a:solidFill>
-                      <a:srgbClr val="404040"/>
-                    </a:solidFill>
-                    <a:latin typeface="Corbel" panose="020B0503020204020204" pitchFamily="34" charset="0"/>
-                  </a:rPr>
-                  <a:t>Note that if </a:t>
-                </a:r>
-                <a14:m>
-                  <m:oMath xmlns:m="http://schemas.openxmlformats.org/officeDocument/2006/math">
-                    <m:r>
-                      <a:rPr lang="en-US" sz="2000" i="1">
-                        <a:solidFill>
-                          <a:srgbClr val="404040"/>
-                        </a:solidFill>
-                        <a:latin typeface="Cambria Math" panose="02040503050406030204" pitchFamily="18" charset="0"/>
-                      </a:rPr>
-                      <m:t>𝑈</m:t>
-                    </m:r>
-                  </m:oMath>
-                </a14:m>
-                <a:r>
-                  <a:rPr lang="en-US" sz="2000" dirty="0">
-                    <a:solidFill>
-                      <a:srgbClr val="404040"/>
-                    </a:solidFill>
-                    <a:latin typeface="Corbel" panose="020B0503020204020204" pitchFamily="34" charset="0"/>
-                  </a:rPr>
-                  <a:t> is uniformly distributed in </a:t>
-                </a:r>
-                <a14:m>
-                  <m:oMath xmlns:m="http://schemas.openxmlformats.org/officeDocument/2006/math">
-                    <m:d>
-                      <m:dPr>
-                        <m:begChr m:val="["/>
-                        <m:endChr m:val="]"/>
-                        <m:ctrlPr>
-                          <a:rPr lang="en-US" sz="2000" b="0" i="1" smtClean="0">
-                            <a:solidFill>
-                              <a:srgbClr val="404040"/>
-                            </a:solidFill>
-                            <a:latin typeface="Cambria Math" panose="02040503050406030204" pitchFamily="18" charset="0"/>
-                          </a:rPr>
-                        </m:ctrlPr>
-                      </m:dPr>
-                      <m:e>
-                        <m:r>
-                          <a:rPr lang="en-US" sz="2000" b="0" i="1" smtClean="0">
-                            <a:solidFill>
-                              <a:srgbClr val="404040"/>
-                            </a:solidFill>
-                            <a:latin typeface="Cambria Math" panose="02040503050406030204" pitchFamily="18" charset="0"/>
-                          </a:rPr>
-                          <m:t>0,1</m:t>
-                        </m:r>
-                      </m:e>
-                    </m:d>
-                    <m:r>
-                      <a:rPr lang="en-US" sz="2000" b="0" i="1" smtClean="0">
-                        <a:solidFill>
-                          <a:srgbClr val="404040"/>
-                        </a:solidFill>
-                        <a:latin typeface="Cambria Math" panose="02040503050406030204" pitchFamily="18" charset="0"/>
-                      </a:rPr>
-                      <m:t>,</m:t>
-                    </m:r>
-                  </m:oMath>
-                </a14:m>
-                <a:r>
-                  <a:rPr lang="en-US" sz="2000" dirty="0">
-                    <a:solidFill>
-                      <a:srgbClr val="404040"/>
-                    </a:solidFill>
-                    <a:latin typeface="Corbel" panose="020B0503020204020204" pitchFamily="34" charset="0"/>
-                  </a:rPr>
-                  <a:t> then </a:t>
-                </a:r>
-                <a14:m>
-                  <m:oMath xmlns:m="http://schemas.openxmlformats.org/officeDocument/2006/math">
-                    <m:r>
-                      <a:rPr lang="en-US" sz="2000" b="0" i="0" smtClean="0">
-                        <a:solidFill>
-                          <a:srgbClr val="404040"/>
-                        </a:solidFill>
-                        <a:latin typeface="Cambria Math" panose="02040503050406030204" pitchFamily="18" charset="0"/>
-                      </a:rPr>
-                      <m:t>1−</m:t>
-                    </m:r>
-                    <m:r>
-                      <a:rPr lang="en-US" sz="2000" i="1">
-                        <a:solidFill>
-                          <a:srgbClr val="404040"/>
-                        </a:solidFill>
-                        <a:latin typeface="Cambria Math" panose="02040503050406030204" pitchFamily="18" charset="0"/>
-                      </a:rPr>
-                      <m:t>𝑈</m:t>
-                    </m:r>
-                  </m:oMath>
-                </a14:m>
-                <a:r>
-                  <a:rPr lang="en-US" sz="2000" dirty="0">
-                    <a:solidFill>
-                      <a:srgbClr val="404040"/>
-                    </a:solidFill>
-                    <a:latin typeface="Corbel" panose="020B0503020204020204" pitchFamily="34" charset="0"/>
-                  </a:rPr>
-                  <a:t> is too</a:t>
-                </a:r>
-              </a:p>
-              <a:p>
-                <a:pPr marL="285750" indent="-285750">
-                  <a:buFont typeface="Arial" panose="020B0604020202020204" pitchFamily="34" charset="0"/>
-                  <a:buChar char="•"/>
-                </a:pPr>
-                <a:endParaRPr lang="en-US" sz="2000" dirty="0">
-                  <a:solidFill>
-                    <a:srgbClr val="404040"/>
-                  </a:solidFill>
-                  <a:latin typeface="Corbel" panose="020B0503020204020204" pitchFamily="34" charset="0"/>
-                </a:endParaRPr>
-              </a:p>
-              <a:p>
-                <a:pPr marL="285750" indent="-285750">
-                  <a:buFont typeface="Arial" panose="020B0604020202020204" pitchFamily="34" charset="0"/>
-                  <a:buChar char="•"/>
-                </a:pPr>
-                <a:r>
-                  <a:rPr lang="en-US" sz="2000" dirty="0">
-                    <a:solidFill>
-                      <a:srgbClr val="404040"/>
-                    </a:solidFill>
-                    <a:latin typeface="Corbel" panose="020B0503020204020204" pitchFamily="34" charset="0"/>
-                  </a:rPr>
-                  <a:t>For the inverse transform method, we can replace </a:t>
-                </a:r>
-                <a14:m>
-                  <m:oMath xmlns:m="http://schemas.openxmlformats.org/officeDocument/2006/math">
-                    <m:r>
-                      <a:rPr lang="en-US" sz="2000" i="1">
-                        <a:solidFill>
-                          <a:srgbClr val="404040"/>
-                        </a:solidFill>
-                        <a:latin typeface="Cambria Math" panose="02040503050406030204" pitchFamily="18" charset="0"/>
-                      </a:rPr>
-                      <m:t>𝑈</m:t>
-                    </m:r>
-                  </m:oMath>
-                </a14:m>
-                <a:r>
-                  <a:rPr lang="en-US" sz="2000" dirty="0">
-                    <a:solidFill>
-                      <a:srgbClr val="404040"/>
-                    </a:solidFill>
-                    <a:latin typeface="Corbel" panose="020B0503020204020204" pitchFamily="34" charset="0"/>
-                  </a:rPr>
-                  <a:t> by </a:t>
-                </a:r>
-                <a14:m>
-                  <m:oMath xmlns:m="http://schemas.openxmlformats.org/officeDocument/2006/math">
-                    <m:r>
-                      <a:rPr lang="en-US" sz="2000" b="0" i="0" smtClean="0">
-                        <a:solidFill>
-                          <a:srgbClr val="404040"/>
-                        </a:solidFill>
-                        <a:latin typeface="Cambria Math" panose="02040503050406030204" pitchFamily="18" charset="0"/>
-                      </a:rPr>
-                      <m:t>1−</m:t>
-                    </m:r>
-                    <m:r>
-                      <a:rPr lang="en-US" sz="2000" i="1">
-                        <a:solidFill>
-                          <a:srgbClr val="404040"/>
-                        </a:solidFill>
-                        <a:latin typeface="Cambria Math" panose="02040503050406030204" pitchFamily="18" charset="0"/>
-                      </a:rPr>
-                      <m:t>𝑈</m:t>
-                    </m:r>
-                  </m:oMath>
-                </a14:m>
-                <a:r>
-                  <a:rPr lang="en-US" sz="2000" dirty="0">
-                    <a:solidFill>
-                      <a:srgbClr val="404040"/>
-                    </a:solidFill>
-                    <a:latin typeface="Corbel" panose="020B0503020204020204" pitchFamily="34" charset="0"/>
-                  </a:rPr>
-                  <a:t> when convenient</a:t>
-                </a:r>
-              </a:p>
-              <a:p>
-                <a:pPr marL="285750" indent="-285750">
-                  <a:buFont typeface="Arial" panose="020B0604020202020204" pitchFamily="34" charset="0"/>
-                  <a:buChar char="•"/>
-                </a:pPr>
-                <a:endParaRPr lang="en-US" sz="2000" dirty="0">
-                  <a:solidFill>
-                    <a:srgbClr val="404040"/>
-                  </a:solidFill>
-                  <a:latin typeface="Corbel" panose="020B0503020204020204" pitchFamily="34" charset="0"/>
-                </a:endParaRPr>
-              </a:p>
-              <a:p>
-                <a:pPr marL="285750" indent="-285750">
-                  <a:buFont typeface="Arial" panose="020B0604020202020204" pitchFamily="34" charset="0"/>
-                  <a:buChar char="•"/>
-                </a:pPr>
-                <a:r>
-                  <a:rPr lang="en-US" sz="2000" dirty="0">
-                    <a:solidFill>
-                      <a:srgbClr val="404040"/>
-                    </a:solidFill>
-                    <a:latin typeface="Corbel" panose="020B0503020204020204" pitchFamily="34" charset="0"/>
-                  </a:rPr>
-                  <a:t>In the exponential example, we can set</a:t>
-                </a:r>
-              </a:p>
-            </p:txBody>
-          </p:sp>
-        </mc:Choice>
-        <mc:Fallback>
-          <p:sp>
-            <p:nvSpPr>
-              <p:cNvPr id="36" name="TextBox 35">
-                <a:extLst>
-                  <a:ext uri="{FF2B5EF4-FFF2-40B4-BE49-F238E27FC236}">
-                    <a16:creationId xmlns:a16="http://schemas.microsoft.com/office/drawing/2014/main" id="{389720C5-6DCB-428D-8C4F-A02DEC239333}"/>
-                  </a:ext>
-                </a:extLst>
-              </p:cNvPr>
-              <p:cNvSpPr txBox="1">
-                <a:spLocks noRot="1" noChangeAspect="1" noMove="1" noResize="1" noEditPoints="1" noAdjustHandles="1" noChangeArrowheads="1" noChangeShapeType="1" noTextEdit="1"/>
-              </p:cNvSpPr>
-              <p:nvPr/>
-            </p:nvSpPr>
-            <p:spPr>
-              <a:xfrm>
-                <a:off x="773934" y="1947592"/>
-                <a:ext cx="9018070" cy="1631216"/>
-              </a:xfrm>
-              <a:prstGeom prst="rect">
-                <a:avLst/>
-              </a:prstGeom>
-              <a:blipFill>
-                <a:blip r:embed="rId3"/>
-                <a:stretch>
-                  <a:fillRect l="-609" t="-1866" b="-5597"/>
-                </a:stretch>
-              </a:blipFill>
-            </p:spPr>
-            <p:txBody>
-              <a:bodyPr/>
-              <a:lstStyle/>
-              <a:p>
-                <a:r>
-                  <a:rPr lang="en-US">
-                    <a:noFill/>
-                  </a:rPr>
-                  <a:t> </a:t>
-                </a:r>
-              </a:p>
-            </p:txBody>
-          </p:sp>
-        </mc:Fallback>
-      </mc:AlternateContent>
-      <p:sp>
-        <p:nvSpPr>
-          <p:cNvPr id="28" name="Rectangle 27">
-            <a:extLst>
-              <a:ext uri="{FF2B5EF4-FFF2-40B4-BE49-F238E27FC236}">
-                <a16:creationId xmlns:a16="http://schemas.microsoft.com/office/drawing/2014/main" id="{1568D3DA-67F7-464C-95FF-D7D56F4038D6}"/>
-              </a:ext>
-            </a:extLst>
-          </p:cNvPr>
-          <p:cNvSpPr/>
-          <p:nvPr/>
-        </p:nvSpPr>
-        <p:spPr>
-          <a:xfrm rot="19800000">
-            <a:off x="-597297" y="674901"/>
-            <a:ext cx="4026751" cy="269178"/>
-          </a:xfrm>
-          <a:prstGeom prst="rect">
-            <a:avLst/>
-          </a:prstGeom>
-          <a:solidFill>
-            <a:srgbClr val="A71B86"/>
-          </a:solidFill>
-          <a:ln>
-            <a:noFill/>
-          </a:ln>
-        </p:spPr>
-        <p:style>
-          <a:lnRef idx="2">
-            <a:schemeClr val="accent1">
-              <a:shade val="50000"/>
-            </a:schemeClr>
-          </a:lnRef>
-          <a:fillRef idx="1">
-            <a:schemeClr val="accent1"/>
-          </a:fillRef>
-          <a:effectRef idx="0">
-            <a:schemeClr val="accent1"/>
-          </a:effectRef>
-          <a:fontRef idx="minor">
-            <a:schemeClr val="lt1"/>
-          </a:fontRef>
-        </p:style>
-        <p:txBody>
-          <a:bodyPr rtlCol="0" anchor="ctr"/>
-          <a:lstStyle/>
-          <a:p>
-            <a:pPr algn="ctr"/>
-            <a:endParaRPr lang="en-US"/>
-          </a:p>
-        </p:txBody>
-      </p:sp>
-      <p:pic>
-        <p:nvPicPr>
-          <p:cNvPr id="11" name="Picture 10" descr="A large body of water&#10;&#10;Description automatically generated">
-            <a:extLst>
-              <a:ext uri="{FF2B5EF4-FFF2-40B4-BE49-F238E27FC236}">
-                <a16:creationId xmlns:a16="http://schemas.microsoft.com/office/drawing/2014/main" id="{B83B0471-BE25-41B4-B185-53BEB6528B89}"/>
-              </a:ext>
-            </a:extLst>
-          </p:cNvPr>
-          <p:cNvPicPr>
-            <a:picLocks noChangeAspect="1"/>
-          </p:cNvPicPr>
-          <p:nvPr/>
-        </p:nvPicPr>
-        <p:blipFill rotWithShape="1">
-          <a:blip r:embed="rId4">
-            <a:alphaModFix amt="20000"/>
-            <a:extLst>
-              <a:ext uri="{28A0092B-C50C-407E-A947-70E740481C1C}">
-                <a14:useLocalDpi xmlns:a14="http://schemas.microsoft.com/office/drawing/2010/main" val="0"/>
-              </a:ext>
-            </a:extLst>
-          </a:blip>
-          <a:srcRect t="34654" b="43573"/>
-          <a:stretch/>
-        </p:blipFill>
-        <p:spPr>
-          <a:xfrm>
-            <a:off x="766188" y="457321"/>
-            <a:ext cx="9018070" cy="1308226"/>
-          </a:xfrm>
-          <a:prstGeom prst="rect">
-            <a:avLst/>
-          </a:prstGeom>
-        </p:spPr>
-      </p:pic>
-      <p:sp>
-        <p:nvSpPr>
-          <p:cNvPr id="34" name="Rectangle 33">
-            <a:extLst>
-              <a:ext uri="{FF2B5EF4-FFF2-40B4-BE49-F238E27FC236}">
-                <a16:creationId xmlns:a16="http://schemas.microsoft.com/office/drawing/2014/main" id="{BFE7775A-1FAD-4E84-8B9E-DA4B39640B5E}"/>
-              </a:ext>
-            </a:extLst>
-          </p:cNvPr>
-          <p:cNvSpPr/>
-          <p:nvPr/>
-        </p:nvSpPr>
-        <p:spPr>
-          <a:xfrm rot="19800000">
-            <a:off x="9089102" y="5937184"/>
-            <a:ext cx="4026751" cy="269178"/>
-          </a:xfrm>
-          <a:prstGeom prst="rect">
-            <a:avLst/>
-          </a:prstGeom>
-          <a:solidFill>
-            <a:srgbClr val="A71B86"/>
-          </a:solidFill>
-          <a:ln>
-            <a:noFill/>
-          </a:ln>
-        </p:spPr>
-        <p:style>
-          <a:lnRef idx="2">
-            <a:schemeClr val="accent1">
-              <a:shade val="50000"/>
-            </a:schemeClr>
-          </a:lnRef>
-          <a:fillRef idx="1">
-            <a:schemeClr val="accent1"/>
-          </a:fillRef>
-          <a:effectRef idx="0">
-            <a:schemeClr val="accent1"/>
-          </a:effectRef>
-          <a:fontRef idx="minor">
-            <a:schemeClr val="lt1"/>
-          </a:fontRef>
-        </p:style>
-        <p:txBody>
-          <a:bodyPr rtlCol="0" anchor="ctr"/>
-          <a:lstStyle/>
-          <a:p>
-            <a:pPr algn="ctr"/>
-            <a:endParaRPr lang="en-US"/>
-          </a:p>
-        </p:txBody>
-      </p:sp>
-      <p:sp>
-        <p:nvSpPr>
-          <p:cNvPr id="2" name="Title 1">
-            <a:extLst>
-              <a:ext uri="{FF2B5EF4-FFF2-40B4-BE49-F238E27FC236}">
-                <a16:creationId xmlns:a16="http://schemas.microsoft.com/office/drawing/2014/main" id="{95D79E09-6E77-4F87-B358-F18D99FA343D}"/>
-              </a:ext>
-            </a:extLst>
-          </p:cNvPr>
-          <p:cNvSpPr>
-            <a:spLocks noGrp="1"/>
-          </p:cNvSpPr>
-          <p:nvPr>
-            <p:ph type="title"/>
-          </p:nvPr>
-        </p:nvSpPr>
-        <p:spPr>
-          <a:xfrm>
-            <a:off x="773934" y="425128"/>
-            <a:ext cx="9018070" cy="1325563"/>
-          </a:xfrm>
-          <a:noFill/>
-          <a:ln w="76200">
-            <a:solidFill>
-              <a:srgbClr val="11B29F"/>
-            </a:solidFill>
-          </a:ln>
-        </p:spPr>
-        <p:txBody>
-          <a:bodyPr/>
-          <a:lstStyle/>
-          <a:p>
-            <a:pPr algn="ctr"/>
-            <a:r>
-              <a:rPr lang="en-US" dirty="0">
-                <a:solidFill>
-                  <a:srgbClr val="404040"/>
-                </a:solidFill>
-                <a:latin typeface="Bodoni MT" panose="02070603080606020203" pitchFamily="18" charset="0"/>
-              </a:rPr>
-              <a:t>Ex: Exponential Simulation</a:t>
-            </a:r>
-          </a:p>
-        </p:txBody>
-      </p:sp>
-      <p:pic>
-        <p:nvPicPr>
-          <p:cNvPr id="5" name="Content Placeholder 4" descr="A picture containing cage&#10;&#10;Description automatically generated">
-            <a:extLst>
-              <a:ext uri="{FF2B5EF4-FFF2-40B4-BE49-F238E27FC236}">
-                <a16:creationId xmlns:a16="http://schemas.microsoft.com/office/drawing/2014/main" id="{EF817497-4F98-4236-83EE-74FD8376B077}"/>
-              </a:ext>
-            </a:extLst>
-          </p:cNvPr>
-          <p:cNvPicPr>
-            <a:picLocks noGrp="1" noChangeAspect="1"/>
-          </p:cNvPicPr>
-          <p:nvPr>
-            <p:ph idx="1"/>
-          </p:nvPr>
-        </p:nvPicPr>
-        <p:blipFill>
-          <a:blip r:embed="rId5">
-            <a:extLst>
-              <a:ext uri="{28A0092B-C50C-407E-A947-70E740481C1C}">
-                <a14:useLocalDpi xmlns:a14="http://schemas.microsoft.com/office/drawing/2010/main" val="0"/>
-              </a:ext>
-            </a:extLst>
-          </a:blip>
-          <a:stretch>
-            <a:fillRect/>
-          </a:stretch>
-        </p:blipFill>
-        <p:spPr>
-          <a:xfrm>
-            <a:off x="9887140" y="47697"/>
-            <a:ext cx="2143125" cy="2143125"/>
-          </a:xfrm>
-        </p:spPr>
-      </p:pic>
-      <p:sp>
-        <p:nvSpPr>
-          <p:cNvPr id="17" name="Rectangle 16">
-            <a:extLst>
-              <a:ext uri="{FF2B5EF4-FFF2-40B4-BE49-F238E27FC236}">
-                <a16:creationId xmlns:a16="http://schemas.microsoft.com/office/drawing/2014/main" id="{C723ED3C-F5E6-4121-9EF2-DD9574E1A49F}"/>
-              </a:ext>
-            </a:extLst>
-          </p:cNvPr>
-          <p:cNvSpPr/>
-          <p:nvPr/>
-        </p:nvSpPr>
-        <p:spPr>
-          <a:xfrm>
-            <a:off x="10085294" y="2008116"/>
-            <a:ext cx="1776920" cy="76178"/>
-          </a:xfrm>
-          <a:prstGeom prst="rect">
-            <a:avLst/>
-          </a:prstGeom>
-          <a:solidFill>
-            <a:srgbClr val="11B29F"/>
-          </a:solidFill>
-          <a:ln>
-            <a:noFill/>
-          </a:ln>
-        </p:spPr>
-        <p:style>
-          <a:lnRef idx="2">
-            <a:schemeClr val="accent1">
-              <a:shade val="50000"/>
-            </a:schemeClr>
-          </a:lnRef>
-          <a:fillRef idx="1">
-            <a:schemeClr val="accent1"/>
-          </a:fillRef>
-          <a:effectRef idx="0">
-            <a:schemeClr val="accent1"/>
-          </a:effectRef>
-          <a:fontRef idx="minor">
-            <a:schemeClr val="lt1"/>
-          </a:fontRef>
-        </p:style>
-        <p:txBody>
-          <a:bodyPr rtlCol="0" anchor="ctr"/>
-          <a:lstStyle/>
-          <a:p>
-            <a:pPr algn="ctr"/>
-            <a:endParaRPr lang="en-US"/>
-          </a:p>
-        </p:txBody>
-      </p:sp>
-      <p:sp>
-        <p:nvSpPr>
-          <p:cNvPr id="21" name="Rectangle 20">
-            <a:extLst>
-              <a:ext uri="{FF2B5EF4-FFF2-40B4-BE49-F238E27FC236}">
-                <a16:creationId xmlns:a16="http://schemas.microsoft.com/office/drawing/2014/main" id="{F9E0EC60-66D4-4536-A867-30142339BAA7}"/>
-              </a:ext>
-            </a:extLst>
-          </p:cNvPr>
-          <p:cNvSpPr/>
-          <p:nvPr/>
-        </p:nvSpPr>
-        <p:spPr>
-          <a:xfrm>
-            <a:off x="10085294" y="2129819"/>
-            <a:ext cx="1776920" cy="76178"/>
-          </a:xfrm>
-          <a:prstGeom prst="rect">
-            <a:avLst/>
-          </a:prstGeom>
-          <a:solidFill>
-            <a:srgbClr val="A71B86"/>
-          </a:solidFill>
-          <a:ln>
-            <a:noFill/>
-          </a:ln>
-        </p:spPr>
-        <p:style>
-          <a:lnRef idx="2">
-            <a:schemeClr val="accent1">
-              <a:shade val="50000"/>
-            </a:schemeClr>
-          </a:lnRef>
-          <a:fillRef idx="1">
-            <a:schemeClr val="accent1"/>
-          </a:fillRef>
-          <a:effectRef idx="0">
-            <a:schemeClr val="accent1"/>
-          </a:effectRef>
-          <a:fontRef idx="minor">
-            <a:schemeClr val="lt1"/>
-          </a:fontRef>
-        </p:style>
-        <p:txBody>
-          <a:bodyPr rtlCol="0" anchor="ctr"/>
-          <a:lstStyle/>
-          <a:p>
-            <a:pPr algn="ctr"/>
-            <a:endParaRPr lang="en-US"/>
-          </a:p>
-        </p:txBody>
-      </p:sp>
-      <p:sp>
-        <p:nvSpPr>
-          <p:cNvPr id="22" name="Rectangle 21">
-            <a:extLst>
-              <a:ext uri="{FF2B5EF4-FFF2-40B4-BE49-F238E27FC236}">
-                <a16:creationId xmlns:a16="http://schemas.microsoft.com/office/drawing/2014/main" id="{F95AED49-24A8-4D10-9D31-F944565EC1B2}"/>
-              </a:ext>
-            </a:extLst>
-          </p:cNvPr>
-          <p:cNvSpPr/>
-          <p:nvPr/>
-        </p:nvSpPr>
-        <p:spPr>
-          <a:xfrm>
-            <a:off x="10085294" y="2251522"/>
-            <a:ext cx="1776920" cy="150200"/>
-          </a:xfrm>
-          <a:prstGeom prst="rect">
-            <a:avLst/>
-          </a:prstGeom>
-          <a:solidFill>
-            <a:srgbClr val="11B29F"/>
-          </a:solidFill>
-          <a:ln>
-            <a:noFill/>
-          </a:ln>
-        </p:spPr>
-        <p:style>
-          <a:lnRef idx="2">
-            <a:schemeClr val="accent1">
-              <a:shade val="50000"/>
-            </a:schemeClr>
-          </a:lnRef>
-          <a:fillRef idx="1">
-            <a:schemeClr val="accent1"/>
-          </a:fillRef>
-          <a:effectRef idx="0">
-            <a:schemeClr val="accent1"/>
-          </a:effectRef>
-          <a:fontRef idx="minor">
-            <a:schemeClr val="lt1"/>
-          </a:fontRef>
-        </p:style>
-        <p:txBody>
-          <a:bodyPr rtlCol="0" anchor="ctr"/>
-          <a:lstStyle/>
-          <a:p>
-            <a:pPr algn="ctr"/>
-            <a:endParaRPr lang="en-US"/>
-          </a:p>
-        </p:txBody>
-      </p:sp>
-      <p:sp>
-        <p:nvSpPr>
-          <p:cNvPr id="24" name="Rectangle 23">
-            <a:extLst>
-              <a:ext uri="{FF2B5EF4-FFF2-40B4-BE49-F238E27FC236}">
-                <a16:creationId xmlns:a16="http://schemas.microsoft.com/office/drawing/2014/main" id="{993D5826-407C-4F65-BE3A-EB593B942A36}"/>
-              </a:ext>
-            </a:extLst>
-          </p:cNvPr>
-          <p:cNvSpPr/>
-          <p:nvPr/>
-        </p:nvSpPr>
-        <p:spPr>
-          <a:xfrm>
-            <a:off x="10085294" y="2447247"/>
-            <a:ext cx="1776920" cy="150200"/>
-          </a:xfrm>
-          <a:prstGeom prst="rect">
-            <a:avLst/>
-          </a:prstGeom>
-          <a:solidFill>
-            <a:srgbClr val="A71B86"/>
-          </a:solidFill>
-          <a:ln>
-            <a:noFill/>
-          </a:ln>
-        </p:spPr>
-        <p:style>
-          <a:lnRef idx="2">
-            <a:schemeClr val="accent1">
-              <a:shade val="50000"/>
-            </a:schemeClr>
-          </a:lnRef>
-          <a:fillRef idx="1">
-            <a:schemeClr val="accent1"/>
-          </a:fillRef>
-          <a:effectRef idx="0">
-            <a:schemeClr val="accent1"/>
-          </a:effectRef>
-          <a:fontRef idx="minor">
-            <a:schemeClr val="lt1"/>
-          </a:fontRef>
-        </p:style>
-        <p:txBody>
-          <a:bodyPr rtlCol="0" anchor="ctr"/>
-          <a:lstStyle/>
-          <a:p>
-            <a:pPr algn="ctr"/>
-            <a:endParaRPr lang="en-US"/>
-          </a:p>
-        </p:txBody>
-      </p:sp>
-      <p:sp>
-        <p:nvSpPr>
-          <p:cNvPr id="25" name="Rectangle 24">
-            <a:extLst>
-              <a:ext uri="{FF2B5EF4-FFF2-40B4-BE49-F238E27FC236}">
-                <a16:creationId xmlns:a16="http://schemas.microsoft.com/office/drawing/2014/main" id="{D2785A94-4D0B-4559-9303-3C963AA0EF9A}"/>
-              </a:ext>
-            </a:extLst>
-          </p:cNvPr>
-          <p:cNvSpPr/>
-          <p:nvPr/>
-        </p:nvSpPr>
-        <p:spPr>
-          <a:xfrm>
-            <a:off x="10085294" y="2642972"/>
-            <a:ext cx="1776920" cy="362446"/>
-          </a:xfrm>
-          <a:prstGeom prst="rect">
-            <a:avLst/>
-          </a:prstGeom>
-          <a:solidFill>
-            <a:srgbClr val="11B29F"/>
-          </a:solidFill>
-          <a:ln>
-            <a:noFill/>
-          </a:ln>
-        </p:spPr>
-        <p:style>
-          <a:lnRef idx="2">
-            <a:schemeClr val="accent1">
-              <a:shade val="50000"/>
-            </a:schemeClr>
-          </a:lnRef>
-          <a:fillRef idx="1">
-            <a:schemeClr val="accent1"/>
-          </a:fillRef>
-          <a:effectRef idx="0">
-            <a:schemeClr val="accent1"/>
-          </a:effectRef>
-          <a:fontRef idx="minor">
-            <a:schemeClr val="lt1"/>
-          </a:fontRef>
-        </p:style>
-        <p:txBody>
-          <a:bodyPr rtlCol="0" anchor="ctr"/>
-          <a:lstStyle/>
-          <a:p>
-            <a:pPr algn="ctr"/>
-            <a:endParaRPr lang="en-US"/>
-          </a:p>
-        </p:txBody>
-      </p:sp>
-      <p:sp>
-        <p:nvSpPr>
-          <p:cNvPr id="26" name="Rectangle 25">
-            <a:extLst>
-              <a:ext uri="{FF2B5EF4-FFF2-40B4-BE49-F238E27FC236}">
-                <a16:creationId xmlns:a16="http://schemas.microsoft.com/office/drawing/2014/main" id="{B235F2E9-4558-433D-9527-7EFF5C5E78A8}"/>
-              </a:ext>
-            </a:extLst>
-          </p:cNvPr>
-          <p:cNvSpPr/>
-          <p:nvPr/>
-        </p:nvSpPr>
-        <p:spPr>
-          <a:xfrm>
-            <a:off x="10085294" y="3050943"/>
-            <a:ext cx="1776920" cy="362446"/>
-          </a:xfrm>
-          <a:prstGeom prst="rect">
-            <a:avLst/>
-          </a:prstGeom>
-          <a:solidFill>
-            <a:srgbClr val="A71B86"/>
-          </a:solidFill>
-          <a:ln>
-            <a:noFill/>
-          </a:ln>
-        </p:spPr>
-        <p:style>
-          <a:lnRef idx="2">
-            <a:schemeClr val="accent1">
-              <a:shade val="50000"/>
-            </a:schemeClr>
-          </a:lnRef>
-          <a:fillRef idx="1">
-            <a:schemeClr val="accent1"/>
-          </a:fillRef>
-          <a:effectRef idx="0">
-            <a:schemeClr val="accent1"/>
-          </a:effectRef>
-          <a:fontRef idx="minor">
-            <a:schemeClr val="lt1"/>
-          </a:fontRef>
-        </p:style>
-        <p:txBody>
-          <a:bodyPr rtlCol="0" anchor="ctr"/>
-          <a:lstStyle/>
-          <a:p>
-            <a:pPr algn="ctr"/>
-            <a:endParaRPr lang="en-US"/>
-          </a:p>
-        </p:txBody>
-      </p:sp>
-      <p:sp>
-        <p:nvSpPr>
-          <p:cNvPr id="27" name="Rectangle 26">
-            <a:extLst>
-              <a:ext uri="{FF2B5EF4-FFF2-40B4-BE49-F238E27FC236}">
-                <a16:creationId xmlns:a16="http://schemas.microsoft.com/office/drawing/2014/main" id="{99613B87-411B-4008-BF30-F1A3B8F247B5}"/>
-              </a:ext>
-            </a:extLst>
-          </p:cNvPr>
-          <p:cNvSpPr/>
-          <p:nvPr/>
-        </p:nvSpPr>
-        <p:spPr>
-          <a:xfrm>
-            <a:off x="10085294" y="3490136"/>
-            <a:ext cx="1776920" cy="3367864"/>
-          </a:xfrm>
-          <a:prstGeom prst="rect">
-            <a:avLst/>
-          </a:prstGeom>
-          <a:solidFill>
-            <a:srgbClr val="11B29F"/>
-          </a:solidFill>
-          <a:ln>
-            <a:noFill/>
-          </a:ln>
-        </p:spPr>
-        <p:style>
-          <a:lnRef idx="2">
-            <a:schemeClr val="accent1">
-              <a:shade val="50000"/>
-            </a:schemeClr>
-          </a:lnRef>
-          <a:fillRef idx="1">
-            <a:schemeClr val="accent1"/>
-          </a:fillRef>
-          <a:effectRef idx="0">
-            <a:schemeClr val="accent1"/>
-          </a:effectRef>
-          <a:fontRef idx="minor">
-            <a:schemeClr val="lt1"/>
-          </a:fontRef>
-        </p:style>
-        <p:txBody>
-          <a:bodyPr rtlCol="0" anchor="ctr"/>
-          <a:lstStyle/>
-          <a:p>
-            <a:pPr algn="ctr"/>
-            <a:endParaRPr lang="en-US"/>
-          </a:p>
-        </p:txBody>
-      </p:sp>
-      <p:sp>
-        <p:nvSpPr>
-          <p:cNvPr id="32" name="Rectangle 31">
-            <a:extLst>
-              <a:ext uri="{FF2B5EF4-FFF2-40B4-BE49-F238E27FC236}">
-                <a16:creationId xmlns:a16="http://schemas.microsoft.com/office/drawing/2014/main" id="{145B3BD2-B1C1-4ED2-A4E0-5E17DD3736F1}"/>
-              </a:ext>
-            </a:extLst>
-          </p:cNvPr>
-          <p:cNvSpPr/>
-          <p:nvPr/>
-        </p:nvSpPr>
-        <p:spPr>
-          <a:xfrm rot="19800000">
-            <a:off x="-765351" y="385789"/>
-            <a:ext cx="4026751" cy="269178"/>
-          </a:xfrm>
-          <a:prstGeom prst="rect">
-            <a:avLst/>
-          </a:prstGeom>
-          <a:solidFill>
-            <a:srgbClr val="A71B86"/>
-          </a:solidFill>
-          <a:ln>
-            <a:noFill/>
-          </a:ln>
-        </p:spPr>
-        <p:style>
-          <a:lnRef idx="2">
-            <a:schemeClr val="accent1">
-              <a:shade val="50000"/>
-            </a:schemeClr>
-          </a:lnRef>
-          <a:fillRef idx="1">
-            <a:schemeClr val="accent1"/>
-          </a:fillRef>
-          <a:effectRef idx="0">
-            <a:schemeClr val="accent1"/>
-          </a:effectRef>
-          <a:fontRef idx="minor">
-            <a:schemeClr val="lt1"/>
-          </a:fontRef>
-        </p:style>
-        <p:txBody>
-          <a:bodyPr rtlCol="0" anchor="ctr"/>
-          <a:lstStyle/>
-          <a:p>
-            <a:pPr algn="ctr"/>
-            <a:endParaRPr lang="en-US"/>
-          </a:p>
-        </p:txBody>
-      </p:sp>
-      <p:sp>
-        <p:nvSpPr>
-          <p:cNvPr id="33" name="Rectangle 32">
-            <a:extLst>
-              <a:ext uri="{FF2B5EF4-FFF2-40B4-BE49-F238E27FC236}">
-                <a16:creationId xmlns:a16="http://schemas.microsoft.com/office/drawing/2014/main" id="{DC3B2826-65DD-408B-8F18-8CCD6C052D8D}"/>
-              </a:ext>
-            </a:extLst>
-          </p:cNvPr>
-          <p:cNvSpPr/>
-          <p:nvPr/>
-        </p:nvSpPr>
-        <p:spPr>
-          <a:xfrm rot="19800000">
-            <a:off x="9257156" y="6226296"/>
-            <a:ext cx="4026751" cy="269178"/>
-          </a:xfrm>
-          <a:prstGeom prst="rect">
-            <a:avLst/>
-          </a:prstGeom>
-          <a:solidFill>
-            <a:srgbClr val="A71B86"/>
-          </a:solidFill>
-          <a:ln>
-            <a:noFill/>
-          </a:ln>
-        </p:spPr>
-        <p:style>
-          <a:lnRef idx="2">
-            <a:schemeClr val="accent1">
-              <a:shade val="50000"/>
-            </a:schemeClr>
-          </a:lnRef>
-          <a:fillRef idx="1">
-            <a:schemeClr val="accent1"/>
-          </a:fillRef>
-          <a:effectRef idx="0">
-            <a:schemeClr val="accent1"/>
-          </a:effectRef>
-          <a:fontRef idx="minor">
-            <a:schemeClr val="lt1"/>
-          </a:fontRef>
-        </p:style>
-        <p:txBody>
-          <a:bodyPr rtlCol="0" anchor="ctr"/>
-          <a:lstStyle/>
-          <a:p>
-            <a:pPr algn="ctr"/>
-            <a:endParaRPr lang="en-US"/>
-          </a:p>
-        </p:txBody>
-      </p:sp>
-      <p:sp>
-        <p:nvSpPr>
-          <p:cNvPr id="35" name="Rectangle 34">
-            <a:extLst>
-              <a:ext uri="{FF2B5EF4-FFF2-40B4-BE49-F238E27FC236}">
-                <a16:creationId xmlns:a16="http://schemas.microsoft.com/office/drawing/2014/main" id="{4935F901-F632-4698-8C7A-AC29B2397A6C}"/>
-              </a:ext>
-            </a:extLst>
-          </p:cNvPr>
-          <p:cNvSpPr/>
-          <p:nvPr/>
-        </p:nvSpPr>
-        <p:spPr>
-          <a:xfrm rot="19800000">
-            <a:off x="8263809" y="5824178"/>
-            <a:ext cx="4731177" cy="269178"/>
-          </a:xfrm>
-          <a:prstGeom prst="rect">
-            <a:avLst/>
-          </a:prstGeom>
-          <a:solidFill>
-            <a:srgbClr val="A71B86"/>
-          </a:solidFill>
-          <a:ln>
-            <a:noFill/>
-          </a:ln>
-        </p:spPr>
-        <p:style>
-          <a:lnRef idx="2">
-            <a:schemeClr val="accent1">
-              <a:shade val="50000"/>
-            </a:schemeClr>
-          </a:lnRef>
-          <a:fillRef idx="1">
-            <a:schemeClr val="accent1"/>
-          </a:fillRef>
-          <a:effectRef idx="0">
-            <a:schemeClr val="accent1"/>
-          </a:effectRef>
-          <a:fontRef idx="minor">
-            <a:schemeClr val="lt1"/>
-          </a:fontRef>
-        </p:style>
-        <p:txBody>
-          <a:bodyPr rtlCol="0" anchor="ctr"/>
-          <a:lstStyle/>
-          <a:p>
-            <a:pPr algn="ctr"/>
-            <a:endParaRPr lang="en-US"/>
-          </a:p>
-        </p:txBody>
-      </p:sp>
-      <p:pic>
-        <p:nvPicPr>
-          <p:cNvPr id="37" name="Graphic 36" descr="Palm tree">
-            <a:extLst>
-              <a:ext uri="{FF2B5EF4-FFF2-40B4-BE49-F238E27FC236}">
-                <a16:creationId xmlns:a16="http://schemas.microsoft.com/office/drawing/2014/main" id="{79F2EC1B-9713-4CCF-8301-82ED265F3940}"/>
-              </a:ext>
-            </a:extLst>
-          </p:cNvPr>
-          <p:cNvPicPr>
-            <a:picLocks noChangeAspect="1"/>
-          </p:cNvPicPr>
-          <p:nvPr/>
-        </p:nvPicPr>
-        <p:blipFill>
-          <a:blip r:embed="rId6">
-            <a:extLst>
-              <a:ext uri="{28A0092B-C50C-407E-A947-70E740481C1C}">
-                <a14:useLocalDpi xmlns:a14="http://schemas.microsoft.com/office/drawing/2010/main" val="0"/>
-              </a:ext>
-              <a:ext uri="{96DAC541-7B7A-43D3-8B79-37D633B846F1}">
-                <asvg:svgBlip xmlns:asvg="http://schemas.microsoft.com/office/drawing/2016/SVG/main" r:embed="rId7"/>
-              </a:ext>
-            </a:extLst>
-          </a:blip>
-          <a:stretch>
-            <a:fillRect/>
-          </a:stretch>
-        </p:blipFill>
-        <p:spPr>
-          <a:xfrm>
-            <a:off x="8964994" y="809490"/>
-            <a:ext cx="914400" cy="914400"/>
-          </a:xfrm>
-          <a:prstGeom prst="rect">
-            <a:avLst/>
-          </a:prstGeom>
-        </p:spPr>
-      </p:pic>
-      <p:pic>
-        <p:nvPicPr>
-          <p:cNvPr id="38" name="Graphic 37" descr="Palm tree">
-            <a:extLst>
-              <a:ext uri="{FF2B5EF4-FFF2-40B4-BE49-F238E27FC236}">
-                <a16:creationId xmlns:a16="http://schemas.microsoft.com/office/drawing/2014/main" id="{11C9CA6F-B5F0-4837-8E50-85C201ADA4F1}"/>
-              </a:ext>
-            </a:extLst>
-          </p:cNvPr>
-          <p:cNvPicPr>
-            <a:picLocks noChangeAspect="1"/>
-          </p:cNvPicPr>
-          <p:nvPr/>
-        </p:nvPicPr>
-        <p:blipFill>
-          <a:blip r:embed="rId6">
-            <a:extLst>
-              <a:ext uri="{28A0092B-C50C-407E-A947-70E740481C1C}">
-                <a14:useLocalDpi xmlns:a14="http://schemas.microsoft.com/office/drawing/2010/main" val="0"/>
-              </a:ext>
-              <a:ext uri="{96DAC541-7B7A-43D3-8B79-37D633B846F1}">
-                <asvg:svgBlip xmlns:asvg="http://schemas.microsoft.com/office/drawing/2016/SVG/main" r:embed="rId7"/>
-              </a:ext>
-            </a:extLst>
-          </a:blip>
-          <a:stretch>
-            <a:fillRect/>
-          </a:stretch>
-        </p:blipFill>
-        <p:spPr>
-          <a:xfrm>
-            <a:off x="8834542" y="1142112"/>
-            <a:ext cx="553133" cy="553133"/>
-          </a:xfrm>
-          <a:prstGeom prst="rect">
-            <a:avLst/>
-          </a:prstGeom>
-        </p:spPr>
-      </p:pic>
-      <p:pic>
-        <p:nvPicPr>
-          <p:cNvPr id="39" name="Graphic 38" descr="Palm tree">
-            <a:extLst>
-              <a:ext uri="{FF2B5EF4-FFF2-40B4-BE49-F238E27FC236}">
-                <a16:creationId xmlns:a16="http://schemas.microsoft.com/office/drawing/2014/main" id="{585AC1AD-01C8-4E2D-8361-4BEA62A48584}"/>
-              </a:ext>
-            </a:extLst>
-          </p:cNvPr>
-          <p:cNvPicPr>
-            <a:picLocks noChangeAspect="1"/>
-          </p:cNvPicPr>
-          <p:nvPr/>
-        </p:nvPicPr>
-        <p:blipFill>
-          <a:blip r:embed="rId6">
-            <a:extLst>
-              <a:ext uri="{28A0092B-C50C-407E-A947-70E740481C1C}">
-                <a14:useLocalDpi xmlns:a14="http://schemas.microsoft.com/office/drawing/2010/main" val="0"/>
-              </a:ext>
-              <a:ext uri="{96DAC541-7B7A-43D3-8B79-37D633B846F1}">
-                <asvg:svgBlip xmlns:asvg="http://schemas.microsoft.com/office/drawing/2016/SVG/main" r:embed="rId7"/>
-              </a:ext>
-            </a:extLst>
-          </a:blip>
-          <a:stretch>
-            <a:fillRect/>
-          </a:stretch>
-        </p:blipFill>
-        <p:spPr>
-          <a:xfrm>
-            <a:off x="9387675" y="1277468"/>
-            <a:ext cx="404329" cy="404329"/>
-          </a:xfrm>
-          <a:prstGeom prst="rect">
-            <a:avLst/>
-          </a:prstGeom>
-        </p:spPr>
-      </p:pic>
-      <p:pic>
-        <p:nvPicPr>
-          <p:cNvPr id="4" name="Picture 3">
-            <a:extLst>
-              <a:ext uri="{FF2B5EF4-FFF2-40B4-BE49-F238E27FC236}">
-                <a16:creationId xmlns:a16="http://schemas.microsoft.com/office/drawing/2014/main" id="{DA9FB519-8E55-40A5-8934-DB6ECE4BC0CC}"/>
-              </a:ext>
-            </a:extLst>
-          </p:cNvPr>
-          <p:cNvPicPr>
-            <a:picLocks noChangeAspect="1"/>
-          </p:cNvPicPr>
-          <p:nvPr/>
-        </p:nvPicPr>
-        <p:blipFill>
-          <a:blip r:embed="rId8"/>
-          <a:stretch>
-            <a:fillRect/>
-          </a:stretch>
-        </p:blipFill>
-        <p:spPr>
-          <a:xfrm>
-            <a:off x="4578119" y="3578808"/>
-            <a:ext cx="1409700" cy="628650"/>
-          </a:xfrm>
-          <a:prstGeom prst="rect">
-            <a:avLst/>
-          </a:prstGeom>
-        </p:spPr>
-      </p:pic>
-    </p:spTree>
-    <p:extLst>
-      <p:ext uri="{BB962C8B-B14F-4D97-AF65-F5344CB8AC3E}">
-        <p14:creationId xmlns:p14="http://schemas.microsoft.com/office/powerpoint/2010/main" val="3358470660"/>
-      </p:ext>
-    </p:extLst>
-  </p:cSld>
-  <p:clrMapOvr>
-    <a:masterClrMapping/>
-  </p:clrMapOvr>
-</p:sld>
-</file>
-
-<file path=ppt/slides/slide19.xml><?xml version="1.0" encoding="utf-8"?>
 <p:sld xmlns:a="http://schemas.openxmlformats.org/drawingml/2006/main" xmlns:r="http://schemas.openxmlformats.org/officeDocument/2006/relationships" xmlns:p="http://schemas.openxmlformats.org/presentationml/2006/main">
   <p:cSld>
     <p:spTree>
